--- a/Combined Documentation- Read First- REST API, Outlook, Teams, Maps Integration.pptx
+++ b/Combined Documentation- Read First- REST API, Outlook, Teams, Maps Integration.pptx
@@ -16,6 +16,7 @@
     <p:sldId id="264" r:id="rId14"/>
     <p:sldId id="265" r:id="rId15"/>
     <p:sldId id="266" r:id="rId16"/>
+    <p:sldId id="267" r:id="rId17"/>
   </p:sldIdLst>
   <p:sldSz cx="7556500" cy="10693400"/>
   <p:notesSz cx="7556500" cy="10693400"/>
@@ -1511,8 +1512,8 @@
         </p:nvSpPr>
         <p:spPr>
           <a:xfrm>
-            <a:off x="3296410" y="786041"/>
-            <a:ext cx="975360" cy="161290"/>
+            <a:off x="2009928" y="786041"/>
+            <a:ext cx="3548379" cy="161290"/>
           </a:xfrm>
           <a:prstGeom prst="rect">
             <a:avLst/>
@@ -1524,7 +1525,7 @@
           </a:bodyPr>
           <a:lstStyle/>
           <a:p>
-            <a:pPr marL="12700">
+            <a:pPr marL="38100">
               <a:lnSpc>
                 <a:spcPct val="100000"/>
               </a:lnSpc>
@@ -1540,7 +1541,7 @@
               <a:t>TEAM</a:t>
             </a:r>
             <a:r>
-              <a:rPr dirty="0" sz="850" spc="170">
+              <a:rPr dirty="0" sz="850" spc="225">
                 <a:latin typeface="Times New Roman"/>
                 <a:cs typeface="Times New Roman"/>
               </a:rPr>
@@ -1551,10 +1552,136 @@
                 <a:latin typeface="Times New Roman"/>
                 <a:cs typeface="Times New Roman"/>
               </a:rPr>
+              <a:t>SAYASH-</a:t>
+            </a:r>
+            <a:r>
+              <a:rPr dirty="0" sz="850" spc="215">
+                <a:latin typeface="Times New Roman"/>
+                <a:cs typeface="Times New Roman"/>
+              </a:rPr>
+              <a:t> </a:t>
+            </a:r>
+            <a:r>
+              <a:rPr dirty="0" sz="850" spc="110">
+                <a:latin typeface="Times New Roman"/>
+                <a:cs typeface="Times New Roman"/>
+              </a:rPr>
               <a:t>SAYASH</a:t>
             </a:r>
             <a:r>
+              <a:rPr dirty="0" sz="850" spc="220">
+                <a:latin typeface="Times New Roman"/>
+                <a:cs typeface="Times New Roman"/>
+              </a:rPr>
+              <a:t> </a:t>
+            </a:r>
+            <a:r>
+              <a:rPr dirty="0" sz="850" spc="100">
+                <a:latin typeface="Times New Roman"/>
+                <a:cs typeface="Times New Roman"/>
+              </a:rPr>
+              <a:t>RAAJ,</a:t>
+            </a:r>
+            <a:r>
+              <a:rPr dirty="0" sz="850" spc="215">
+                <a:latin typeface="Times New Roman"/>
+                <a:cs typeface="Times New Roman"/>
+              </a:rPr>
+              <a:t> </a:t>
+            </a:r>
+            <a:r>
+              <a:rPr dirty="0" sz="850" spc="10">
+                <a:latin typeface="Times New Roman"/>
+                <a:cs typeface="Times New Roman"/>
+              </a:rPr>
+              <a:t>I</a:t>
+            </a:r>
+            <a:r>
               <a:rPr dirty="0" sz="850" spc="-110">
+                <a:latin typeface="Times New Roman"/>
+                <a:cs typeface="Times New Roman"/>
+              </a:rPr>
+              <a:t> </a:t>
+            </a:r>
+            <a:r>
+              <a:rPr dirty="0" sz="850" spc="65">
+                <a:latin typeface="Times New Roman"/>
+                <a:cs typeface="Times New Roman"/>
+              </a:rPr>
+              <a:t>IT</a:t>
+            </a:r>
+            <a:r>
+              <a:rPr dirty="0" sz="850" spc="220">
+                <a:latin typeface="Times New Roman"/>
+                <a:cs typeface="Times New Roman"/>
+              </a:rPr>
+              <a:t> </a:t>
+            </a:r>
+            <a:r>
+              <a:rPr dirty="0" sz="850" spc="30">
+                <a:latin typeface="Times New Roman"/>
+                <a:cs typeface="Times New Roman"/>
+              </a:rPr>
+              <a:t>M</a:t>
+            </a:r>
+            <a:r>
+              <a:rPr dirty="0" sz="850" spc="-105">
+                <a:latin typeface="Times New Roman"/>
+                <a:cs typeface="Times New Roman"/>
+              </a:rPr>
+              <a:t> </a:t>
+            </a:r>
+            <a:r>
+              <a:rPr dirty="0" sz="850" spc="105">
+                <a:latin typeface="Times New Roman"/>
+                <a:cs typeface="Times New Roman"/>
+              </a:rPr>
+              <a:t>ADRAS</a:t>
+            </a:r>
+            <a:r>
+              <a:rPr dirty="0" sz="850" spc="220">
+                <a:latin typeface="Times New Roman"/>
+                <a:cs typeface="Times New Roman"/>
+              </a:rPr>
+              <a:t> </a:t>
+            </a:r>
+            <a:r>
+              <a:rPr dirty="0" sz="850" spc="15">
+                <a:latin typeface="Times New Roman"/>
+                <a:cs typeface="Times New Roman"/>
+              </a:rPr>
+              <a:t>3</a:t>
+            </a:r>
+            <a:r>
+              <a:rPr dirty="0" sz="850" spc="-110">
+                <a:latin typeface="Times New Roman"/>
+                <a:cs typeface="Times New Roman"/>
+              </a:rPr>
+              <a:t> </a:t>
+            </a:r>
+            <a:r>
+              <a:rPr dirty="0" baseline="37037" sz="900" spc="75">
+                <a:latin typeface="Times New Roman"/>
+                <a:cs typeface="Times New Roman"/>
+              </a:rPr>
+              <a:t>RD </a:t>
+            </a:r>
+            <a:r>
+              <a:rPr dirty="0" baseline="37037" sz="900" spc="120">
+                <a:latin typeface="Times New Roman"/>
+                <a:cs typeface="Times New Roman"/>
+              </a:rPr>
+              <a:t> </a:t>
+            </a:r>
+            <a:r>
+              <a:rPr dirty="0" sz="850" spc="100">
+                <a:latin typeface="Times New Roman"/>
+                <a:cs typeface="Times New Roman"/>
+              </a:rPr>
+              <a:t>YEAR</a:t>
+            </a:r>
+            <a:r>
+              <a:rPr dirty="0" sz="850" spc="-105">
                 <a:latin typeface="Times New Roman"/>
                 <a:cs typeface="Times New Roman"/>
               </a:rPr>
@@ -2050,16 +2177,60 @@
           <a:p/>
         </p:txBody>
       </p:sp>
+      <p:pic>
+        <p:nvPicPr>
+          <p:cNvPr id="10" name="object 10"/>
+          <p:cNvPicPr/>
+          <p:nvPr/>
+        </p:nvPicPr>
+        <p:blipFill>
+          <a:blip r:embed="rId2" cstate="print"/>
+          <a:stretch>
+            <a:fillRect/>
+          </a:stretch>
+        </p:blipFill>
+        <p:spPr>
+          <a:xfrm>
+            <a:off x="2231034" y="9585838"/>
+            <a:ext cx="137953" cy="133588"/>
+          </a:xfrm>
+          <a:prstGeom prst="rect">
+            <a:avLst/>
+          </a:prstGeom>
+        </p:spPr>
+      </p:pic>
+      <p:pic>
+        <p:nvPicPr>
+          <p:cNvPr id="11" name="object 11"/>
+          <p:cNvPicPr/>
+          <p:nvPr/>
+        </p:nvPicPr>
+        <p:blipFill>
+          <a:blip r:embed="rId3" cstate="print"/>
+          <a:stretch>
+            <a:fillRect/>
+          </a:stretch>
+        </p:blipFill>
+        <p:spPr>
+          <a:xfrm>
+            <a:off x="3001731" y="9584092"/>
+            <a:ext cx="139700" cy="139700"/>
+          </a:xfrm>
+          <a:prstGeom prst="rect">
+            <a:avLst/>
+          </a:prstGeom>
+        </p:spPr>
+      </p:pic>
       <p:sp>
         <p:nvSpPr>
-          <p:cNvPr id="10" name="object 10"/>
+          <p:cNvPr id="12" name="object 12"/>
           <p:cNvSpPr txBox="1"/>
           <p:nvPr/>
         </p:nvSpPr>
         <p:spPr>
           <a:xfrm>
             <a:off x="1152055" y="6138328"/>
-            <a:ext cx="4643755" cy="3601085"/>
+            <a:ext cx="4643755" cy="3613150"/>
           </a:xfrm>
           <a:prstGeom prst="rect">
             <a:avLst/>
@@ -2176,21 +2347,7 @@
                 <a:latin typeface="Times New Roman"/>
                 <a:cs typeface="Times New Roman"/>
               </a:rPr>
-              <a:t>Example JSON</a:t>
-            </a:r>
-            <a:r>
-              <a:rPr dirty="0" sz="1050" spc="30">
-                <a:latin typeface="Times New Roman"/>
-                <a:cs typeface="Times New Roman"/>
-              </a:rPr>
-              <a:t> </a:t>
-            </a:r>
-            <a:r>
-              <a:rPr dirty="0" sz="1050" spc="15">
-                <a:latin typeface="Times New Roman"/>
-                <a:cs typeface="Times New Roman"/>
-              </a:rPr>
-              <a:t>Request and</a:t>
+              <a:t>Outlook, Teams, Google</a:t>
             </a:r>
             <a:r>
               <a:rPr dirty="0" sz="1050" spc="25">
@@ -2200,25 +2357,81 @@
               <a:t> </a:t>
             </a:r>
             <a:r>
-              <a:rPr dirty="0" sz="1050" spc="20">
-                <a:latin typeface="Times New Roman"/>
-                <a:cs typeface="Times New Roman"/>
-              </a:rPr>
-              <a:t>JSON</a:t>
-            </a:r>
-            <a:r>
-              <a:rPr dirty="0" sz="1050" spc="30">
-                <a:latin typeface="Times New Roman"/>
-                <a:cs typeface="Times New Roman"/>
-              </a:rPr>
-              <a:t> </a:t>
-            </a:r>
-            <a:r>
-              <a:rPr dirty="0" sz="1050" spc="15">
-                <a:latin typeface="Times New Roman"/>
-                <a:cs typeface="Times New Roman"/>
-              </a:rPr>
-              <a:t>Response</a:t>
+              <a:rPr dirty="0" sz="1050" spc="15">
+                <a:latin typeface="Times New Roman"/>
+                <a:cs typeface="Times New Roman"/>
+              </a:rPr>
+              <a:t>Calendar,</a:t>
+            </a:r>
+            <a:r>
+              <a:rPr dirty="0" sz="1050" spc="20">
+                <a:latin typeface="Times New Roman"/>
+                <a:cs typeface="Times New Roman"/>
+              </a:rPr>
+              <a:t> </a:t>
+            </a:r>
+            <a:r>
+              <a:rPr dirty="0" sz="1050" spc="10">
+                <a:latin typeface="Times New Roman"/>
+                <a:cs typeface="Times New Roman"/>
+              </a:rPr>
+              <a:t>etc.</a:t>
+            </a:r>
+            <a:r>
+              <a:rPr dirty="0" sz="1050" spc="25">
+                <a:latin typeface="Times New Roman"/>
+                <a:cs typeface="Times New Roman"/>
+              </a:rPr>
+              <a:t> </a:t>
+            </a:r>
+            <a:r>
+              <a:rPr dirty="0" sz="1050" spc="10">
+                <a:latin typeface="Times New Roman"/>
+                <a:cs typeface="Times New Roman"/>
+              </a:rPr>
+              <a:t>all</a:t>
+            </a:r>
+            <a:r>
+              <a:rPr dirty="0" sz="1050" spc="20">
+                <a:latin typeface="Times New Roman"/>
+                <a:cs typeface="Times New Roman"/>
+              </a:rPr>
+              <a:t> </a:t>
+            </a:r>
+            <a:r>
+              <a:rPr dirty="0" sz="1050" spc="15">
+                <a:latin typeface="Times New Roman"/>
+                <a:cs typeface="Times New Roman"/>
+              </a:rPr>
+              <a:t>calendars</a:t>
+            </a:r>
+            <a:r>
+              <a:rPr dirty="0" sz="1050" spc="20">
+                <a:latin typeface="Times New Roman"/>
+                <a:cs typeface="Times New Roman"/>
+              </a:rPr>
+              <a:t> </a:t>
+            </a:r>
+            <a:r>
+              <a:rPr dirty="0" sz="1050" spc="15">
+                <a:latin typeface="Times New Roman"/>
+                <a:cs typeface="Times New Roman"/>
+              </a:rPr>
+              <a:t>integration</a:t>
+            </a:r>
+            <a:r>
+              <a:rPr dirty="0" sz="1050" spc="25">
+                <a:latin typeface="Times New Roman"/>
+                <a:cs typeface="Times New Roman"/>
+              </a:rPr>
+              <a:t> </a:t>
+            </a:r>
+            <a:r>
+              <a:rPr dirty="0" sz="1050" spc="15">
+                <a:latin typeface="Times New Roman"/>
+                <a:cs typeface="Times New Roman"/>
+              </a:rPr>
+              <a:t>details</a:t>
             </a:r>
             <a:endParaRPr sz="1050">
               <a:latin typeface="Times New Roman"/>
@@ -2244,21 +2457,49 @@
                 <a:latin typeface="Times New Roman"/>
                 <a:cs typeface="Times New Roman"/>
               </a:rPr>
-              <a:t>API</a:t>
-            </a:r>
-            <a:r>
-              <a:rPr dirty="0" sz="1050" spc="-20">
-                <a:latin typeface="Times New Roman"/>
-                <a:cs typeface="Times New Roman"/>
-              </a:rPr>
-              <a:t> </a:t>
-            </a:r>
-            <a:r>
-              <a:rPr dirty="0" sz="1050" spc="20">
-                <a:latin typeface="Times New Roman"/>
-                <a:cs typeface="Times New Roman"/>
-              </a:rPr>
-              <a:t>model</a:t>
+              <a:t>Example JSON</a:t>
+            </a:r>
+            <a:r>
+              <a:rPr dirty="0" sz="1050" spc="30">
+                <a:latin typeface="Times New Roman"/>
+                <a:cs typeface="Times New Roman"/>
+              </a:rPr>
+              <a:t> </a:t>
+            </a:r>
+            <a:r>
+              <a:rPr dirty="0" sz="1050" spc="15">
+                <a:latin typeface="Times New Roman"/>
+                <a:cs typeface="Times New Roman"/>
+              </a:rPr>
+              <a:t>Request and</a:t>
+            </a:r>
+            <a:r>
+              <a:rPr dirty="0" sz="1050" spc="25">
+                <a:latin typeface="Times New Roman"/>
+                <a:cs typeface="Times New Roman"/>
+              </a:rPr>
+              <a:t> </a:t>
+            </a:r>
+            <a:r>
+              <a:rPr dirty="0" sz="1050" spc="20">
+                <a:latin typeface="Times New Roman"/>
+                <a:cs typeface="Times New Roman"/>
+              </a:rPr>
+              <a:t>JSON</a:t>
+            </a:r>
+            <a:r>
+              <a:rPr dirty="0" sz="1050" spc="30">
+                <a:latin typeface="Times New Roman"/>
+                <a:cs typeface="Times New Roman"/>
+              </a:rPr>
+              <a:t> </a:t>
+            </a:r>
+            <a:r>
+              <a:rPr dirty="0" sz="1050" spc="15">
+                <a:latin typeface="Times New Roman"/>
+                <a:cs typeface="Times New Roman"/>
+              </a:rPr>
+              <a:t>Response</a:t>
             </a:r>
             <a:endParaRPr sz="1050">
               <a:latin typeface="Times New Roman"/>
@@ -2266,12 +2507,52 @@
             </a:endParaRPr>
           </a:p>
           <a:p>
+            <a:pPr marL="177165" indent="-164465">
+              <a:lnSpc>
+                <a:spcPct val="100000"/>
+              </a:lnSpc>
+              <a:spcBef>
+                <a:spcPts val="1165"/>
+              </a:spcBef>
+              <a:buFont typeface="Symbol"/>
+              <a:buChar char=""/>
+              <a:tabLst>
+                <a:tab pos="177165" algn="l"/>
+              </a:tabLst>
+            </a:pPr>
+            <a:r>
+              <a:rPr dirty="0" sz="1050" spc="20">
+                <a:latin typeface="Times New Roman"/>
+                <a:cs typeface="Times New Roman"/>
+              </a:rPr>
+              <a:t>API</a:t>
+            </a:r>
+            <a:r>
+              <a:rPr dirty="0" sz="1050" spc="-20">
+                <a:latin typeface="Times New Roman"/>
+                <a:cs typeface="Times New Roman"/>
+              </a:rPr>
+              <a:t> </a:t>
+            </a:r>
+            <a:r>
+              <a:rPr dirty="0" sz="1050" spc="20">
+                <a:latin typeface="Times New Roman"/>
+                <a:cs typeface="Times New Roman"/>
+              </a:rPr>
+              <a:t>model</a:t>
+            </a:r>
+            <a:endParaRPr sz="1050">
+              <a:latin typeface="Times New Roman"/>
+              <a:cs typeface="Times New Roman"/>
+            </a:endParaRPr>
+          </a:p>
+          <a:p>
             <a:pPr lvl="1" marL="615950" indent="-228600">
               <a:lnSpc>
                 <a:spcPct val="100000"/>
               </a:lnSpc>
               <a:spcBef>
-                <a:spcPts val="1095"/>
+                <a:spcPts val="1070"/>
               </a:spcBef>
               <a:buFont typeface="Courier New"/>
               <a:buChar char="o"/>
@@ -2539,35 +2820,84 @@
                 <a:latin typeface="Times New Roman"/>
                 <a:cs typeface="Times New Roman"/>
               </a:rPr>
-              <a:t>UI</a:t>
-            </a:r>
-            <a:r>
-              <a:rPr dirty="0" sz="1050" spc="5">
-                <a:latin typeface="Times New Roman"/>
-                <a:cs typeface="Times New Roman"/>
-              </a:rPr>
-              <a:t> </a:t>
-            </a:r>
-            <a:r>
-              <a:rPr dirty="0" sz="1050" spc="15">
-                <a:latin typeface="Times New Roman"/>
-                <a:cs typeface="Times New Roman"/>
-              </a:rPr>
-              <a:t>input</a:t>
-            </a:r>
-            <a:r>
-              <a:rPr dirty="0" sz="1050" spc="5">
-                <a:latin typeface="Times New Roman"/>
-                <a:cs typeface="Times New Roman"/>
-              </a:rPr>
-              <a:t> </a:t>
-            </a:r>
-            <a:r>
-              <a:rPr dirty="0" sz="1050" spc="15">
-                <a:latin typeface="Times New Roman"/>
-                <a:cs typeface="Times New Roman"/>
-              </a:rPr>
-              <a:t>scheduling</a:t>
+              <a:t>UI </a:t>
+            </a:r>
+            <a:r>
+              <a:rPr dirty="0" sz="1050" spc="15">
+                <a:latin typeface="Times New Roman"/>
+                <a:cs typeface="Times New Roman"/>
+              </a:rPr>
+              <a:t>Calendar</a:t>
+            </a:r>
+            <a:r>
+              <a:rPr dirty="0" sz="1050" spc="20">
+                <a:latin typeface="Times New Roman"/>
+                <a:cs typeface="Times New Roman"/>
+              </a:rPr>
+              <a:t> (Outlook, Google</a:t>
+            </a:r>
+            <a:r>
+              <a:rPr dirty="0" sz="1050" spc="30">
+                <a:latin typeface="Times New Roman"/>
+                <a:cs typeface="Times New Roman"/>
+              </a:rPr>
+              <a:t> </a:t>
+            </a:r>
+            <a:r>
+              <a:rPr dirty="0" sz="1050" spc="15">
+                <a:latin typeface="Times New Roman"/>
+                <a:cs typeface="Times New Roman"/>
+              </a:rPr>
+              <a:t>Calendar, </a:t>
+            </a:r>
+            <a:r>
+              <a:rPr dirty="0" sz="1050" spc="10">
+                <a:latin typeface="Times New Roman"/>
+                <a:cs typeface="Times New Roman"/>
+              </a:rPr>
+              <a:t>etc.</a:t>
+            </a:r>
+            <a:r>
+              <a:rPr dirty="0" sz="1050" spc="20">
+                <a:latin typeface="Times New Roman"/>
+                <a:cs typeface="Times New Roman"/>
+              </a:rPr>
+              <a:t> </a:t>
+            </a:r>
+            <a:r>
+              <a:rPr dirty="0" sz="1050" spc="10">
+                <a:latin typeface="Times New Roman"/>
+                <a:cs typeface="Times New Roman"/>
+              </a:rPr>
+              <a:t>all</a:t>
+            </a:r>
+            <a:r>
+              <a:rPr dirty="0" sz="1050" spc="25">
+                <a:latin typeface="Times New Roman"/>
+                <a:cs typeface="Times New Roman"/>
+              </a:rPr>
+              <a:t> </a:t>
+            </a:r>
+            <a:r>
+              <a:rPr dirty="0" sz="1050" spc="15">
+                <a:latin typeface="Times New Roman"/>
+                <a:cs typeface="Times New Roman"/>
+              </a:rPr>
+              <a:t>calendars)</a:t>
+            </a:r>
+            <a:r>
+              <a:rPr dirty="0" sz="1050" spc="20">
+                <a:latin typeface="Times New Roman"/>
+                <a:cs typeface="Times New Roman"/>
+              </a:rPr>
+              <a:t> </a:t>
+            </a:r>
+            <a:r>
+              <a:rPr dirty="0" sz="1050" spc="15">
+                <a:latin typeface="Times New Roman"/>
+                <a:cs typeface="Times New Roman"/>
+              </a:rPr>
+              <a:t>integration</a:t>
             </a:r>
             <a:endParaRPr sz="1050">
               <a:latin typeface="Times New Roman"/>
@@ -2575,135 +2905,18 @@
             </a:endParaRPr>
           </a:p>
           <a:p>
-            <a:pPr lvl="1" marL="615950" indent="-228600">
+            <a:pPr marL="177165" indent="-164465">
               <a:lnSpc>
                 <a:spcPct val="100000"/>
               </a:lnSpc>
               <a:spcBef>
-                <a:spcPts val="1070"/>
-              </a:spcBef>
-              <a:buFont typeface="Courier New"/>
-              <a:buChar char="o"/>
-              <a:tabLst>
-                <a:tab pos="615315" algn="l"/>
-                <a:tab pos="615950" algn="l"/>
-              </a:tabLst>
-            </a:pPr>
-            <a:r>
-              <a:rPr dirty="0" sz="1050" spc="20">
-                <a:latin typeface="Times New Roman"/>
-                <a:cs typeface="Times New Roman"/>
-              </a:rPr>
-              <a:t>UI </a:t>
-            </a:r>
-            <a:r>
-              <a:rPr dirty="0" sz="1050" spc="15">
-                <a:latin typeface="Times New Roman"/>
-                <a:cs typeface="Times New Roman"/>
-              </a:rPr>
-              <a:t>Calendar</a:t>
-            </a:r>
-            <a:r>
-              <a:rPr dirty="0" sz="1050" spc="25">
-                <a:latin typeface="Times New Roman"/>
-                <a:cs typeface="Times New Roman"/>
-              </a:rPr>
-              <a:t> </a:t>
-            </a:r>
-            <a:r>
-              <a:rPr dirty="0" sz="1050" spc="20">
-                <a:latin typeface="Times New Roman"/>
-                <a:cs typeface="Times New Roman"/>
-              </a:rPr>
-              <a:t>(Outlook, Google</a:t>
-            </a:r>
-            <a:r>
-              <a:rPr dirty="0" sz="1050" spc="30">
-                <a:latin typeface="Times New Roman"/>
-                <a:cs typeface="Times New Roman"/>
-              </a:rPr>
-              <a:t> </a:t>
-            </a:r>
-            <a:r>
-              <a:rPr dirty="0" sz="1050" spc="15">
-                <a:latin typeface="Times New Roman"/>
-                <a:cs typeface="Times New Roman"/>
-              </a:rPr>
-              <a:t>Calendar,</a:t>
-            </a:r>
-            <a:r>
-              <a:rPr dirty="0" sz="1050" spc="25">
-                <a:latin typeface="Times New Roman"/>
-                <a:cs typeface="Times New Roman"/>
-              </a:rPr>
-              <a:t> </a:t>
-            </a:r>
-            <a:r>
-              <a:rPr dirty="0" sz="1050" spc="10">
-                <a:latin typeface="Times New Roman"/>
-                <a:cs typeface="Times New Roman"/>
-              </a:rPr>
-              <a:t>etc.</a:t>
-            </a:r>
-            <a:r>
-              <a:rPr dirty="0" sz="1050" spc="20">
-                <a:latin typeface="Times New Roman"/>
-                <a:cs typeface="Times New Roman"/>
-              </a:rPr>
-              <a:t> </a:t>
-            </a:r>
-            <a:r>
-              <a:rPr dirty="0" sz="1050" spc="10">
-                <a:latin typeface="Times New Roman"/>
-                <a:cs typeface="Times New Roman"/>
-              </a:rPr>
-              <a:t>all</a:t>
-            </a:r>
-            <a:r>
-              <a:rPr dirty="0" sz="1050" spc="25">
-                <a:latin typeface="Times New Roman"/>
-                <a:cs typeface="Times New Roman"/>
-              </a:rPr>
-              <a:t> </a:t>
-            </a:r>
-            <a:r>
-              <a:rPr dirty="0" sz="1050" spc="15">
-                <a:latin typeface="Times New Roman"/>
-                <a:cs typeface="Times New Roman"/>
-              </a:rPr>
-              <a:t>calendars)</a:t>
-            </a:r>
-            <a:r>
-              <a:rPr dirty="0" sz="1050" spc="25">
-                <a:latin typeface="Times New Roman"/>
-                <a:cs typeface="Times New Roman"/>
-              </a:rPr>
-              <a:t> </a:t>
-            </a:r>
-            <a:r>
-              <a:rPr dirty="0" sz="1050" spc="15">
-                <a:latin typeface="Times New Roman"/>
-                <a:cs typeface="Times New Roman"/>
-              </a:rPr>
-              <a:t>integration</a:t>
-            </a:r>
-            <a:endParaRPr sz="1050">
-              <a:latin typeface="Times New Roman"/>
-              <a:cs typeface="Times New Roman"/>
-            </a:endParaRPr>
-          </a:p>
-          <a:p>
-            <a:pPr marL="177165" indent="-164465">
-              <a:lnSpc>
-                <a:spcPct val="100000"/>
-              </a:lnSpc>
-              <a:spcBef>
-                <a:spcPts val="1140"/>
+                <a:spcPts val="1165"/>
               </a:spcBef>
               <a:buFont typeface="Symbol"/>
               <a:buChar char=""/>
               <a:tabLst>
                 <a:tab pos="177165" algn="l"/>
+                <a:tab pos="2128520" algn="l"/>
               </a:tabLst>
             </a:pPr>
             <a:r>
@@ -2711,21 +2924,21 @@
                 <a:latin typeface="Times New Roman"/>
                 <a:cs typeface="Times New Roman"/>
               </a:rPr>
-              <a:t>Outlook,</a:t>
-            </a:r>
-            <a:r>
-              <a:rPr dirty="0" sz="1050" spc="15">
-                <a:latin typeface="Times New Roman"/>
-                <a:cs typeface="Times New Roman"/>
-              </a:rPr>
-              <a:t> </a:t>
-            </a:r>
-            <a:r>
-              <a:rPr dirty="0" sz="1050" spc="20">
-                <a:latin typeface="Times New Roman"/>
-                <a:cs typeface="Times New Roman"/>
-              </a:rPr>
-              <a:t>Teams, Google</a:t>
+              <a:t>Pseudocode</a:t>
+            </a:r>
+            <a:r>
+              <a:rPr dirty="0" sz="1050" spc="30">
+                <a:latin typeface="Times New Roman"/>
+                <a:cs typeface="Times New Roman"/>
+              </a:rPr>
+              <a:t> </a:t>
+            </a:r>
+            <a:r>
+              <a:rPr dirty="0" sz="1050" spc="15">
+                <a:latin typeface="Times New Roman"/>
+                <a:cs typeface="Times New Roman"/>
+              </a:rPr>
+              <a:t>for</a:t>
             </a:r>
             <a:r>
               <a:rPr dirty="0" sz="1050" spc="25">
@@ -2735,85 +2948,43 @@
               <a:t> </a:t>
             </a:r>
             <a:r>
-              <a:rPr dirty="0" sz="1050" spc="15">
-                <a:latin typeface="Times New Roman"/>
-                <a:cs typeface="Times New Roman"/>
-              </a:rPr>
-              <a:t>Calendar, </a:t>
-            </a:r>
-            <a:r>
-              <a:rPr dirty="0" sz="1050" spc="10">
-                <a:latin typeface="Times New Roman"/>
-                <a:cs typeface="Times New Roman"/>
-              </a:rPr>
-              <a:t>etc.</a:t>
-            </a:r>
-            <a:r>
-              <a:rPr dirty="0" sz="1050" spc="20">
-                <a:latin typeface="Times New Roman"/>
-                <a:cs typeface="Times New Roman"/>
-              </a:rPr>
-              <a:t> </a:t>
-            </a:r>
-            <a:r>
-              <a:rPr dirty="0" sz="1050" spc="10">
-                <a:latin typeface="Times New Roman"/>
-                <a:cs typeface="Times New Roman"/>
-              </a:rPr>
-              <a:t>all</a:t>
-            </a:r>
-            <a:r>
-              <a:rPr dirty="0" sz="1050" spc="20">
-                <a:latin typeface="Times New Roman"/>
-                <a:cs typeface="Times New Roman"/>
-              </a:rPr>
-              <a:t> </a:t>
-            </a:r>
-            <a:r>
-              <a:rPr dirty="0" sz="1050" spc="15">
-                <a:latin typeface="Times New Roman"/>
-                <a:cs typeface="Times New Roman"/>
-              </a:rPr>
-              <a:t>calendars</a:t>
-            </a:r>
-            <a:r>
-              <a:rPr dirty="0" sz="1050" spc="20">
-                <a:latin typeface="Times New Roman"/>
-                <a:cs typeface="Times New Roman"/>
-              </a:rPr>
-              <a:t> </a:t>
-            </a:r>
-            <a:r>
-              <a:rPr dirty="0" sz="1050" spc="15">
-                <a:latin typeface="Times New Roman"/>
-                <a:cs typeface="Times New Roman"/>
-              </a:rPr>
-              <a:t>integration</a:t>
-            </a:r>
-            <a:r>
-              <a:rPr dirty="0" sz="1050" spc="25">
-                <a:latin typeface="Times New Roman"/>
-                <a:cs typeface="Times New Roman"/>
-              </a:rPr>
-              <a:t> </a:t>
-            </a:r>
-            <a:r>
-              <a:rPr dirty="0" sz="1050" spc="15">
-                <a:latin typeface="Times New Roman"/>
-                <a:cs typeface="Times New Roman"/>
-              </a:rPr>
-              <a:t>details</a:t>
+              <a:rPr dirty="0" sz="1050" spc="20">
+                <a:latin typeface="Segoe UI Symbol"/>
+                <a:cs typeface="Segoe UI Symbol"/>
+              </a:rPr>
+              <a:t>🛵</a:t>
+            </a:r>
+            <a:r>
+              <a:rPr dirty="0" sz="1050" spc="20">
+                <a:latin typeface="Times New Roman"/>
+                <a:cs typeface="Times New Roman"/>
+              </a:rPr>
+              <a:t>B.R.A.S.R.</a:t>
+            </a:r>
+            <a:r>
+              <a:rPr dirty="0" sz="1050" spc="20">
+                <a:latin typeface="Segoe UI Symbol"/>
+                <a:cs typeface="Segoe UI Symbol"/>
+              </a:rPr>
+              <a:t>✅	</a:t>
+            </a:r>
+            <a:r>
+              <a:rPr dirty="0" sz="1050" spc="15">
+                <a:latin typeface="Calibri"/>
+                <a:cs typeface="Calibri"/>
+              </a:rPr>
+              <a:t>algorithm</a:t>
             </a:r>
             <a:endParaRPr sz="1050">
-              <a:latin typeface="Times New Roman"/>
-              <a:cs typeface="Times New Roman"/>
+              <a:latin typeface="Calibri"/>
+              <a:cs typeface="Calibri"/>
             </a:endParaRPr>
           </a:p>
         </p:txBody>
       </p:sp>
       <p:pic>
         <p:nvPicPr>
-          <p:cNvPr id="11" name="object 11"/>
+          <p:cNvPr id="13" name="object 13"/>
           <p:cNvPicPr/>
           <p:nvPr/>
         </p:nvPicPr>
@@ -3179,6 +3350,3002 @@
               </a:rPr>
               <a:t>11</a:t>
             </a:fld>
+          </a:p>
+        </p:txBody>
+      </p:sp>
+    </p:spTree>
+  </p:cSld>
+  <p:clrMapOvr>
+    <a:masterClrMapping/>
+  </p:clrMapOvr>
+</p:sld>
+</file>
+
+<file path=ppt/slides/slide12.xml><?xml version="1.0" encoding="utf-8"?>
+<p:sld xmlns:a="http://schemas.openxmlformats.org/drawingml/2006/main" xmlns:r="http://schemas.openxmlformats.org/officeDocument/2006/relationships" xmlns:p="http://schemas.openxmlformats.org/presentationml/2006/main">
+  <p:cSld>
+    <p:spTree>
+      <p:nvGrpSpPr>
+        <p:cNvPr id="1" name=""/>
+        <p:cNvGrpSpPr/>
+        <p:nvPr/>
+      </p:nvGrpSpPr>
+      <p:grpSpPr>
+        <a:xfrm>
+          <a:off x="0" y="0"/>
+          <a:ext cx="0" cy="0"/>
+          <a:chOff x="0" y="0"/>
+          <a:chExt cx="0" cy="0"/>
+        </a:xfrm>
+      </p:grpSpPr>
+      <p:pic>
+        <p:nvPicPr>
+          <p:cNvPr id="2" name="object 2"/>
+          <p:cNvPicPr/>
+          <p:nvPr/>
+        </p:nvPicPr>
+        <p:blipFill>
+          <a:blip r:embed="rId2" cstate="print"/>
+          <a:stretch>
+            <a:fillRect/>
+          </a:stretch>
+        </p:blipFill>
+        <p:spPr>
+          <a:xfrm>
+            <a:off x="1755420" y="819791"/>
+            <a:ext cx="137953" cy="133588"/>
+          </a:xfrm>
+          <a:prstGeom prst="rect">
+            <a:avLst/>
+          </a:prstGeom>
+        </p:spPr>
+      </p:pic>
+      <p:pic>
+        <p:nvPicPr>
+          <p:cNvPr id="3" name="object 3"/>
+          <p:cNvPicPr/>
+          <p:nvPr/>
+        </p:nvPicPr>
+        <p:blipFill>
+          <a:blip r:embed="rId3" cstate="print"/>
+          <a:stretch>
+            <a:fillRect/>
+          </a:stretch>
+        </p:blipFill>
+        <p:spPr>
+          <a:xfrm>
+            <a:off x="2526116" y="818045"/>
+            <a:ext cx="139700" cy="139700"/>
+          </a:xfrm>
+          <a:prstGeom prst="rect">
+            <a:avLst/>
+          </a:prstGeom>
+        </p:spPr>
+      </p:pic>
+      <p:sp>
+        <p:nvSpPr>
+          <p:cNvPr id="4" name="object 4"/>
+          <p:cNvSpPr txBox="1"/>
+          <p:nvPr/>
+        </p:nvSpPr>
+        <p:spPr>
+          <a:xfrm>
+            <a:off x="840905" y="795185"/>
+            <a:ext cx="5054600" cy="1804035"/>
+          </a:xfrm>
+          <a:prstGeom prst="rect">
+            <a:avLst/>
+          </a:prstGeom>
+        </p:spPr>
+        <p:txBody>
+          <a:bodyPr wrap="square" lIns="0" tIns="16510" rIns="0" bIns="0" rtlCol="0" vert="horz">
+            <a:spAutoFit/>
+          </a:bodyPr>
+          <a:lstStyle/>
+          <a:p>
+            <a:pPr marL="12700">
+              <a:lnSpc>
+                <a:spcPct val="100000"/>
+              </a:lnSpc>
+              <a:spcBef>
+                <a:spcPts val="130"/>
+              </a:spcBef>
+              <a:tabLst>
+                <a:tab pos="1964055" algn="l"/>
+              </a:tabLst>
+            </a:pPr>
+            <a:r>
+              <a:rPr dirty="0" sz="1050" spc="20">
+                <a:latin typeface="Times New Roman"/>
+                <a:cs typeface="Times New Roman"/>
+              </a:rPr>
+              <a:t>Pseudocode</a:t>
+            </a:r>
+            <a:r>
+              <a:rPr dirty="0" sz="1050" spc="30">
+                <a:latin typeface="Times New Roman"/>
+                <a:cs typeface="Times New Roman"/>
+              </a:rPr>
+              <a:t> </a:t>
+            </a:r>
+            <a:r>
+              <a:rPr dirty="0" sz="1050" spc="15">
+                <a:latin typeface="Times New Roman"/>
+                <a:cs typeface="Times New Roman"/>
+              </a:rPr>
+              <a:t>for</a:t>
+            </a:r>
+            <a:r>
+              <a:rPr dirty="0" sz="1050" spc="25">
+                <a:latin typeface="Times New Roman"/>
+                <a:cs typeface="Times New Roman"/>
+              </a:rPr>
+              <a:t> </a:t>
+            </a:r>
+            <a:r>
+              <a:rPr dirty="0" sz="1050" spc="20">
+                <a:latin typeface="Segoe UI Symbol"/>
+                <a:cs typeface="Segoe UI Symbol"/>
+              </a:rPr>
+              <a:t>🛵</a:t>
+            </a:r>
+            <a:r>
+              <a:rPr dirty="0" sz="1050" spc="20">
+                <a:latin typeface="Times New Roman"/>
+                <a:cs typeface="Times New Roman"/>
+              </a:rPr>
+              <a:t>B.R.A.S.R.</a:t>
+            </a:r>
+            <a:r>
+              <a:rPr dirty="0" sz="1050" spc="20">
+                <a:latin typeface="Segoe UI Symbol"/>
+                <a:cs typeface="Segoe UI Symbol"/>
+              </a:rPr>
+              <a:t>✅	</a:t>
+            </a:r>
+            <a:r>
+              <a:rPr dirty="0" sz="1050" spc="15">
+                <a:latin typeface="Calibri"/>
+                <a:cs typeface="Calibri"/>
+              </a:rPr>
+              <a:t>algorithm</a:t>
+            </a:r>
+            <a:endParaRPr sz="1050">
+              <a:latin typeface="Calibri"/>
+              <a:cs typeface="Calibri"/>
+            </a:endParaRPr>
+          </a:p>
+          <a:p>
+            <a:pPr algn="ctr" marL="843915" marR="5080">
+              <a:lnSpc>
+                <a:spcPct val="205900"/>
+              </a:lnSpc>
+              <a:spcBef>
+                <a:spcPts val="114"/>
+              </a:spcBef>
+            </a:pPr>
+            <a:r>
+              <a:rPr dirty="0" sz="850" spc="25">
+                <a:latin typeface="Courier New"/>
+                <a:cs typeface="Courier New"/>
+              </a:rPr>
+              <a:t>vis_mask</a:t>
+            </a:r>
+            <a:r>
+              <a:rPr dirty="0" sz="850" spc="40">
+                <a:latin typeface="Courier New"/>
+                <a:cs typeface="Courier New"/>
+              </a:rPr>
+              <a:t> </a:t>
+            </a:r>
+            <a:r>
+              <a:rPr dirty="0" sz="850" spc="20">
+                <a:latin typeface="Courier New"/>
+                <a:cs typeface="Courier New"/>
+              </a:rPr>
+              <a:t>=</a:t>
+            </a:r>
+            <a:r>
+              <a:rPr dirty="0" sz="850" spc="40">
+                <a:latin typeface="Courier New"/>
+                <a:cs typeface="Courier New"/>
+              </a:rPr>
+              <a:t> </a:t>
+            </a:r>
+            <a:r>
+              <a:rPr dirty="0" sz="850" spc="25">
+                <a:latin typeface="Courier New"/>
+                <a:cs typeface="Courier New"/>
+              </a:rPr>
+              <a:t>32-bit</a:t>
+            </a:r>
+            <a:r>
+              <a:rPr dirty="0" sz="850" spc="40">
+                <a:latin typeface="Courier New"/>
+                <a:cs typeface="Courier New"/>
+              </a:rPr>
+              <a:t> </a:t>
+            </a:r>
+            <a:r>
+              <a:rPr dirty="0" sz="850" spc="25">
+                <a:latin typeface="Courier New"/>
+                <a:cs typeface="Courier New"/>
+              </a:rPr>
+              <a:t>mask</a:t>
+            </a:r>
+            <a:r>
+              <a:rPr dirty="0" sz="850" spc="40">
+                <a:latin typeface="Courier New"/>
+                <a:cs typeface="Courier New"/>
+              </a:rPr>
+              <a:t> </a:t>
+            </a:r>
+            <a:r>
+              <a:rPr dirty="0" sz="850" spc="25">
+                <a:latin typeface="Courier New"/>
+                <a:cs typeface="Courier New"/>
+              </a:rPr>
+              <a:t>state</a:t>
+            </a:r>
+            <a:r>
+              <a:rPr dirty="0" sz="850" spc="40">
+                <a:latin typeface="Courier New"/>
+                <a:cs typeface="Courier New"/>
+              </a:rPr>
+              <a:t> </a:t>
+            </a:r>
+            <a:r>
+              <a:rPr dirty="0" sz="850" spc="25">
+                <a:latin typeface="Courier New"/>
+                <a:cs typeface="Courier New"/>
+              </a:rPr>
+              <a:t>storage</a:t>
+            </a:r>
+            <a:r>
+              <a:rPr dirty="0" sz="850" spc="45">
+                <a:latin typeface="Courier New"/>
+                <a:cs typeface="Courier New"/>
+              </a:rPr>
+              <a:t> </a:t>
+            </a:r>
+            <a:r>
+              <a:rPr dirty="0" sz="850" spc="25">
+                <a:latin typeface="Courier New"/>
+                <a:cs typeface="Courier New"/>
+              </a:rPr>
+              <a:t>of</a:t>
+            </a:r>
+            <a:r>
+              <a:rPr dirty="0" sz="850" spc="40">
+                <a:latin typeface="Courier New"/>
+                <a:cs typeface="Courier New"/>
+              </a:rPr>
+              <a:t> </a:t>
+            </a:r>
+            <a:r>
+              <a:rPr dirty="0" sz="850" spc="25">
+                <a:latin typeface="Courier New"/>
+                <a:cs typeface="Courier New"/>
+              </a:rPr>
+              <a:t>all</a:t>
+            </a:r>
+            <a:r>
+              <a:rPr dirty="0" sz="850" spc="40">
+                <a:latin typeface="Courier New"/>
+                <a:cs typeface="Courier New"/>
+              </a:rPr>
+              <a:t> </a:t>
+            </a:r>
+            <a:r>
+              <a:rPr dirty="0" sz="850" spc="25">
+                <a:latin typeface="Courier New"/>
+                <a:cs typeface="Courier New"/>
+              </a:rPr>
+              <a:t>visited</a:t>
+            </a:r>
+            <a:r>
+              <a:rPr dirty="0" sz="850" spc="40">
+                <a:latin typeface="Courier New"/>
+                <a:cs typeface="Courier New"/>
+              </a:rPr>
+              <a:t> </a:t>
+            </a:r>
+            <a:r>
+              <a:rPr dirty="0" sz="850" spc="25">
+                <a:latin typeface="Courier New"/>
+                <a:cs typeface="Courier New"/>
+              </a:rPr>
+              <a:t>nodes </a:t>
+            </a:r>
+            <a:r>
+              <a:rPr dirty="0" sz="850" spc="30">
+                <a:latin typeface="Courier New"/>
+                <a:cs typeface="Courier New"/>
+              </a:rPr>
+              <a:t> </a:t>
+            </a:r>
+            <a:r>
+              <a:rPr dirty="0" sz="850" spc="25">
+                <a:latin typeface="Courier New"/>
+                <a:cs typeface="Courier New"/>
+              </a:rPr>
+              <a:t>skipped_mask</a:t>
+            </a:r>
+            <a:r>
+              <a:rPr dirty="0" sz="850" spc="45">
+                <a:latin typeface="Courier New"/>
+                <a:cs typeface="Courier New"/>
+              </a:rPr>
+              <a:t> </a:t>
+            </a:r>
+            <a:r>
+              <a:rPr dirty="0" sz="850" spc="20">
+                <a:latin typeface="Courier New"/>
+                <a:cs typeface="Courier New"/>
+              </a:rPr>
+              <a:t>=</a:t>
+            </a:r>
+            <a:r>
+              <a:rPr dirty="0" sz="850" spc="45">
+                <a:latin typeface="Courier New"/>
+                <a:cs typeface="Courier New"/>
+              </a:rPr>
+              <a:t> </a:t>
+            </a:r>
+            <a:r>
+              <a:rPr dirty="0" sz="850" spc="25">
+                <a:latin typeface="Courier New"/>
+                <a:cs typeface="Courier New"/>
+              </a:rPr>
+              <a:t>32-bit</a:t>
+            </a:r>
+            <a:r>
+              <a:rPr dirty="0" sz="850" spc="45">
+                <a:latin typeface="Courier New"/>
+                <a:cs typeface="Courier New"/>
+              </a:rPr>
+              <a:t> </a:t>
+            </a:r>
+            <a:r>
+              <a:rPr dirty="0" sz="850" spc="25">
+                <a:latin typeface="Courier New"/>
+                <a:cs typeface="Courier New"/>
+              </a:rPr>
+              <a:t>mask</a:t>
+            </a:r>
+            <a:r>
+              <a:rPr dirty="0" sz="850" spc="45">
+                <a:latin typeface="Courier New"/>
+                <a:cs typeface="Courier New"/>
+              </a:rPr>
+              <a:t> </a:t>
+            </a:r>
+            <a:r>
+              <a:rPr dirty="0" sz="850" spc="25">
+                <a:latin typeface="Courier New"/>
+                <a:cs typeface="Courier New"/>
+              </a:rPr>
+              <a:t>state</a:t>
+            </a:r>
+            <a:r>
+              <a:rPr dirty="0" sz="850" spc="45">
+                <a:latin typeface="Courier New"/>
+                <a:cs typeface="Courier New"/>
+              </a:rPr>
+              <a:t> </a:t>
+            </a:r>
+            <a:r>
+              <a:rPr dirty="0" sz="850" spc="25">
+                <a:latin typeface="Courier New"/>
+                <a:cs typeface="Courier New"/>
+              </a:rPr>
+              <a:t>storage</a:t>
+            </a:r>
+            <a:r>
+              <a:rPr dirty="0" sz="850" spc="45">
+                <a:latin typeface="Courier New"/>
+                <a:cs typeface="Courier New"/>
+              </a:rPr>
+              <a:t> </a:t>
+            </a:r>
+            <a:r>
+              <a:rPr dirty="0" sz="850" spc="25">
+                <a:latin typeface="Courier New"/>
+                <a:cs typeface="Courier New"/>
+              </a:rPr>
+              <a:t>of</a:t>
+            </a:r>
+            <a:r>
+              <a:rPr dirty="0" sz="850" spc="45">
+                <a:latin typeface="Courier New"/>
+                <a:cs typeface="Courier New"/>
+              </a:rPr>
+              <a:t> </a:t>
+            </a:r>
+            <a:r>
+              <a:rPr dirty="0" sz="850" spc="25">
+                <a:latin typeface="Courier New"/>
+                <a:cs typeface="Courier New"/>
+              </a:rPr>
+              <a:t>all</a:t>
+            </a:r>
+            <a:r>
+              <a:rPr dirty="0" sz="850" spc="45">
+                <a:latin typeface="Courier New"/>
+                <a:cs typeface="Courier New"/>
+              </a:rPr>
+              <a:t> </a:t>
+            </a:r>
+            <a:r>
+              <a:rPr dirty="0" sz="850" spc="25">
+                <a:latin typeface="Courier New"/>
+                <a:cs typeface="Courier New"/>
+              </a:rPr>
+              <a:t>skipped</a:t>
+            </a:r>
+            <a:r>
+              <a:rPr dirty="0" sz="850" spc="45">
+                <a:latin typeface="Courier New"/>
+                <a:cs typeface="Courier New"/>
+              </a:rPr>
+              <a:t> </a:t>
+            </a:r>
+            <a:r>
+              <a:rPr dirty="0" sz="850" spc="25">
+                <a:latin typeface="Courier New"/>
+                <a:cs typeface="Courier New"/>
+              </a:rPr>
+              <a:t>nodes </a:t>
+            </a:r>
+            <a:r>
+              <a:rPr dirty="0" sz="850" spc="-495">
+                <a:latin typeface="Courier New"/>
+                <a:cs typeface="Courier New"/>
+              </a:rPr>
+              <a:t> </a:t>
+            </a:r>
+            <a:r>
+              <a:rPr dirty="0" sz="850" spc="25">
+                <a:latin typeface="Courier New"/>
+                <a:cs typeface="Courier New"/>
+              </a:rPr>
+              <a:t>pos</a:t>
+            </a:r>
+            <a:r>
+              <a:rPr dirty="0" sz="850" spc="35">
+                <a:latin typeface="Courier New"/>
+                <a:cs typeface="Courier New"/>
+              </a:rPr>
+              <a:t> </a:t>
+            </a:r>
+            <a:r>
+              <a:rPr dirty="0" sz="850" spc="20">
+                <a:latin typeface="Courier New"/>
+                <a:cs typeface="Courier New"/>
+              </a:rPr>
+              <a:t>=</a:t>
+            </a:r>
+            <a:r>
+              <a:rPr dirty="0" sz="850" spc="35">
+                <a:latin typeface="Courier New"/>
+                <a:cs typeface="Courier New"/>
+              </a:rPr>
+              <a:t> </a:t>
+            </a:r>
+            <a:r>
+              <a:rPr dirty="0" sz="850" spc="25">
+                <a:latin typeface="Courier New"/>
+                <a:cs typeface="Courier New"/>
+              </a:rPr>
+              <a:t>node</a:t>
+            </a:r>
+            <a:r>
+              <a:rPr dirty="0" sz="850" spc="35">
+                <a:latin typeface="Courier New"/>
+                <a:cs typeface="Courier New"/>
+              </a:rPr>
+              <a:t> </a:t>
+            </a:r>
+            <a:r>
+              <a:rPr dirty="0" sz="850" spc="25">
+                <a:latin typeface="Courier New"/>
+                <a:cs typeface="Courier New"/>
+              </a:rPr>
+              <a:t>number</a:t>
+            </a:r>
+            <a:r>
+              <a:rPr dirty="0" sz="850" spc="35">
+                <a:latin typeface="Courier New"/>
+                <a:cs typeface="Courier New"/>
+              </a:rPr>
+              <a:t> </a:t>
+            </a:r>
+            <a:r>
+              <a:rPr dirty="0" sz="850" spc="25">
+                <a:latin typeface="Courier New"/>
+                <a:cs typeface="Courier New"/>
+              </a:rPr>
+              <a:t>mapped</a:t>
+            </a:r>
+            <a:r>
+              <a:rPr dirty="0" sz="850" spc="35">
+                <a:latin typeface="Courier New"/>
+                <a:cs typeface="Courier New"/>
+              </a:rPr>
+              <a:t> </a:t>
+            </a:r>
+            <a:r>
+              <a:rPr dirty="0" sz="850" spc="25">
+                <a:latin typeface="Courier New"/>
+                <a:cs typeface="Courier New"/>
+              </a:rPr>
+              <a:t>to</a:t>
+            </a:r>
+            <a:r>
+              <a:rPr dirty="0" sz="850" spc="35">
+                <a:latin typeface="Courier New"/>
+                <a:cs typeface="Courier New"/>
+              </a:rPr>
+              <a:t> </a:t>
+            </a:r>
+            <a:r>
+              <a:rPr dirty="0" sz="850" spc="25">
+                <a:latin typeface="Courier New"/>
+                <a:cs typeface="Courier New"/>
+              </a:rPr>
+              <a:t>location</a:t>
+            </a:r>
+            <a:endParaRPr sz="850">
+              <a:latin typeface="Courier New"/>
+              <a:cs typeface="Courier New"/>
+            </a:endParaRPr>
+          </a:p>
+          <a:p>
+            <a:pPr>
+              <a:lnSpc>
+                <a:spcPct val="100000"/>
+              </a:lnSpc>
+              <a:spcBef>
+                <a:spcPts val="45"/>
+              </a:spcBef>
+            </a:pPr>
+            <a:endParaRPr sz="900">
+              <a:latin typeface="Courier New"/>
+              <a:cs typeface="Courier New"/>
+            </a:endParaRPr>
+          </a:p>
+          <a:p>
+            <a:pPr algn="ctr" marL="831215">
+              <a:lnSpc>
+                <a:spcPct val="100000"/>
+              </a:lnSpc>
+              <a:spcBef>
+                <a:spcPts val="5"/>
+              </a:spcBef>
+            </a:pPr>
+            <a:r>
+              <a:rPr dirty="0" sz="850" spc="25">
+                <a:latin typeface="Courier New"/>
+                <a:cs typeface="Courier New"/>
+              </a:rPr>
+              <a:t>ssf </a:t>
+            </a:r>
+            <a:r>
+              <a:rPr dirty="0" sz="850" spc="20">
+                <a:latin typeface="Courier New"/>
+                <a:cs typeface="Courier New"/>
+              </a:rPr>
+              <a:t>=</a:t>
+            </a:r>
+            <a:r>
+              <a:rPr dirty="0" sz="850" spc="30">
+                <a:latin typeface="Courier New"/>
+                <a:cs typeface="Courier New"/>
+              </a:rPr>
+              <a:t> </a:t>
+            </a:r>
+            <a:r>
+              <a:rPr dirty="0" sz="850" spc="25">
+                <a:latin typeface="Courier New"/>
+                <a:cs typeface="Courier New"/>
+              </a:rPr>
+              <a:t>current</a:t>
+            </a:r>
+            <a:r>
+              <a:rPr dirty="0" sz="850" spc="30">
+                <a:latin typeface="Courier New"/>
+                <a:cs typeface="Courier New"/>
+              </a:rPr>
+              <a:t> </a:t>
+            </a:r>
+            <a:r>
+              <a:rPr dirty="0" sz="850" spc="25">
+                <a:latin typeface="Courier New"/>
+                <a:cs typeface="Courier New"/>
+              </a:rPr>
+              <a:t>time</a:t>
+            </a:r>
+            <a:r>
+              <a:rPr dirty="0" sz="850" spc="30">
+                <a:latin typeface="Courier New"/>
+                <a:cs typeface="Courier New"/>
+              </a:rPr>
+              <a:t> </a:t>
+            </a:r>
+            <a:r>
+              <a:rPr dirty="0" sz="850" spc="25">
+                <a:latin typeface="Courier New"/>
+                <a:cs typeface="Courier New"/>
+              </a:rPr>
+              <a:t>so</a:t>
+            </a:r>
+            <a:r>
+              <a:rPr dirty="0" sz="850" spc="30">
+                <a:latin typeface="Courier New"/>
+                <a:cs typeface="Courier New"/>
+              </a:rPr>
+              <a:t> </a:t>
+            </a:r>
+            <a:r>
+              <a:rPr dirty="0" sz="850" spc="25">
+                <a:latin typeface="Courier New"/>
+                <a:cs typeface="Courier New"/>
+              </a:rPr>
+              <a:t>far</a:t>
+            </a:r>
+            <a:endParaRPr sz="850">
+              <a:latin typeface="Courier New"/>
+              <a:cs typeface="Courier New"/>
+            </a:endParaRPr>
+          </a:p>
+          <a:p>
+            <a:pPr algn="ctr" marL="2082164" marR="1243330">
+              <a:lnSpc>
+                <a:spcPct val="204700"/>
+              </a:lnSpc>
+              <a:spcBef>
+                <a:spcPts val="20"/>
+              </a:spcBef>
+            </a:pPr>
+            <a:r>
+              <a:rPr dirty="0" sz="850" spc="25">
+                <a:latin typeface="Courier New"/>
+                <a:cs typeface="Courier New"/>
+              </a:rPr>
+              <a:t>total </a:t>
+            </a:r>
+            <a:r>
+              <a:rPr dirty="0" sz="850" spc="20">
+                <a:latin typeface="Courier New"/>
+                <a:cs typeface="Courier New"/>
+              </a:rPr>
+              <a:t>=</a:t>
+            </a:r>
+            <a:r>
+              <a:rPr dirty="0" sz="850" spc="30">
+                <a:latin typeface="Courier New"/>
+                <a:cs typeface="Courier New"/>
+              </a:rPr>
+              <a:t> </a:t>
+            </a:r>
+            <a:r>
+              <a:rPr dirty="0" sz="850" spc="25">
+                <a:latin typeface="Courier New"/>
+                <a:cs typeface="Courier New"/>
+              </a:rPr>
+              <a:t>total</a:t>
+            </a:r>
+            <a:r>
+              <a:rPr dirty="0" sz="850" spc="30">
+                <a:latin typeface="Courier New"/>
+                <a:cs typeface="Courier New"/>
+              </a:rPr>
+              <a:t> </a:t>
+            </a:r>
+            <a:r>
+              <a:rPr dirty="0" sz="850" spc="25">
+                <a:latin typeface="Courier New"/>
+                <a:cs typeface="Courier New"/>
+              </a:rPr>
+              <a:t>time</a:t>
+            </a:r>
+            <a:r>
+              <a:rPr dirty="0" sz="850" spc="30">
+                <a:latin typeface="Courier New"/>
+                <a:cs typeface="Courier New"/>
+              </a:rPr>
+              <a:t> </a:t>
+            </a:r>
+            <a:r>
+              <a:rPr dirty="0" sz="850" spc="25">
+                <a:latin typeface="Courier New"/>
+                <a:cs typeface="Courier New"/>
+              </a:rPr>
+              <a:t>so</a:t>
+            </a:r>
+            <a:r>
+              <a:rPr dirty="0" sz="850" spc="30">
+                <a:latin typeface="Courier New"/>
+                <a:cs typeface="Courier New"/>
+              </a:rPr>
+              <a:t> </a:t>
+            </a:r>
+            <a:r>
+              <a:rPr dirty="0" sz="850" spc="25">
+                <a:latin typeface="Courier New"/>
+                <a:cs typeface="Courier New"/>
+              </a:rPr>
+              <a:t>far </a:t>
+            </a:r>
+            <a:r>
+              <a:rPr dirty="0" sz="850" spc="-495">
+                <a:latin typeface="Courier New"/>
+                <a:cs typeface="Courier New"/>
+              </a:rPr>
+              <a:t> </a:t>
+            </a:r>
+            <a:r>
+              <a:rPr dirty="0" sz="850" spc="25">
+                <a:latin typeface="Courier New"/>
+                <a:cs typeface="Courier New"/>
+              </a:rPr>
+              <a:t>day</a:t>
+            </a:r>
+            <a:r>
+              <a:rPr dirty="0" sz="850" spc="30">
+                <a:latin typeface="Courier New"/>
+                <a:cs typeface="Courier New"/>
+              </a:rPr>
+              <a:t> </a:t>
+            </a:r>
+            <a:r>
+              <a:rPr dirty="0" sz="850" spc="20">
+                <a:latin typeface="Courier New"/>
+                <a:cs typeface="Courier New"/>
+              </a:rPr>
+              <a:t>=</a:t>
+            </a:r>
+            <a:r>
+              <a:rPr dirty="0" sz="850" spc="30">
+                <a:latin typeface="Courier New"/>
+                <a:cs typeface="Courier New"/>
+              </a:rPr>
+              <a:t> </a:t>
+            </a:r>
+            <a:r>
+              <a:rPr dirty="0" sz="850" spc="25">
+                <a:latin typeface="Courier New"/>
+                <a:cs typeface="Courier New"/>
+              </a:rPr>
+              <a:t>current</a:t>
+            </a:r>
+            <a:r>
+              <a:rPr dirty="0" sz="850" spc="30">
+                <a:latin typeface="Courier New"/>
+                <a:cs typeface="Courier New"/>
+              </a:rPr>
+              <a:t> </a:t>
+            </a:r>
+            <a:r>
+              <a:rPr dirty="0" sz="850" spc="25">
+                <a:latin typeface="Courier New"/>
+                <a:cs typeface="Courier New"/>
+              </a:rPr>
+              <a:t>day</a:t>
+            </a:r>
+            <a:endParaRPr sz="850">
+              <a:latin typeface="Courier New"/>
+              <a:cs typeface="Courier New"/>
+            </a:endParaRPr>
+          </a:p>
+        </p:txBody>
+      </p:sp>
+      <p:sp>
+        <p:nvSpPr>
+          <p:cNvPr id="6" name="object 6"/>
+          <p:cNvSpPr txBox="1">
+            <a:spLocks noGrp="1"/>
+          </p:cNvSpPr>
+          <p:nvPr>
+            <p:ph type="sldNum" idx="7" sz="quarter"/>
+          </p:nvPr>
+        </p:nvSpPr>
+        <p:spPr>
+          <a:prstGeom prst="rect"/>
+        </p:spPr>
+        <p:txBody>
+          <a:bodyPr wrap="square" lIns="0" tIns="16510" rIns="0" bIns="0" rtlCol="0" vert="horz">
+            <a:spAutoFit/>
+          </a:bodyPr>
+          <a:lstStyle/>
+          <a:p>
+            <a:pPr marL="12700">
+              <a:lnSpc>
+                <a:spcPct val="100000"/>
+              </a:lnSpc>
+              <a:spcBef>
+                <a:spcPts val="130"/>
+              </a:spcBef>
+              <a:tabLst>
+                <a:tab pos="1064260" algn="l"/>
+                <a:tab pos="1773555" algn="l"/>
+              </a:tabLst>
+            </a:pPr>
+            <a:r>
+              <a:rPr dirty="0" spc="20">
+                <a:latin typeface="Segoe UI Symbol"/>
+                <a:cs typeface="Segoe UI Symbol"/>
+              </a:rPr>
+              <a:t>🛵</a:t>
+            </a:r>
+            <a:r>
+              <a:rPr dirty="0" spc="20"/>
+              <a:t>B.R.A.S.R.</a:t>
+            </a:r>
+            <a:r>
+              <a:rPr dirty="0" spc="20">
+                <a:latin typeface="Segoe UI Symbol"/>
+                <a:cs typeface="Segoe UI Symbol"/>
+              </a:rPr>
+              <a:t>✅	</a:t>
+            </a:r>
+            <a:r>
+              <a:rPr dirty="0" spc="25"/>
+              <a:t>SAYASH	</a:t>
+            </a:r>
+            <a:fld id="{81D60167-4931-47E6-BA6A-407CBD079E47}" type="slidenum">
+              <a:rPr dirty="0" spc="15">
+                <a:solidFill>
+                  <a:srgbClr val="FFFFFF"/>
+                </a:solidFill>
+              </a:rPr>
+              <a:t>11</a:t>
+            </a:fld>
+          </a:p>
+        </p:txBody>
+      </p:sp>
+      <p:sp>
+        <p:nvSpPr>
+          <p:cNvPr id="5" name="object 5"/>
+          <p:cNvSpPr txBox="1"/>
+          <p:nvPr/>
+        </p:nvSpPr>
+        <p:spPr>
+          <a:xfrm>
+            <a:off x="835317" y="2728125"/>
+            <a:ext cx="5897880" cy="6537959"/>
+          </a:xfrm>
+          <a:prstGeom prst="rect">
+            <a:avLst/>
+          </a:prstGeom>
+          <a:solidFill>
+            <a:srgbClr val="F2F2F2"/>
+          </a:solidFill>
+        </p:spPr>
+        <p:txBody>
+          <a:bodyPr wrap="square" lIns="0" tIns="0" rIns="0" bIns="0" rtlCol="0" vert="horz">
+            <a:spAutoFit/>
+          </a:bodyPr>
+          <a:lstStyle/>
+          <a:p>
+            <a:pPr marL="17780">
+              <a:lnSpc>
+                <a:spcPts val="985"/>
+              </a:lnSpc>
+            </a:pPr>
+            <a:r>
+              <a:rPr dirty="0" sz="850" spc="25">
+                <a:latin typeface="Courier New"/>
+                <a:cs typeface="Courier New"/>
+              </a:rPr>
+              <a:t>int</a:t>
+            </a:r>
+            <a:r>
+              <a:rPr dirty="0" sz="850" spc="45">
+                <a:latin typeface="Courier New"/>
+                <a:cs typeface="Courier New"/>
+              </a:rPr>
+              <a:t> </a:t>
+            </a:r>
+            <a:r>
+              <a:rPr dirty="0" sz="850" spc="25">
+                <a:latin typeface="Courier New"/>
+                <a:cs typeface="Courier New"/>
+              </a:rPr>
+              <a:t>BRASR(int</a:t>
+            </a:r>
+            <a:r>
+              <a:rPr dirty="0" sz="850" spc="45">
+                <a:latin typeface="Courier New"/>
+                <a:cs typeface="Courier New"/>
+              </a:rPr>
+              <a:t> </a:t>
+            </a:r>
+            <a:r>
+              <a:rPr dirty="0" sz="850" spc="25">
+                <a:latin typeface="Courier New"/>
+                <a:cs typeface="Courier New"/>
+              </a:rPr>
+              <a:t>vis_mask,</a:t>
+            </a:r>
+            <a:r>
+              <a:rPr dirty="0" sz="850" spc="45">
+                <a:latin typeface="Courier New"/>
+                <a:cs typeface="Courier New"/>
+              </a:rPr>
+              <a:t> </a:t>
+            </a:r>
+            <a:r>
+              <a:rPr dirty="0" sz="850" spc="25">
+                <a:latin typeface="Courier New"/>
+                <a:cs typeface="Courier New"/>
+              </a:rPr>
+              <a:t>int</a:t>
+            </a:r>
+            <a:r>
+              <a:rPr dirty="0" sz="850" spc="45">
+                <a:latin typeface="Courier New"/>
+                <a:cs typeface="Courier New"/>
+              </a:rPr>
+              <a:t> </a:t>
+            </a:r>
+            <a:r>
+              <a:rPr dirty="0" sz="850" spc="25">
+                <a:latin typeface="Courier New"/>
+                <a:cs typeface="Courier New"/>
+              </a:rPr>
+              <a:t>skipped_mask,</a:t>
+            </a:r>
+            <a:r>
+              <a:rPr dirty="0" sz="850" spc="50">
+                <a:latin typeface="Courier New"/>
+                <a:cs typeface="Courier New"/>
+              </a:rPr>
+              <a:t> </a:t>
+            </a:r>
+            <a:r>
+              <a:rPr dirty="0" sz="850" spc="25">
+                <a:latin typeface="Courier New"/>
+                <a:cs typeface="Courier New"/>
+              </a:rPr>
+              <a:t>int</a:t>
+            </a:r>
+            <a:r>
+              <a:rPr dirty="0" sz="850" spc="45">
+                <a:latin typeface="Courier New"/>
+                <a:cs typeface="Courier New"/>
+              </a:rPr>
+              <a:t> </a:t>
+            </a:r>
+            <a:r>
+              <a:rPr dirty="0" sz="850" spc="25">
+                <a:latin typeface="Courier New"/>
+                <a:cs typeface="Courier New"/>
+              </a:rPr>
+              <a:t>pos,</a:t>
+            </a:r>
+            <a:r>
+              <a:rPr dirty="0" sz="850" spc="45">
+                <a:latin typeface="Courier New"/>
+                <a:cs typeface="Courier New"/>
+              </a:rPr>
+              <a:t> </a:t>
+            </a:r>
+            <a:r>
+              <a:rPr dirty="0" sz="850" spc="25">
+                <a:latin typeface="Courier New"/>
+                <a:cs typeface="Courier New"/>
+              </a:rPr>
+              <a:t>int</a:t>
+            </a:r>
+            <a:r>
+              <a:rPr dirty="0" sz="850" spc="45">
+                <a:latin typeface="Courier New"/>
+                <a:cs typeface="Courier New"/>
+              </a:rPr>
+              <a:t> </a:t>
+            </a:r>
+            <a:r>
+              <a:rPr dirty="0" sz="850" spc="25">
+                <a:latin typeface="Courier New"/>
+                <a:cs typeface="Courier New"/>
+              </a:rPr>
+              <a:t>ssf,</a:t>
+            </a:r>
+            <a:r>
+              <a:rPr dirty="0" sz="850" spc="50">
+                <a:latin typeface="Courier New"/>
+                <a:cs typeface="Courier New"/>
+              </a:rPr>
+              <a:t> </a:t>
+            </a:r>
+            <a:r>
+              <a:rPr dirty="0" sz="850" spc="25">
+                <a:latin typeface="Courier New"/>
+                <a:cs typeface="Courier New"/>
+              </a:rPr>
+              <a:t>int</a:t>
+            </a:r>
+            <a:r>
+              <a:rPr dirty="0" sz="850" spc="45">
+                <a:latin typeface="Courier New"/>
+                <a:cs typeface="Courier New"/>
+              </a:rPr>
+              <a:t> </a:t>
+            </a:r>
+            <a:r>
+              <a:rPr dirty="0" sz="850" spc="25">
+                <a:latin typeface="Courier New"/>
+                <a:cs typeface="Courier New"/>
+              </a:rPr>
+              <a:t>total,</a:t>
+            </a:r>
+            <a:r>
+              <a:rPr dirty="0" sz="850" spc="45">
+                <a:latin typeface="Courier New"/>
+                <a:cs typeface="Courier New"/>
+              </a:rPr>
+              <a:t> </a:t>
+            </a:r>
+            <a:r>
+              <a:rPr dirty="0" sz="850" spc="25">
+                <a:latin typeface="Courier New"/>
+                <a:cs typeface="Courier New"/>
+              </a:rPr>
+              <a:t>int</a:t>
+            </a:r>
+            <a:r>
+              <a:rPr dirty="0" sz="850" spc="45">
+                <a:latin typeface="Courier New"/>
+                <a:cs typeface="Courier New"/>
+              </a:rPr>
+              <a:t> </a:t>
+            </a:r>
+            <a:r>
+              <a:rPr dirty="0" sz="850" spc="25">
+                <a:latin typeface="Courier New"/>
+                <a:cs typeface="Courier New"/>
+              </a:rPr>
+              <a:t>day)</a:t>
+            </a:r>
+            <a:endParaRPr sz="850">
+              <a:latin typeface="Courier New"/>
+              <a:cs typeface="Courier New"/>
+            </a:endParaRPr>
+          </a:p>
+          <a:p>
+            <a:pPr>
+              <a:lnSpc>
+                <a:spcPct val="100000"/>
+              </a:lnSpc>
+              <a:spcBef>
+                <a:spcPts val="45"/>
+              </a:spcBef>
+            </a:pPr>
+            <a:endParaRPr sz="900">
+              <a:latin typeface="Courier New"/>
+              <a:cs typeface="Courier New"/>
+            </a:endParaRPr>
+          </a:p>
+          <a:p>
+            <a:pPr marL="474980">
+              <a:lnSpc>
+                <a:spcPct val="100000"/>
+              </a:lnSpc>
+            </a:pPr>
+            <a:r>
+              <a:rPr dirty="0" sz="850" spc="25">
+                <a:latin typeface="Courier New"/>
+                <a:cs typeface="Courier New"/>
+              </a:rPr>
+              <a:t>if(vis_mask</a:t>
+            </a:r>
+            <a:r>
+              <a:rPr dirty="0" sz="850" spc="35">
+                <a:latin typeface="Courier New"/>
+                <a:cs typeface="Courier New"/>
+              </a:rPr>
+              <a:t> </a:t>
+            </a:r>
+            <a:r>
+              <a:rPr dirty="0" sz="850" spc="25">
+                <a:latin typeface="Courier New"/>
+                <a:cs typeface="Courier New"/>
+              </a:rPr>
+              <a:t>==</a:t>
+            </a:r>
+            <a:r>
+              <a:rPr dirty="0" sz="850" spc="40">
+                <a:latin typeface="Courier New"/>
+                <a:cs typeface="Courier New"/>
+              </a:rPr>
+              <a:t> </a:t>
+            </a:r>
+            <a:r>
+              <a:rPr dirty="0" sz="850" spc="25">
+                <a:latin typeface="Courier New"/>
+                <a:cs typeface="Courier New"/>
+              </a:rPr>
+              <a:t>all</a:t>
+            </a:r>
+            <a:r>
+              <a:rPr dirty="0" sz="850" spc="35">
+                <a:latin typeface="Courier New"/>
+                <a:cs typeface="Courier New"/>
+              </a:rPr>
+              <a:t> </a:t>
+            </a:r>
+            <a:r>
+              <a:rPr dirty="0" sz="850" spc="25">
+                <a:latin typeface="Courier New"/>
+                <a:cs typeface="Courier New"/>
+              </a:rPr>
+              <a:t>nodes</a:t>
+            </a:r>
+            <a:r>
+              <a:rPr dirty="0" sz="850" spc="40">
+                <a:latin typeface="Courier New"/>
+                <a:cs typeface="Courier New"/>
+              </a:rPr>
+              <a:t> </a:t>
+            </a:r>
+            <a:r>
+              <a:rPr dirty="0" sz="850" spc="25">
+                <a:latin typeface="Courier New"/>
+                <a:cs typeface="Courier New"/>
+              </a:rPr>
+              <a:t>visited)</a:t>
+            </a:r>
+            <a:endParaRPr sz="850">
+              <a:latin typeface="Courier New"/>
+              <a:cs typeface="Courier New"/>
+            </a:endParaRPr>
+          </a:p>
+          <a:p>
+            <a:pPr marL="1389380" marR="346710" indent="-457200">
+              <a:lnSpc>
+                <a:spcPct val="204700"/>
+              </a:lnSpc>
+              <a:spcBef>
+                <a:spcPts val="25"/>
+              </a:spcBef>
+              <a:tabLst>
+                <a:tab pos="2101850" algn="l"/>
+              </a:tabLst>
+            </a:pPr>
+            <a:r>
+              <a:rPr dirty="0" sz="850" spc="25">
+                <a:latin typeface="Courier New"/>
+                <a:cs typeface="Courier New"/>
+              </a:rPr>
+              <a:t>if(skipped_mask	==</a:t>
+            </a:r>
+            <a:r>
+              <a:rPr dirty="0" sz="850" spc="40">
+                <a:latin typeface="Courier New"/>
+                <a:cs typeface="Courier New"/>
+              </a:rPr>
+              <a:t> </a:t>
+            </a:r>
+            <a:r>
+              <a:rPr dirty="0" sz="850" spc="25">
+                <a:latin typeface="Courier New"/>
+                <a:cs typeface="Courier New"/>
+              </a:rPr>
+              <a:t>no</a:t>
+            </a:r>
+            <a:r>
+              <a:rPr dirty="0" sz="850" spc="45">
+                <a:latin typeface="Courier New"/>
+                <a:cs typeface="Courier New"/>
+              </a:rPr>
+              <a:t> </a:t>
+            </a:r>
+            <a:r>
+              <a:rPr dirty="0" sz="850" spc="25">
+                <a:latin typeface="Courier New"/>
+                <a:cs typeface="Courier New"/>
+              </a:rPr>
+              <a:t>nodes</a:t>
+            </a:r>
+            <a:r>
+              <a:rPr dirty="0" sz="850" spc="45">
+                <a:latin typeface="Courier New"/>
+                <a:cs typeface="Courier New"/>
+              </a:rPr>
+              <a:t> </a:t>
+            </a:r>
+            <a:r>
+              <a:rPr dirty="0" sz="850" spc="25">
+                <a:latin typeface="Courier New"/>
+                <a:cs typeface="Courier New"/>
+              </a:rPr>
+              <a:t>were</a:t>
+            </a:r>
+            <a:r>
+              <a:rPr dirty="0" sz="850" spc="40">
+                <a:latin typeface="Courier New"/>
+                <a:cs typeface="Courier New"/>
+              </a:rPr>
+              <a:t> </a:t>
+            </a:r>
+            <a:r>
+              <a:rPr dirty="0" sz="850" spc="25">
+                <a:latin typeface="Courier New"/>
+                <a:cs typeface="Courier New"/>
+              </a:rPr>
+              <a:t>skipped)</a:t>
+            </a:r>
+            <a:r>
+              <a:rPr dirty="0" sz="850" spc="45">
+                <a:latin typeface="Courier New"/>
+                <a:cs typeface="Courier New"/>
+              </a:rPr>
+              <a:t> </a:t>
+            </a:r>
+            <a:r>
+              <a:rPr dirty="0" sz="850" spc="25">
+                <a:latin typeface="Courier New"/>
+                <a:cs typeface="Courier New"/>
+              </a:rPr>
+              <a:t>//</a:t>
+            </a:r>
+            <a:r>
+              <a:rPr dirty="0" sz="850" spc="45">
+                <a:latin typeface="Courier New"/>
+                <a:cs typeface="Courier New"/>
+              </a:rPr>
+              <a:t> </a:t>
+            </a:r>
+            <a:r>
+              <a:rPr dirty="0" sz="850" spc="25">
+                <a:latin typeface="Courier New"/>
+                <a:cs typeface="Courier New"/>
+              </a:rPr>
+              <a:t>termination</a:t>
+            </a:r>
+            <a:r>
+              <a:rPr dirty="0" sz="850" spc="40">
+                <a:latin typeface="Courier New"/>
+                <a:cs typeface="Courier New"/>
+              </a:rPr>
+              <a:t> </a:t>
+            </a:r>
+            <a:r>
+              <a:rPr dirty="0" sz="850" spc="25">
+                <a:latin typeface="Courier New"/>
+                <a:cs typeface="Courier New"/>
+              </a:rPr>
+              <a:t>condition </a:t>
+            </a:r>
+            <a:r>
+              <a:rPr dirty="0" sz="850" spc="-495">
+                <a:latin typeface="Courier New"/>
+                <a:cs typeface="Courier New"/>
+              </a:rPr>
+              <a:t> </a:t>
+            </a:r>
+            <a:r>
+              <a:rPr dirty="0" sz="850" spc="25">
+                <a:latin typeface="Courier New"/>
+                <a:cs typeface="Courier New"/>
+              </a:rPr>
+              <a:t>return</a:t>
+            </a:r>
+            <a:r>
+              <a:rPr dirty="0" sz="850" spc="35">
+                <a:latin typeface="Courier New"/>
+                <a:cs typeface="Courier New"/>
+              </a:rPr>
+              <a:t> </a:t>
+            </a:r>
+            <a:r>
+              <a:rPr dirty="0" sz="850" spc="25">
+                <a:latin typeface="Courier New"/>
+                <a:cs typeface="Courier New"/>
+              </a:rPr>
+              <a:t>total</a:t>
+            </a:r>
+            <a:r>
+              <a:rPr dirty="0" sz="850" spc="35">
+                <a:latin typeface="Courier New"/>
+                <a:cs typeface="Courier New"/>
+              </a:rPr>
+              <a:t> </a:t>
+            </a:r>
+            <a:r>
+              <a:rPr dirty="0" sz="850" spc="25">
+                <a:latin typeface="Courier New"/>
+                <a:cs typeface="Courier New"/>
+              </a:rPr>
+              <a:t>time</a:t>
+            </a:r>
+            <a:r>
+              <a:rPr dirty="0" sz="850" spc="35">
+                <a:latin typeface="Courier New"/>
+                <a:cs typeface="Courier New"/>
+              </a:rPr>
+              <a:t> </a:t>
+            </a:r>
+            <a:r>
+              <a:rPr dirty="0" sz="850" spc="25">
+                <a:latin typeface="Courier New"/>
+                <a:cs typeface="Courier New"/>
+              </a:rPr>
+              <a:t>+(time</a:t>
+            </a:r>
+            <a:r>
+              <a:rPr dirty="0" sz="850" spc="35">
+                <a:latin typeface="Courier New"/>
+                <a:cs typeface="Courier New"/>
+              </a:rPr>
+              <a:t> </a:t>
+            </a:r>
+            <a:r>
+              <a:rPr dirty="0" sz="850" spc="25">
+                <a:latin typeface="Courier New"/>
+                <a:cs typeface="Courier New"/>
+              </a:rPr>
+              <a:t>from</a:t>
+            </a:r>
+            <a:r>
+              <a:rPr dirty="0" sz="850" spc="35">
+                <a:latin typeface="Courier New"/>
+                <a:cs typeface="Courier New"/>
+              </a:rPr>
+              <a:t> </a:t>
+            </a:r>
+            <a:r>
+              <a:rPr dirty="0" sz="850" spc="25">
+                <a:latin typeface="Courier New"/>
+                <a:cs typeface="Courier New"/>
+              </a:rPr>
+              <a:t>pos</a:t>
+            </a:r>
+            <a:r>
+              <a:rPr dirty="0" sz="850" spc="40">
+                <a:latin typeface="Courier New"/>
+                <a:cs typeface="Courier New"/>
+              </a:rPr>
+              <a:t> </a:t>
+            </a:r>
+            <a:r>
+              <a:rPr dirty="0" sz="850" spc="25">
+                <a:latin typeface="Courier New"/>
+                <a:cs typeface="Courier New"/>
+              </a:rPr>
+              <a:t>-&gt;</a:t>
+            </a:r>
+            <a:r>
+              <a:rPr dirty="0" sz="850" spc="35">
+                <a:latin typeface="Courier New"/>
+                <a:cs typeface="Courier New"/>
+              </a:rPr>
+              <a:t> </a:t>
+            </a:r>
+            <a:r>
+              <a:rPr dirty="0" sz="850" spc="25">
+                <a:latin typeface="Courier New"/>
+                <a:cs typeface="Courier New"/>
+              </a:rPr>
+              <a:t>home)</a:t>
+            </a:r>
+            <a:endParaRPr sz="850">
+              <a:latin typeface="Courier New"/>
+              <a:cs typeface="Courier New"/>
+            </a:endParaRPr>
+          </a:p>
+          <a:p>
+            <a:pPr>
+              <a:lnSpc>
+                <a:spcPct val="100000"/>
+              </a:lnSpc>
+              <a:spcBef>
+                <a:spcPts val="15"/>
+              </a:spcBef>
+            </a:pPr>
+            <a:endParaRPr sz="950">
+              <a:latin typeface="Courier New"/>
+              <a:cs typeface="Courier New"/>
+            </a:endParaRPr>
+          </a:p>
+          <a:p>
+            <a:pPr marL="932180">
+              <a:lnSpc>
+                <a:spcPct val="100000"/>
+              </a:lnSpc>
+            </a:pPr>
+            <a:r>
+              <a:rPr dirty="0" sz="850" spc="25">
+                <a:latin typeface="Courier New"/>
+                <a:cs typeface="Courier New"/>
+              </a:rPr>
+              <a:t>else</a:t>
+            </a:r>
+            <a:endParaRPr sz="850">
+              <a:latin typeface="Courier New"/>
+              <a:cs typeface="Courier New"/>
+            </a:endParaRPr>
+          </a:p>
+          <a:p>
+            <a:pPr marL="1389380" marR="1403350">
+              <a:lnSpc>
+                <a:spcPts val="2110"/>
+              </a:lnSpc>
+              <a:spcBef>
+                <a:spcPts val="229"/>
+              </a:spcBef>
+              <a:tabLst>
+                <a:tab pos="2077720" algn="l"/>
+              </a:tabLst>
+            </a:pPr>
+            <a:r>
+              <a:rPr dirty="0" sz="850" spc="25">
+                <a:latin typeface="Courier New"/>
+                <a:cs typeface="Courier New"/>
+              </a:rPr>
+              <a:t>vis_mask	</a:t>
+            </a:r>
+            <a:r>
+              <a:rPr dirty="0" sz="850" spc="20">
+                <a:latin typeface="Courier New"/>
+                <a:cs typeface="Courier New"/>
+              </a:rPr>
+              <a:t>=</a:t>
+            </a:r>
+            <a:r>
+              <a:rPr dirty="0" sz="850" spc="35">
+                <a:latin typeface="Courier New"/>
+                <a:cs typeface="Courier New"/>
+              </a:rPr>
+              <a:t> </a:t>
+            </a:r>
+            <a:r>
+              <a:rPr dirty="0" sz="850" spc="25">
+                <a:latin typeface="Courier New"/>
+                <a:cs typeface="Courier New"/>
+              </a:rPr>
+              <a:t>all</a:t>
+            </a:r>
+            <a:r>
+              <a:rPr dirty="0" sz="850" spc="35">
+                <a:latin typeface="Courier New"/>
+                <a:cs typeface="Courier New"/>
+              </a:rPr>
+              <a:t> </a:t>
+            </a:r>
+            <a:r>
+              <a:rPr dirty="0" sz="850" spc="25">
+                <a:latin typeface="Courier New"/>
+                <a:cs typeface="Courier New"/>
+              </a:rPr>
+              <a:t>nodes</a:t>
+            </a:r>
+            <a:r>
+              <a:rPr dirty="0" sz="850" spc="35">
+                <a:latin typeface="Courier New"/>
+                <a:cs typeface="Courier New"/>
+              </a:rPr>
+              <a:t> </a:t>
+            </a:r>
+            <a:r>
+              <a:rPr dirty="0" sz="850" spc="25">
+                <a:latin typeface="Courier New"/>
+                <a:cs typeface="Courier New"/>
+              </a:rPr>
+              <a:t>visited</a:t>
+            </a:r>
+            <a:r>
+              <a:rPr dirty="0" sz="850" spc="35">
+                <a:latin typeface="Courier New"/>
+                <a:cs typeface="Courier New"/>
+              </a:rPr>
+              <a:t> </a:t>
+            </a:r>
+            <a:r>
+              <a:rPr dirty="0" sz="850" spc="25">
+                <a:latin typeface="Courier New"/>
+                <a:cs typeface="Courier New"/>
+              </a:rPr>
+              <a:t>and</a:t>
+            </a:r>
+            <a:r>
+              <a:rPr dirty="0" sz="850" spc="40">
+                <a:latin typeface="Courier New"/>
+                <a:cs typeface="Courier New"/>
+              </a:rPr>
+              <a:t> </a:t>
+            </a:r>
+            <a:r>
+              <a:rPr dirty="0" sz="850" spc="25">
+                <a:latin typeface="Courier New"/>
+                <a:cs typeface="Courier New"/>
+              </a:rPr>
+              <a:t>not</a:t>
+            </a:r>
+            <a:r>
+              <a:rPr dirty="0" sz="850" spc="35">
+                <a:latin typeface="Courier New"/>
+                <a:cs typeface="Courier New"/>
+              </a:rPr>
+              <a:t> </a:t>
+            </a:r>
+            <a:r>
+              <a:rPr dirty="0" sz="850" spc="25">
+                <a:latin typeface="Courier New"/>
+                <a:cs typeface="Courier New"/>
+              </a:rPr>
+              <a:t>skipped </a:t>
+            </a:r>
+            <a:r>
+              <a:rPr dirty="0" sz="850" spc="-495">
+                <a:latin typeface="Courier New"/>
+                <a:cs typeface="Courier New"/>
+              </a:rPr>
+              <a:t> </a:t>
+            </a:r>
+            <a:r>
+              <a:rPr dirty="0" sz="850" spc="25">
+                <a:latin typeface="Courier New"/>
+                <a:cs typeface="Courier New"/>
+              </a:rPr>
+              <a:t>mark</a:t>
+            </a:r>
+            <a:r>
+              <a:rPr dirty="0" sz="850" spc="30">
+                <a:latin typeface="Courier New"/>
+                <a:cs typeface="Courier New"/>
+              </a:rPr>
+              <a:t> </a:t>
+            </a:r>
+            <a:r>
+              <a:rPr dirty="0" sz="850" spc="25">
+                <a:latin typeface="Courier New"/>
+                <a:cs typeface="Courier New"/>
+              </a:rPr>
+              <a:t>home</a:t>
+            </a:r>
+            <a:r>
+              <a:rPr dirty="0" sz="850" spc="35">
+                <a:latin typeface="Courier New"/>
+                <a:cs typeface="Courier New"/>
+              </a:rPr>
+              <a:t> </a:t>
+            </a:r>
+            <a:r>
+              <a:rPr dirty="0" sz="850" spc="25">
+                <a:latin typeface="Courier New"/>
+                <a:cs typeface="Courier New"/>
+              </a:rPr>
+              <a:t>node</a:t>
+            </a:r>
+            <a:r>
+              <a:rPr dirty="0" sz="850" spc="35">
+                <a:latin typeface="Courier New"/>
+                <a:cs typeface="Courier New"/>
+              </a:rPr>
+              <a:t> </a:t>
+            </a:r>
+            <a:r>
+              <a:rPr dirty="0" sz="850" spc="25">
+                <a:latin typeface="Courier New"/>
+                <a:cs typeface="Courier New"/>
+              </a:rPr>
+              <a:t>as</a:t>
+            </a:r>
+            <a:r>
+              <a:rPr dirty="0" sz="850" spc="35">
+                <a:latin typeface="Courier New"/>
+                <a:cs typeface="Courier New"/>
+              </a:rPr>
+              <a:t> </a:t>
+            </a:r>
+            <a:r>
+              <a:rPr dirty="0" sz="850" spc="25">
+                <a:latin typeface="Courier New"/>
+                <a:cs typeface="Courier New"/>
+              </a:rPr>
+              <a:t>visited</a:t>
+            </a:r>
+            <a:endParaRPr sz="850">
+              <a:latin typeface="Courier New"/>
+              <a:cs typeface="Courier New"/>
+            </a:endParaRPr>
+          </a:p>
+          <a:p>
+            <a:pPr marL="1389380">
+              <a:lnSpc>
+                <a:spcPct val="100000"/>
+              </a:lnSpc>
+              <a:spcBef>
+                <a:spcPts val="819"/>
+              </a:spcBef>
+            </a:pPr>
+            <a:r>
+              <a:rPr dirty="0" sz="850" spc="25">
+                <a:latin typeface="Courier New"/>
+                <a:cs typeface="Courier New"/>
+              </a:rPr>
+              <a:t>return</a:t>
+            </a:r>
+            <a:r>
+              <a:rPr dirty="0" sz="850" spc="40">
+                <a:latin typeface="Courier New"/>
+                <a:cs typeface="Courier New"/>
+              </a:rPr>
+              <a:t> </a:t>
+            </a:r>
+            <a:r>
+              <a:rPr dirty="0" sz="850" spc="25">
+                <a:latin typeface="Courier New"/>
+                <a:cs typeface="Courier New"/>
+              </a:rPr>
+              <a:t>BRASR(…,</a:t>
+            </a:r>
+            <a:r>
+              <a:rPr dirty="0" sz="850" spc="40">
+                <a:latin typeface="Courier New"/>
+                <a:cs typeface="Courier New"/>
+              </a:rPr>
+              <a:t> </a:t>
+            </a:r>
+            <a:r>
+              <a:rPr dirty="0" sz="850" spc="25">
+                <a:latin typeface="Courier New"/>
+                <a:cs typeface="Courier New"/>
+              </a:rPr>
+              <a:t>pos=0,</a:t>
+            </a:r>
+            <a:r>
+              <a:rPr dirty="0" sz="850" spc="40">
+                <a:latin typeface="Courier New"/>
+                <a:cs typeface="Courier New"/>
+              </a:rPr>
+              <a:t> </a:t>
+            </a:r>
+            <a:r>
+              <a:rPr dirty="0" sz="850" spc="25">
+                <a:latin typeface="Courier New"/>
+                <a:cs typeface="Courier New"/>
+              </a:rPr>
+              <a:t>ssf=0,</a:t>
+            </a:r>
+            <a:r>
+              <a:rPr dirty="0" sz="850" spc="40">
+                <a:latin typeface="Courier New"/>
+                <a:cs typeface="Courier New"/>
+              </a:rPr>
+              <a:t> </a:t>
+            </a:r>
+            <a:r>
+              <a:rPr dirty="0" sz="850" spc="25">
+                <a:latin typeface="Courier New"/>
+                <a:cs typeface="Courier New"/>
+              </a:rPr>
+              <a:t>total</a:t>
+            </a:r>
+            <a:r>
+              <a:rPr dirty="0" sz="850" spc="45">
+                <a:latin typeface="Courier New"/>
+                <a:cs typeface="Courier New"/>
+              </a:rPr>
+              <a:t> </a:t>
+            </a:r>
+            <a:r>
+              <a:rPr dirty="0" sz="850" spc="25">
+                <a:latin typeface="Courier New"/>
+                <a:cs typeface="Courier New"/>
+              </a:rPr>
+              <a:t>time)</a:t>
+            </a:r>
+            <a:endParaRPr sz="850">
+              <a:latin typeface="Courier New"/>
+              <a:cs typeface="Courier New"/>
+            </a:endParaRPr>
+          </a:p>
+          <a:p>
+            <a:pPr marL="932180" marR="3143885" indent="-457200">
+              <a:lnSpc>
+                <a:spcPct val="204700"/>
+              </a:lnSpc>
+              <a:spcBef>
+                <a:spcPts val="25"/>
+              </a:spcBef>
+            </a:pPr>
+            <a:r>
+              <a:rPr dirty="0" sz="850" spc="25">
+                <a:latin typeface="Courier New"/>
+                <a:cs typeface="Courier New"/>
+              </a:rPr>
+              <a:t>for(</a:t>
+            </a:r>
+            <a:r>
+              <a:rPr dirty="0" sz="850" spc="35">
+                <a:latin typeface="Courier New"/>
+                <a:cs typeface="Courier New"/>
+              </a:rPr>
+              <a:t> </a:t>
+            </a:r>
+            <a:r>
+              <a:rPr dirty="0" sz="850" spc="25">
+                <a:latin typeface="Courier New"/>
+                <a:cs typeface="Courier New"/>
+              </a:rPr>
+              <a:t>i=0;</a:t>
+            </a:r>
+            <a:r>
+              <a:rPr dirty="0" sz="850" spc="35">
+                <a:latin typeface="Courier New"/>
+                <a:cs typeface="Courier New"/>
+              </a:rPr>
+              <a:t> </a:t>
+            </a:r>
+            <a:r>
+              <a:rPr dirty="0" sz="850" spc="25">
+                <a:latin typeface="Courier New"/>
+                <a:cs typeface="Courier New"/>
+              </a:rPr>
+              <a:t>i&lt;number</a:t>
+            </a:r>
+            <a:r>
+              <a:rPr dirty="0" sz="850" spc="35">
+                <a:latin typeface="Courier New"/>
+                <a:cs typeface="Courier New"/>
+              </a:rPr>
+              <a:t> </a:t>
+            </a:r>
+            <a:r>
+              <a:rPr dirty="0" sz="850" spc="25">
+                <a:latin typeface="Courier New"/>
+                <a:cs typeface="Courier New"/>
+              </a:rPr>
+              <a:t>of</a:t>
+            </a:r>
+            <a:r>
+              <a:rPr dirty="0" sz="850" spc="35">
+                <a:latin typeface="Courier New"/>
+                <a:cs typeface="Courier New"/>
+              </a:rPr>
+              <a:t> </a:t>
+            </a:r>
+            <a:r>
+              <a:rPr dirty="0" sz="850" spc="25">
+                <a:latin typeface="Courier New"/>
+                <a:cs typeface="Courier New"/>
+              </a:rPr>
+              <a:t>nodes;</a:t>
+            </a:r>
+            <a:r>
+              <a:rPr dirty="0" sz="850" spc="35">
+                <a:latin typeface="Courier New"/>
+                <a:cs typeface="Courier New"/>
+              </a:rPr>
+              <a:t> </a:t>
+            </a:r>
+            <a:r>
+              <a:rPr dirty="0" sz="850" spc="25">
+                <a:latin typeface="Courier New"/>
+                <a:cs typeface="Courier New"/>
+              </a:rPr>
+              <a:t>i++) </a:t>
+            </a:r>
+            <a:r>
+              <a:rPr dirty="0" sz="850" spc="-495">
+                <a:latin typeface="Courier New"/>
+                <a:cs typeface="Courier New"/>
+              </a:rPr>
+              <a:t> </a:t>
+            </a:r>
+            <a:r>
+              <a:rPr dirty="0" sz="850" spc="25">
+                <a:latin typeface="Courier New"/>
+                <a:cs typeface="Courier New"/>
+              </a:rPr>
+              <a:t>if</a:t>
+            </a:r>
+            <a:r>
+              <a:rPr dirty="0" sz="850" spc="30">
+                <a:latin typeface="Courier New"/>
+                <a:cs typeface="Courier New"/>
+              </a:rPr>
+              <a:t> </a:t>
+            </a:r>
+            <a:r>
+              <a:rPr dirty="0" sz="850" spc="25">
+                <a:latin typeface="Courier New"/>
+                <a:cs typeface="Courier New"/>
+              </a:rPr>
+              <a:t>(node</a:t>
+            </a:r>
+            <a:r>
+              <a:rPr dirty="0" sz="850" spc="30">
+                <a:latin typeface="Courier New"/>
+                <a:cs typeface="Courier New"/>
+              </a:rPr>
+              <a:t> </a:t>
+            </a:r>
+            <a:r>
+              <a:rPr dirty="0" sz="850" spc="20">
+                <a:latin typeface="Courier New"/>
+                <a:cs typeface="Courier New"/>
+              </a:rPr>
+              <a:t>i</a:t>
+            </a:r>
+            <a:r>
+              <a:rPr dirty="0" sz="850" spc="30">
+                <a:latin typeface="Courier New"/>
+                <a:cs typeface="Courier New"/>
+              </a:rPr>
+              <a:t> </a:t>
+            </a:r>
+            <a:r>
+              <a:rPr dirty="0" sz="850" spc="25">
+                <a:latin typeface="Courier New"/>
+                <a:cs typeface="Courier New"/>
+              </a:rPr>
+              <a:t>is</a:t>
+            </a:r>
+            <a:r>
+              <a:rPr dirty="0" sz="850" spc="30">
+                <a:latin typeface="Courier New"/>
+                <a:cs typeface="Courier New"/>
+              </a:rPr>
+              <a:t> </a:t>
+            </a:r>
+            <a:r>
+              <a:rPr dirty="0" sz="850" spc="25">
+                <a:latin typeface="Courier New"/>
+                <a:cs typeface="Courier New"/>
+              </a:rPr>
+              <a:t>not</a:t>
+            </a:r>
+            <a:r>
+              <a:rPr dirty="0" sz="850" spc="30">
+                <a:latin typeface="Courier New"/>
+                <a:cs typeface="Courier New"/>
+              </a:rPr>
+              <a:t> </a:t>
+            </a:r>
+            <a:r>
+              <a:rPr dirty="0" sz="850" spc="25">
+                <a:latin typeface="Courier New"/>
+                <a:cs typeface="Courier New"/>
+              </a:rPr>
+              <a:t>visited)</a:t>
+            </a:r>
+            <a:endParaRPr sz="850">
+              <a:latin typeface="Courier New"/>
+              <a:cs typeface="Courier New"/>
+            </a:endParaRPr>
+          </a:p>
+          <a:p>
+            <a:pPr>
+              <a:lnSpc>
+                <a:spcPct val="100000"/>
+              </a:lnSpc>
+              <a:spcBef>
+                <a:spcPts val="15"/>
+              </a:spcBef>
+            </a:pPr>
+            <a:endParaRPr sz="950">
+              <a:latin typeface="Courier New"/>
+              <a:cs typeface="Courier New"/>
+            </a:endParaRPr>
+          </a:p>
+          <a:p>
+            <a:pPr marL="1389380">
+              <a:lnSpc>
+                <a:spcPct val="100000"/>
+              </a:lnSpc>
+            </a:pPr>
+            <a:r>
+              <a:rPr dirty="0" sz="850" spc="25">
+                <a:latin typeface="Courier New"/>
+                <a:cs typeface="Courier New"/>
+              </a:rPr>
+              <a:t>mark node</a:t>
+            </a:r>
+            <a:r>
+              <a:rPr dirty="0" sz="850" spc="30">
+                <a:latin typeface="Courier New"/>
+                <a:cs typeface="Courier New"/>
+              </a:rPr>
+              <a:t> </a:t>
+            </a:r>
+            <a:r>
+              <a:rPr dirty="0" sz="850" spc="20">
+                <a:latin typeface="Courier New"/>
+                <a:cs typeface="Courier New"/>
+              </a:rPr>
+              <a:t>i</a:t>
+            </a:r>
+            <a:r>
+              <a:rPr dirty="0" sz="850" spc="25">
+                <a:latin typeface="Courier New"/>
+                <a:cs typeface="Courier New"/>
+              </a:rPr>
+              <a:t> as</a:t>
+            </a:r>
+            <a:r>
+              <a:rPr dirty="0" sz="850" spc="30">
+                <a:latin typeface="Courier New"/>
+                <a:cs typeface="Courier New"/>
+              </a:rPr>
+              <a:t> </a:t>
+            </a:r>
+            <a:r>
+              <a:rPr dirty="0" sz="850" spc="25">
+                <a:latin typeface="Courier New"/>
+                <a:cs typeface="Courier New"/>
+              </a:rPr>
+              <a:t>visited</a:t>
+            </a:r>
+            <a:endParaRPr sz="850">
+              <a:latin typeface="Courier New"/>
+              <a:cs typeface="Courier New"/>
+            </a:endParaRPr>
+          </a:p>
+          <a:p>
+            <a:pPr marL="1846580" marR="46990" indent="-457200">
+              <a:lnSpc>
+                <a:spcPts val="2110"/>
+              </a:lnSpc>
+              <a:spcBef>
+                <a:spcPts val="229"/>
+              </a:spcBef>
+            </a:pPr>
+            <a:r>
+              <a:rPr dirty="0" sz="850" spc="25">
+                <a:latin typeface="Courier New"/>
+                <a:cs typeface="Courier New"/>
+              </a:rPr>
+              <a:t>if(current time </a:t>
+            </a:r>
+            <a:r>
+              <a:rPr dirty="0" sz="850" spc="20">
+                <a:latin typeface="Courier New"/>
+                <a:cs typeface="Courier New"/>
+              </a:rPr>
+              <a:t>+ </a:t>
+            </a:r>
+            <a:r>
+              <a:rPr dirty="0" sz="850" spc="25">
+                <a:latin typeface="Courier New"/>
+                <a:cs typeface="Courier New"/>
+              </a:rPr>
+              <a:t>avg time for aptmnt. </a:t>
+            </a:r>
+            <a:r>
+              <a:rPr dirty="0" sz="850" spc="10">
+                <a:latin typeface="Courier New"/>
+                <a:cs typeface="Courier New"/>
+              </a:rPr>
+              <a:t>z</a:t>
+            </a:r>
+            <a:r>
+              <a:rPr dirty="0" baseline="-12820" sz="975" spc="15">
+                <a:latin typeface="Courier New"/>
+                <a:cs typeface="Courier New"/>
+              </a:rPr>
+              <a:t>i</a:t>
+            </a:r>
+            <a:r>
+              <a:rPr dirty="0" baseline="-12820" sz="975" spc="22">
+                <a:latin typeface="Courier New"/>
+                <a:cs typeface="Courier New"/>
+              </a:rPr>
+              <a:t> </a:t>
+            </a:r>
+            <a:r>
+              <a:rPr dirty="0" sz="850" spc="20">
+                <a:latin typeface="Courier New"/>
+                <a:cs typeface="Courier New"/>
+              </a:rPr>
+              <a:t>&gt; </a:t>
+            </a:r>
+            <a:r>
+              <a:rPr dirty="0" sz="850" spc="25">
+                <a:latin typeface="Courier New"/>
+                <a:cs typeface="Courier New"/>
+              </a:rPr>
+              <a:t>end time for aptmnt.) </a:t>
+            </a:r>
+            <a:r>
+              <a:rPr dirty="0" sz="850" spc="-500">
+                <a:latin typeface="Courier New"/>
+                <a:cs typeface="Courier New"/>
+              </a:rPr>
+              <a:t> </a:t>
+            </a:r>
+            <a:r>
+              <a:rPr dirty="0" sz="850" spc="25">
+                <a:latin typeface="Courier New"/>
+                <a:cs typeface="Courier New"/>
+              </a:rPr>
+              <a:t>cant</a:t>
+            </a:r>
+            <a:r>
+              <a:rPr dirty="0" sz="850" spc="35">
+                <a:latin typeface="Courier New"/>
+                <a:cs typeface="Courier New"/>
+              </a:rPr>
+              <a:t> </a:t>
+            </a:r>
+            <a:r>
+              <a:rPr dirty="0" sz="850" spc="25">
+                <a:latin typeface="Courier New"/>
+                <a:cs typeface="Courier New"/>
+              </a:rPr>
+              <a:t>be</a:t>
+            </a:r>
+            <a:r>
+              <a:rPr dirty="0" sz="850" spc="40">
+                <a:latin typeface="Courier New"/>
+                <a:cs typeface="Courier New"/>
+              </a:rPr>
+              <a:t> </a:t>
+            </a:r>
+            <a:r>
+              <a:rPr dirty="0" sz="850" spc="25">
+                <a:latin typeface="Courier New"/>
+                <a:cs typeface="Courier New"/>
+              </a:rPr>
+              <a:t>completed</a:t>
+            </a:r>
+            <a:r>
+              <a:rPr dirty="0" sz="850" spc="35">
+                <a:latin typeface="Courier New"/>
+                <a:cs typeface="Courier New"/>
+              </a:rPr>
+              <a:t> </a:t>
+            </a:r>
+            <a:r>
+              <a:rPr dirty="0" sz="850" spc="25">
+                <a:latin typeface="Courier New"/>
+                <a:cs typeface="Courier New"/>
+              </a:rPr>
+              <a:t>today,</a:t>
+            </a:r>
+            <a:r>
+              <a:rPr dirty="0" sz="850" spc="40">
+                <a:latin typeface="Courier New"/>
+                <a:cs typeface="Courier New"/>
+              </a:rPr>
+              <a:t> </a:t>
+            </a:r>
+            <a:r>
+              <a:rPr dirty="0" sz="850" spc="25">
+                <a:latin typeface="Courier New"/>
+                <a:cs typeface="Courier New"/>
+              </a:rPr>
+              <a:t>mark</a:t>
+            </a:r>
+            <a:r>
+              <a:rPr dirty="0" sz="850" spc="40">
+                <a:latin typeface="Courier New"/>
+                <a:cs typeface="Courier New"/>
+              </a:rPr>
+              <a:t> </a:t>
+            </a:r>
+            <a:r>
+              <a:rPr dirty="0" sz="850" spc="25">
+                <a:latin typeface="Courier New"/>
+                <a:cs typeface="Courier New"/>
+              </a:rPr>
+              <a:t>as</a:t>
+            </a:r>
+            <a:r>
+              <a:rPr dirty="0" sz="850" spc="35">
+                <a:latin typeface="Courier New"/>
+                <a:cs typeface="Courier New"/>
+              </a:rPr>
+              <a:t> </a:t>
+            </a:r>
+            <a:r>
+              <a:rPr dirty="0" sz="850" spc="25">
+                <a:latin typeface="Courier New"/>
+                <a:cs typeface="Courier New"/>
+              </a:rPr>
+              <a:t>skipped</a:t>
+            </a:r>
+            <a:r>
+              <a:rPr dirty="0" sz="850" spc="40">
+                <a:latin typeface="Courier New"/>
+                <a:cs typeface="Courier New"/>
+              </a:rPr>
+              <a:t> </a:t>
+            </a:r>
+            <a:r>
+              <a:rPr dirty="0" sz="850" spc="25">
+                <a:latin typeface="Courier New"/>
+                <a:cs typeface="Courier New"/>
+              </a:rPr>
+              <a:t>for</a:t>
+            </a:r>
+            <a:r>
+              <a:rPr dirty="0" sz="850" spc="40">
+                <a:latin typeface="Courier New"/>
+                <a:cs typeface="Courier New"/>
+              </a:rPr>
+              <a:t> </a:t>
+            </a:r>
+            <a:r>
+              <a:rPr dirty="0" sz="850" spc="25">
+                <a:latin typeface="Courier New"/>
+                <a:cs typeface="Courier New"/>
+              </a:rPr>
+              <a:t>today</a:t>
+            </a:r>
+            <a:endParaRPr sz="850">
+              <a:latin typeface="Courier New"/>
+              <a:cs typeface="Courier New"/>
+            </a:endParaRPr>
+          </a:p>
+          <a:p>
+            <a:pPr marL="1389380">
+              <a:lnSpc>
+                <a:spcPct val="100000"/>
+              </a:lnSpc>
+              <a:spcBef>
+                <a:spcPts val="820"/>
+              </a:spcBef>
+            </a:pPr>
+            <a:r>
+              <a:rPr dirty="0" sz="850" spc="25">
+                <a:latin typeface="Courier New"/>
+                <a:cs typeface="Courier New"/>
+              </a:rPr>
+              <a:t>else</a:t>
+            </a:r>
+            <a:endParaRPr sz="850">
+              <a:latin typeface="Courier New"/>
+              <a:cs typeface="Courier New"/>
+            </a:endParaRPr>
+          </a:p>
+          <a:p>
+            <a:pPr marL="1846580" marR="52705">
+              <a:lnSpc>
+                <a:spcPct val="204700"/>
+              </a:lnSpc>
+              <a:spcBef>
+                <a:spcPts val="20"/>
+              </a:spcBef>
+            </a:pPr>
+            <a:r>
+              <a:rPr dirty="0" sz="850" spc="25">
+                <a:latin typeface="Courier New"/>
+                <a:cs typeface="Courier New"/>
+              </a:rPr>
+              <a:t>update</a:t>
+            </a:r>
+            <a:r>
+              <a:rPr dirty="0" sz="850" spc="40">
+                <a:latin typeface="Courier New"/>
+                <a:cs typeface="Courier New"/>
+              </a:rPr>
+              <a:t> </a:t>
+            </a:r>
+            <a:r>
+              <a:rPr dirty="0" sz="850" spc="25">
+                <a:latin typeface="Courier New"/>
+                <a:cs typeface="Courier New"/>
+              </a:rPr>
+              <a:t>current</a:t>
+            </a:r>
+            <a:r>
+              <a:rPr dirty="0" sz="850" spc="45">
+                <a:latin typeface="Courier New"/>
+                <a:cs typeface="Courier New"/>
+              </a:rPr>
+              <a:t> </a:t>
+            </a:r>
+            <a:r>
+              <a:rPr dirty="0" sz="850" spc="25">
+                <a:latin typeface="Courier New"/>
+                <a:cs typeface="Courier New"/>
+              </a:rPr>
+              <a:t>time</a:t>
+            </a:r>
+            <a:r>
+              <a:rPr dirty="0" sz="850" spc="45">
+                <a:latin typeface="Courier New"/>
+                <a:cs typeface="Courier New"/>
+              </a:rPr>
+              <a:t> </a:t>
+            </a:r>
+            <a:r>
+              <a:rPr dirty="0" sz="850" spc="25">
+                <a:latin typeface="Courier New"/>
+                <a:cs typeface="Courier New"/>
+              </a:rPr>
+              <a:t>to</a:t>
+            </a:r>
+            <a:r>
+              <a:rPr dirty="0" sz="850" spc="40">
+                <a:latin typeface="Courier New"/>
+                <a:cs typeface="Courier New"/>
+              </a:rPr>
+              <a:t> </a:t>
+            </a:r>
+            <a:r>
+              <a:rPr dirty="0" sz="850" spc="25">
+                <a:latin typeface="Courier New"/>
+                <a:cs typeface="Courier New"/>
+              </a:rPr>
+              <a:t>expected</a:t>
+            </a:r>
+            <a:r>
+              <a:rPr dirty="0" sz="850" spc="45">
+                <a:latin typeface="Courier New"/>
+                <a:cs typeface="Courier New"/>
+              </a:rPr>
+              <a:t> </a:t>
+            </a:r>
+            <a:r>
+              <a:rPr dirty="0" sz="850" spc="25">
+                <a:latin typeface="Courier New"/>
+                <a:cs typeface="Courier New"/>
+              </a:rPr>
+              <a:t>time</a:t>
+            </a:r>
+            <a:r>
+              <a:rPr dirty="0" sz="850" spc="45">
+                <a:latin typeface="Courier New"/>
+                <a:cs typeface="Courier New"/>
+              </a:rPr>
+              <a:t> </a:t>
+            </a:r>
+            <a:r>
+              <a:rPr dirty="0" sz="850" spc="25">
+                <a:latin typeface="Courier New"/>
+                <a:cs typeface="Courier New"/>
+              </a:rPr>
+              <a:t>at</a:t>
+            </a:r>
+            <a:r>
+              <a:rPr dirty="0" sz="850" spc="40">
+                <a:latin typeface="Courier New"/>
+                <a:cs typeface="Courier New"/>
+              </a:rPr>
+              <a:t> </a:t>
+            </a:r>
+            <a:r>
+              <a:rPr dirty="0" sz="850" spc="25">
+                <a:latin typeface="Courier New"/>
+                <a:cs typeface="Courier New"/>
+              </a:rPr>
+              <a:t>end</a:t>
+            </a:r>
+            <a:r>
+              <a:rPr dirty="0" sz="850" spc="45">
+                <a:latin typeface="Courier New"/>
+                <a:cs typeface="Courier New"/>
+              </a:rPr>
+              <a:t> </a:t>
+            </a:r>
+            <a:r>
+              <a:rPr dirty="0" sz="850" spc="25">
+                <a:latin typeface="Courier New"/>
+                <a:cs typeface="Courier New"/>
+              </a:rPr>
+              <a:t>of</a:t>
+            </a:r>
+            <a:r>
+              <a:rPr dirty="0" sz="850" spc="45">
+                <a:latin typeface="Courier New"/>
+                <a:cs typeface="Courier New"/>
+              </a:rPr>
+              <a:t> </a:t>
+            </a:r>
+            <a:r>
+              <a:rPr dirty="0" sz="850" spc="25">
+                <a:latin typeface="Courier New"/>
+                <a:cs typeface="Courier New"/>
+              </a:rPr>
+              <a:t>appointment </a:t>
+            </a:r>
+            <a:r>
+              <a:rPr dirty="0" sz="850" spc="-495">
+                <a:latin typeface="Courier New"/>
+                <a:cs typeface="Courier New"/>
+              </a:rPr>
+              <a:t> </a:t>
+            </a:r>
+            <a:r>
+              <a:rPr dirty="0" sz="850" spc="25">
+                <a:latin typeface="Courier New"/>
+                <a:cs typeface="Courier New"/>
+              </a:rPr>
+              <a:t>ans</a:t>
+            </a:r>
+            <a:r>
+              <a:rPr dirty="0" sz="850" spc="35">
+                <a:latin typeface="Courier New"/>
+                <a:cs typeface="Courier New"/>
+              </a:rPr>
+              <a:t> </a:t>
+            </a:r>
+            <a:r>
+              <a:rPr dirty="0" sz="850" spc="20">
+                <a:latin typeface="Courier New"/>
+                <a:cs typeface="Courier New"/>
+              </a:rPr>
+              <a:t>=</a:t>
+            </a:r>
+            <a:r>
+              <a:rPr dirty="0" sz="850" spc="35">
+                <a:latin typeface="Courier New"/>
+                <a:cs typeface="Courier New"/>
+              </a:rPr>
+              <a:t> </a:t>
+            </a:r>
+            <a:r>
+              <a:rPr dirty="0" sz="850" spc="25">
+                <a:latin typeface="Courier New"/>
+                <a:cs typeface="Courier New"/>
+              </a:rPr>
+              <a:t>min(ans,</a:t>
+            </a:r>
+            <a:r>
+              <a:rPr dirty="0" sz="850" spc="40">
+                <a:latin typeface="Courier New"/>
+                <a:cs typeface="Courier New"/>
+              </a:rPr>
+              <a:t> </a:t>
+            </a:r>
+            <a:r>
+              <a:rPr dirty="0" sz="850" spc="25">
+                <a:latin typeface="Courier New"/>
+                <a:cs typeface="Courier New"/>
+              </a:rPr>
+              <a:t>BRASR(…,</a:t>
+            </a:r>
+            <a:r>
+              <a:rPr dirty="0" sz="850" spc="35">
+                <a:latin typeface="Courier New"/>
+                <a:cs typeface="Courier New"/>
+              </a:rPr>
+              <a:t> </a:t>
+            </a:r>
+            <a:r>
+              <a:rPr dirty="0" sz="850" spc="25">
+                <a:latin typeface="Courier New"/>
+                <a:cs typeface="Courier New"/>
+              </a:rPr>
+              <a:t>ssf=exp.</a:t>
+            </a:r>
+            <a:r>
+              <a:rPr dirty="0" sz="850" spc="40">
+                <a:latin typeface="Courier New"/>
+                <a:cs typeface="Courier New"/>
+              </a:rPr>
+              <a:t> </a:t>
+            </a:r>
+            <a:r>
+              <a:rPr dirty="0" sz="850" spc="25">
+                <a:latin typeface="Courier New"/>
+                <a:cs typeface="Courier New"/>
+              </a:rPr>
+              <a:t>end</a:t>
+            </a:r>
+            <a:r>
+              <a:rPr dirty="0" sz="850" spc="35">
+                <a:latin typeface="Courier New"/>
+                <a:cs typeface="Courier New"/>
+              </a:rPr>
+              <a:t> </a:t>
+            </a:r>
+            <a:r>
+              <a:rPr dirty="0" sz="850" spc="25">
+                <a:latin typeface="Courier New"/>
+                <a:cs typeface="Courier New"/>
+              </a:rPr>
+              <a:t>time))</a:t>
+            </a:r>
+            <a:endParaRPr sz="850">
+              <a:latin typeface="Courier New"/>
+              <a:cs typeface="Courier New"/>
+            </a:endParaRPr>
+          </a:p>
+          <a:p>
+            <a:pPr marL="932180" marR="3418840" indent="-457200">
+              <a:lnSpc>
+                <a:spcPct val="204700"/>
+              </a:lnSpc>
+              <a:spcBef>
+                <a:spcPts val="25"/>
+              </a:spcBef>
+            </a:pPr>
+            <a:r>
+              <a:rPr dirty="0" sz="850" spc="25">
+                <a:latin typeface="Courier New"/>
+                <a:cs typeface="Courier New"/>
+              </a:rPr>
+              <a:t>if(all</a:t>
+            </a:r>
+            <a:r>
+              <a:rPr dirty="0" sz="850" spc="30">
+                <a:latin typeface="Courier New"/>
+                <a:cs typeface="Courier New"/>
+              </a:rPr>
+              <a:t> </a:t>
+            </a:r>
+            <a:r>
+              <a:rPr dirty="0" sz="850" spc="25">
+                <a:latin typeface="Courier New"/>
+                <a:cs typeface="Courier New"/>
+              </a:rPr>
+              <a:t>nodes</a:t>
+            </a:r>
+            <a:r>
+              <a:rPr dirty="0" sz="850" spc="35">
+                <a:latin typeface="Courier New"/>
+                <a:cs typeface="Courier New"/>
+              </a:rPr>
+              <a:t> </a:t>
+            </a:r>
+            <a:r>
+              <a:rPr dirty="0" sz="850" spc="25">
+                <a:latin typeface="Courier New"/>
+                <a:cs typeface="Courier New"/>
+              </a:rPr>
+              <a:t>visited</a:t>
+            </a:r>
+            <a:r>
+              <a:rPr dirty="0" sz="850" spc="35">
+                <a:latin typeface="Courier New"/>
+                <a:cs typeface="Courier New"/>
+              </a:rPr>
+              <a:t> </a:t>
+            </a:r>
+            <a:r>
+              <a:rPr dirty="0" sz="850" spc="25">
+                <a:latin typeface="Courier New"/>
+                <a:cs typeface="Courier New"/>
+              </a:rPr>
+              <a:t>in</a:t>
+            </a:r>
+            <a:r>
+              <a:rPr dirty="0" sz="850" spc="30">
+                <a:latin typeface="Courier New"/>
+                <a:cs typeface="Courier New"/>
+              </a:rPr>
+              <a:t> </a:t>
+            </a:r>
+            <a:r>
+              <a:rPr dirty="0" sz="850" spc="25">
+                <a:latin typeface="Courier New"/>
+                <a:cs typeface="Courier New"/>
+              </a:rPr>
+              <a:t>loop) </a:t>
+            </a:r>
+            <a:r>
+              <a:rPr dirty="0" sz="850" spc="-495">
+                <a:latin typeface="Courier New"/>
+                <a:cs typeface="Courier New"/>
+              </a:rPr>
+              <a:t> </a:t>
+            </a:r>
+            <a:r>
+              <a:rPr dirty="0" sz="850" spc="25">
+                <a:latin typeface="Courier New"/>
+                <a:cs typeface="Courier New"/>
+              </a:rPr>
+              <a:t>if(no nodes</a:t>
+            </a:r>
+            <a:r>
+              <a:rPr dirty="0" sz="850" spc="30">
+                <a:latin typeface="Courier New"/>
+                <a:cs typeface="Courier New"/>
+              </a:rPr>
+              <a:t> </a:t>
+            </a:r>
+            <a:r>
+              <a:rPr dirty="0" sz="850" spc="25">
+                <a:latin typeface="Courier New"/>
+                <a:cs typeface="Courier New"/>
+              </a:rPr>
+              <a:t>skipped)</a:t>
+            </a:r>
+            <a:endParaRPr sz="850">
+              <a:latin typeface="Courier New"/>
+              <a:cs typeface="Courier New"/>
+            </a:endParaRPr>
+          </a:p>
+          <a:p>
+            <a:pPr>
+              <a:lnSpc>
+                <a:spcPct val="100000"/>
+              </a:lnSpc>
+              <a:spcBef>
+                <a:spcPts val="15"/>
+              </a:spcBef>
+            </a:pPr>
+            <a:endParaRPr sz="950">
+              <a:latin typeface="Courier New"/>
+              <a:cs typeface="Courier New"/>
+            </a:endParaRPr>
+          </a:p>
+          <a:p>
+            <a:pPr marL="1389380">
+              <a:lnSpc>
+                <a:spcPct val="100000"/>
+              </a:lnSpc>
+            </a:pPr>
+            <a:r>
+              <a:rPr dirty="0" sz="850" spc="25">
+                <a:latin typeface="Courier New"/>
+                <a:cs typeface="Courier New"/>
+              </a:rPr>
+              <a:t>return</a:t>
+            </a:r>
+            <a:r>
+              <a:rPr dirty="0" sz="850" spc="-10">
+                <a:latin typeface="Courier New"/>
+                <a:cs typeface="Courier New"/>
+              </a:rPr>
+              <a:t> </a:t>
+            </a:r>
+            <a:r>
+              <a:rPr dirty="0" sz="850" spc="25">
+                <a:latin typeface="Courier New"/>
+                <a:cs typeface="Courier New"/>
+              </a:rPr>
+              <a:t>ans</a:t>
+            </a:r>
+            <a:endParaRPr sz="850">
+              <a:latin typeface="Courier New"/>
+              <a:cs typeface="Courier New"/>
+            </a:endParaRPr>
+          </a:p>
+          <a:p>
+            <a:pPr marL="932180" marR="1860550">
+              <a:lnSpc>
+                <a:spcPts val="2110"/>
+              </a:lnSpc>
+              <a:spcBef>
+                <a:spcPts val="229"/>
+              </a:spcBef>
+              <a:tabLst>
+                <a:tab pos="1620520" algn="l"/>
+              </a:tabLst>
+            </a:pPr>
+            <a:r>
+              <a:rPr dirty="0" sz="850" spc="25">
+                <a:latin typeface="Courier New"/>
+                <a:cs typeface="Courier New"/>
+              </a:rPr>
+              <a:t>vis_mask	</a:t>
+            </a:r>
+            <a:r>
+              <a:rPr dirty="0" sz="850" spc="20">
+                <a:latin typeface="Courier New"/>
+                <a:cs typeface="Courier New"/>
+              </a:rPr>
+              <a:t>=</a:t>
+            </a:r>
+            <a:r>
+              <a:rPr dirty="0" sz="850" spc="35">
+                <a:latin typeface="Courier New"/>
+                <a:cs typeface="Courier New"/>
+              </a:rPr>
+              <a:t> </a:t>
+            </a:r>
+            <a:r>
+              <a:rPr dirty="0" sz="850" spc="25">
+                <a:latin typeface="Courier New"/>
+                <a:cs typeface="Courier New"/>
+              </a:rPr>
+              <a:t>all</a:t>
+            </a:r>
+            <a:r>
+              <a:rPr dirty="0" sz="850" spc="35">
+                <a:latin typeface="Courier New"/>
+                <a:cs typeface="Courier New"/>
+              </a:rPr>
+              <a:t> </a:t>
+            </a:r>
+            <a:r>
+              <a:rPr dirty="0" sz="850" spc="25">
+                <a:latin typeface="Courier New"/>
+                <a:cs typeface="Courier New"/>
+              </a:rPr>
+              <a:t>nodes</a:t>
+            </a:r>
+            <a:r>
+              <a:rPr dirty="0" sz="850" spc="35">
+                <a:latin typeface="Courier New"/>
+                <a:cs typeface="Courier New"/>
+              </a:rPr>
+              <a:t> </a:t>
+            </a:r>
+            <a:r>
+              <a:rPr dirty="0" sz="850" spc="25">
+                <a:latin typeface="Courier New"/>
+                <a:cs typeface="Courier New"/>
+              </a:rPr>
+              <a:t>visited</a:t>
+            </a:r>
+            <a:r>
+              <a:rPr dirty="0" sz="850" spc="35">
+                <a:latin typeface="Courier New"/>
+                <a:cs typeface="Courier New"/>
+              </a:rPr>
+              <a:t> </a:t>
+            </a:r>
+            <a:r>
+              <a:rPr dirty="0" sz="850" spc="25">
+                <a:latin typeface="Courier New"/>
+                <a:cs typeface="Courier New"/>
+              </a:rPr>
+              <a:t>and</a:t>
+            </a:r>
+            <a:r>
+              <a:rPr dirty="0" sz="850" spc="40">
+                <a:latin typeface="Courier New"/>
+                <a:cs typeface="Courier New"/>
+              </a:rPr>
+              <a:t> </a:t>
+            </a:r>
+            <a:r>
+              <a:rPr dirty="0" sz="850" spc="25">
+                <a:latin typeface="Courier New"/>
+                <a:cs typeface="Courier New"/>
+              </a:rPr>
+              <a:t>not</a:t>
+            </a:r>
+            <a:r>
+              <a:rPr dirty="0" sz="850" spc="35">
+                <a:latin typeface="Courier New"/>
+                <a:cs typeface="Courier New"/>
+              </a:rPr>
+              <a:t> </a:t>
+            </a:r>
+            <a:r>
+              <a:rPr dirty="0" sz="850" spc="25">
+                <a:latin typeface="Courier New"/>
+                <a:cs typeface="Courier New"/>
+              </a:rPr>
+              <a:t>skipped </a:t>
+            </a:r>
+            <a:r>
+              <a:rPr dirty="0" sz="850" spc="-495">
+                <a:latin typeface="Courier New"/>
+                <a:cs typeface="Courier New"/>
+              </a:rPr>
+              <a:t> </a:t>
+            </a:r>
+            <a:r>
+              <a:rPr dirty="0" sz="850" spc="25">
+                <a:latin typeface="Courier New"/>
+                <a:cs typeface="Courier New"/>
+              </a:rPr>
+              <a:t>increment</a:t>
+            </a:r>
+            <a:r>
+              <a:rPr dirty="0" sz="850" spc="35">
+                <a:latin typeface="Courier New"/>
+                <a:cs typeface="Courier New"/>
+              </a:rPr>
+              <a:t> </a:t>
+            </a:r>
+            <a:r>
+              <a:rPr dirty="0" sz="850" spc="25">
+                <a:latin typeface="Courier New"/>
+                <a:cs typeface="Courier New"/>
+              </a:rPr>
+              <a:t>day</a:t>
+            </a:r>
+            <a:r>
+              <a:rPr dirty="0" sz="850" spc="35">
+                <a:latin typeface="Courier New"/>
+                <a:cs typeface="Courier New"/>
+              </a:rPr>
+              <a:t> </a:t>
+            </a:r>
+            <a:r>
+              <a:rPr dirty="0" sz="850" spc="25">
+                <a:latin typeface="Courier New"/>
+                <a:cs typeface="Courier New"/>
+              </a:rPr>
+              <a:t>by</a:t>
+            </a:r>
+            <a:r>
+              <a:rPr dirty="0" sz="850" spc="35">
+                <a:latin typeface="Courier New"/>
+                <a:cs typeface="Courier New"/>
+              </a:rPr>
+              <a:t> </a:t>
+            </a:r>
+            <a:r>
+              <a:rPr dirty="0" sz="850" spc="25">
+                <a:latin typeface="Courier New"/>
+                <a:cs typeface="Courier New"/>
+              </a:rPr>
+              <a:t>1,</a:t>
+            </a:r>
+            <a:r>
+              <a:rPr dirty="0" sz="850" spc="35">
+                <a:latin typeface="Courier New"/>
+                <a:cs typeface="Courier New"/>
+              </a:rPr>
+              <a:t> </a:t>
+            </a:r>
+            <a:r>
+              <a:rPr dirty="0" sz="850" spc="25">
+                <a:latin typeface="Courier New"/>
+                <a:cs typeface="Courier New"/>
+              </a:rPr>
+              <a:t>marking</a:t>
+            </a:r>
+            <a:r>
+              <a:rPr dirty="0" sz="850" spc="40">
+                <a:latin typeface="Courier New"/>
+                <a:cs typeface="Courier New"/>
+              </a:rPr>
+              <a:t> </a:t>
+            </a:r>
+            <a:r>
+              <a:rPr dirty="0" sz="850" spc="25">
+                <a:latin typeface="Courier New"/>
+                <a:cs typeface="Courier New"/>
+              </a:rPr>
+              <a:t>for</a:t>
+            </a:r>
+            <a:r>
+              <a:rPr dirty="0" sz="850" spc="35">
+                <a:latin typeface="Courier New"/>
+                <a:cs typeface="Courier New"/>
+              </a:rPr>
+              <a:t> </a:t>
+            </a:r>
+            <a:r>
+              <a:rPr dirty="0" sz="850" spc="25">
+                <a:latin typeface="Courier New"/>
+                <a:cs typeface="Courier New"/>
+              </a:rPr>
+              <a:t>next</a:t>
+            </a:r>
+            <a:r>
+              <a:rPr dirty="0" sz="850" spc="35">
+                <a:latin typeface="Courier New"/>
+                <a:cs typeface="Courier New"/>
+              </a:rPr>
+              <a:t> </a:t>
+            </a:r>
+            <a:r>
+              <a:rPr dirty="0" sz="850" spc="25">
+                <a:latin typeface="Courier New"/>
+                <a:cs typeface="Courier New"/>
+              </a:rPr>
+              <a:t>day</a:t>
+            </a:r>
+            <a:endParaRPr sz="850">
+              <a:latin typeface="Courier New"/>
+              <a:cs typeface="Courier New"/>
+            </a:endParaRPr>
+          </a:p>
+          <a:p>
+            <a:pPr marL="932180">
+              <a:lnSpc>
+                <a:spcPct val="100000"/>
+              </a:lnSpc>
+              <a:spcBef>
+                <a:spcPts val="819"/>
+              </a:spcBef>
+            </a:pPr>
+            <a:r>
+              <a:rPr dirty="0" sz="850" spc="25">
+                <a:latin typeface="Courier New"/>
+                <a:cs typeface="Courier New"/>
+              </a:rPr>
+              <a:t>ans</a:t>
+            </a:r>
+            <a:r>
+              <a:rPr dirty="0" sz="850" spc="40">
+                <a:latin typeface="Courier New"/>
+                <a:cs typeface="Courier New"/>
+              </a:rPr>
+              <a:t> </a:t>
+            </a:r>
+            <a:r>
+              <a:rPr dirty="0" sz="850" spc="20">
+                <a:latin typeface="Courier New"/>
+                <a:cs typeface="Courier New"/>
+              </a:rPr>
+              <a:t>=</a:t>
+            </a:r>
+            <a:r>
+              <a:rPr dirty="0" sz="850" spc="45">
+                <a:latin typeface="Courier New"/>
+                <a:cs typeface="Courier New"/>
+              </a:rPr>
+              <a:t> </a:t>
+            </a:r>
+            <a:r>
+              <a:rPr dirty="0" sz="850" spc="25">
+                <a:latin typeface="Courier New"/>
+                <a:cs typeface="Courier New"/>
+              </a:rPr>
+              <a:t>BRASR(…,pos=0,</a:t>
+            </a:r>
+            <a:r>
+              <a:rPr dirty="0" sz="850" spc="45">
+                <a:latin typeface="Courier New"/>
+                <a:cs typeface="Courier New"/>
+              </a:rPr>
+              <a:t> </a:t>
+            </a:r>
+            <a:r>
+              <a:rPr dirty="0" sz="850" spc="25">
+                <a:latin typeface="Courier New"/>
+                <a:cs typeface="Courier New"/>
+              </a:rPr>
+              <a:t>ssf=0,</a:t>
+            </a:r>
+            <a:r>
+              <a:rPr dirty="0" sz="850" spc="40">
+                <a:latin typeface="Courier New"/>
+                <a:cs typeface="Courier New"/>
+              </a:rPr>
+              <a:t> </a:t>
+            </a:r>
+            <a:r>
+              <a:rPr dirty="0" sz="850" spc="25">
+                <a:latin typeface="Courier New"/>
+                <a:cs typeface="Courier New"/>
+              </a:rPr>
+              <a:t>total</a:t>
+            </a:r>
+            <a:r>
+              <a:rPr dirty="0" sz="850" spc="45">
+                <a:latin typeface="Courier New"/>
+                <a:cs typeface="Courier New"/>
+              </a:rPr>
+              <a:t> </a:t>
+            </a:r>
+            <a:r>
+              <a:rPr dirty="0" sz="850" spc="25">
+                <a:latin typeface="Courier New"/>
+                <a:cs typeface="Courier New"/>
+              </a:rPr>
+              <a:t>time,</a:t>
+            </a:r>
+            <a:r>
+              <a:rPr dirty="0" sz="850" spc="45">
+                <a:latin typeface="Courier New"/>
+                <a:cs typeface="Courier New"/>
+              </a:rPr>
+              <a:t> </a:t>
+            </a:r>
+            <a:r>
+              <a:rPr dirty="0" sz="850" spc="25">
+                <a:latin typeface="Courier New"/>
+                <a:cs typeface="Courier New"/>
+              </a:rPr>
+              <a:t>day+1)</a:t>
+            </a:r>
+            <a:endParaRPr sz="850">
+              <a:latin typeface="Courier New"/>
+              <a:cs typeface="Courier New"/>
+            </a:endParaRPr>
+          </a:p>
+          <a:p>
+            <a:pPr>
+              <a:lnSpc>
+                <a:spcPct val="100000"/>
+              </a:lnSpc>
+            </a:pPr>
+            <a:endParaRPr sz="1000">
+              <a:latin typeface="Courier New"/>
+              <a:cs typeface="Courier New"/>
+            </a:endParaRPr>
+          </a:p>
+          <a:p>
+            <a:pPr>
+              <a:lnSpc>
+                <a:spcPct val="100000"/>
+              </a:lnSpc>
+            </a:pPr>
+            <a:endParaRPr sz="1000">
+              <a:latin typeface="Courier New"/>
+              <a:cs typeface="Courier New"/>
+            </a:endParaRPr>
+          </a:p>
+          <a:p>
+            <a:pPr>
+              <a:lnSpc>
+                <a:spcPct val="100000"/>
+              </a:lnSpc>
+              <a:spcBef>
+                <a:spcPts val="5"/>
+              </a:spcBef>
+            </a:pPr>
+            <a:endParaRPr sz="800">
+              <a:latin typeface="Courier New"/>
+              <a:cs typeface="Courier New"/>
+            </a:endParaRPr>
+          </a:p>
+          <a:p>
+            <a:pPr marL="17780">
+              <a:lnSpc>
+                <a:spcPct val="100000"/>
+              </a:lnSpc>
+              <a:spcBef>
+                <a:spcPts val="5"/>
+              </a:spcBef>
+            </a:pPr>
+            <a:r>
+              <a:rPr dirty="0" sz="850" spc="25">
+                <a:latin typeface="Courier New"/>
+                <a:cs typeface="Courier New"/>
+              </a:rPr>
+              <a:t>int</a:t>
+            </a:r>
+            <a:r>
+              <a:rPr dirty="0" sz="850" spc="-10">
+                <a:latin typeface="Courier New"/>
+                <a:cs typeface="Courier New"/>
+              </a:rPr>
+              <a:t> </a:t>
+            </a:r>
+            <a:r>
+              <a:rPr dirty="0" sz="850" spc="25">
+                <a:latin typeface="Courier New"/>
+                <a:cs typeface="Courier New"/>
+              </a:rPr>
+              <a:t>main()</a:t>
+            </a:r>
+            <a:endParaRPr sz="850">
+              <a:latin typeface="Courier New"/>
+              <a:cs typeface="Courier New"/>
+            </a:endParaRPr>
+          </a:p>
+          <a:p>
+            <a:pPr>
+              <a:lnSpc>
+                <a:spcPct val="100000"/>
+              </a:lnSpc>
+              <a:spcBef>
+                <a:spcPts val="15"/>
+              </a:spcBef>
+            </a:pPr>
+            <a:endParaRPr sz="950">
+              <a:latin typeface="Courier New"/>
+              <a:cs typeface="Courier New"/>
+            </a:endParaRPr>
+          </a:p>
+          <a:p>
+            <a:pPr marL="474980">
+              <a:lnSpc>
+                <a:spcPct val="100000"/>
+              </a:lnSpc>
+            </a:pPr>
+            <a:r>
+              <a:rPr dirty="0" sz="850" spc="25">
+                <a:latin typeface="Courier New"/>
+                <a:cs typeface="Courier New"/>
+              </a:rPr>
+              <a:t>return</a:t>
+            </a:r>
+            <a:r>
+              <a:rPr dirty="0" sz="850" spc="40">
+                <a:latin typeface="Courier New"/>
+                <a:cs typeface="Courier New"/>
+              </a:rPr>
+              <a:t> </a:t>
+            </a:r>
+            <a:r>
+              <a:rPr dirty="0" sz="850" spc="25">
+                <a:latin typeface="Courier New"/>
+                <a:cs typeface="Courier New"/>
+              </a:rPr>
+              <a:t>BRASR(1,0,0,0,0,0);</a:t>
+            </a:r>
+            <a:endParaRPr sz="850">
+              <a:latin typeface="Courier New"/>
+              <a:cs typeface="Courier New"/>
+            </a:endParaRPr>
           </a:p>
         </p:txBody>
       </p:sp>
@@ -3383,16 +6550,38 @@
           </a:prstGeom>
         </p:spPr>
       </p:pic>
+      <p:pic>
+        <p:nvPicPr>
+          <p:cNvPr id="10" name="object 10"/>
+          <p:cNvPicPr/>
+          <p:nvPr/>
+        </p:nvPicPr>
+        <p:blipFill>
+          <a:blip r:embed="rId2" cstate="print"/>
+          <a:stretch>
+            <a:fillRect/>
+          </a:stretch>
+        </p:blipFill>
+        <p:spPr>
+          <a:xfrm>
+            <a:off x="3237348" y="4347629"/>
+            <a:ext cx="139700" cy="139700"/>
+          </a:xfrm>
+          <a:prstGeom prst="rect">
+            <a:avLst/>
+          </a:prstGeom>
+        </p:spPr>
+      </p:pic>
       <p:sp>
         <p:nvSpPr>
-          <p:cNvPr id="10" name="object 10"/>
+          <p:cNvPr id="11" name="object 11"/>
           <p:cNvSpPr txBox="1"/>
           <p:nvPr/>
         </p:nvSpPr>
         <p:spPr>
           <a:xfrm>
             <a:off x="840905" y="786041"/>
-            <a:ext cx="5865495" cy="8206740"/>
+            <a:ext cx="5865495" cy="8870950"/>
           </a:xfrm>
           <a:prstGeom prst="rect">
             <a:avLst/>
@@ -3980,7 +7169,7 @@
               <a:t>manual,</a:t>
             </a:r>
             <a:r>
-              <a:rPr dirty="0" sz="1050" spc="25">
+              <a:rPr dirty="0" sz="1050" spc="30">
                 <a:latin typeface="Times New Roman"/>
                 <a:cs typeface="Times New Roman"/>
               </a:rPr>
@@ -4036,7 +7225,7 @@
               <a:t>as </a:t>
             </a:r>
             <a:r>
-              <a:rPr dirty="0" sz="1050" spc="-250">
+              <a:rPr dirty="0" sz="1050" spc="-245">
                 <a:latin typeface="Times New Roman"/>
                 <a:cs typeface="Times New Roman"/>
               </a:rPr>
@@ -4445,7 +7634,7 @@
               <a:t> </a:t>
             </a:r>
             <a:r>
-              <a:rPr dirty="0" sz="1000" spc="20" b="1">
+              <a:rPr dirty="0" sz="1000" spc="15" b="1">
                 <a:solidFill>
                   <a:srgbClr val="46535E"/>
                 </a:solidFill>
@@ -4455,7 +7644,7 @@
               <a:t>task</a:t>
             </a:r>
             <a:r>
-              <a:rPr dirty="0" sz="1000" b="1">
+              <a:rPr dirty="0" sz="1000" spc="10" b="1">
                 <a:solidFill>
                   <a:srgbClr val="46535E"/>
                 </a:solidFill>
@@ -4851,7 +8040,7 @@
               <a:t> </a:t>
             </a:r>
             <a:r>
-              <a:rPr dirty="0" sz="1000" spc="10">
+              <a:rPr dirty="0" sz="1000" spc="15">
                 <a:solidFill>
                   <a:srgbClr val="46535E"/>
                 </a:solidFill>
@@ -4861,7 +8050,7 @@
               <a:t>to</a:t>
             </a:r>
             <a:r>
-              <a:rPr dirty="0" sz="1000" spc="25">
+              <a:rPr dirty="0" sz="1000" spc="20">
                 <a:solidFill>
                   <a:srgbClr val="46535E"/>
                 </a:solidFill>
@@ -4881,67 +8070,67 @@
               <a:t>clearly</a:t>
             </a:r>
             <a:r>
-              <a:rPr dirty="0" sz="1000" spc="25">
+              <a:rPr dirty="0" sz="1000" spc="20">
                 <a:solidFill>
                   <a:srgbClr val="46535E"/>
                 </a:solidFill>
                 <a:latin typeface="Arial MT"/>
                 <a:cs typeface="Arial MT"/>
               </a:rPr>
-              <a:t> </a:t>
-            </a:r>
-            <a:r>
-              <a:rPr dirty="0" sz="1000" spc="20">
+              <a:t> see</a:t>
+            </a:r>
+            <a:r>
+              <a:rPr dirty="0" sz="1000" spc="25">
                 <a:solidFill>
                   <a:srgbClr val="46535E"/>
                 </a:solidFill>
                 <a:latin typeface="Arial MT"/>
                 <a:cs typeface="Arial MT"/>
               </a:rPr>
-              <a:t>see</a:t>
-            </a:r>
-            <a:r>
-              <a:rPr dirty="0" sz="1000" spc="25">
+              <a:t> </a:t>
+            </a:r>
+            <a:r>
+              <a:rPr dirty="0" sz="1000" spc="15">
                 <a:solidFill>
                   <a:srgbClr val="46535E"/>
                 </a:solidFill>
                 <a:latin typeface="Arial MT"/>
                 <a:cs typeface="Arial MT"/>
               </a:rPr>
-              <a:t> </a:t>
-            </a:r>
-            <a:r>
-              <a:rPr dirty="0" sz="1000" spc="15">
+              <a:t>the</a:t>
+            </a:r>
+            <a:r>
+              <a:rPr dirty="0" sz="1000" spc="20">
                 <a:solidFill>
                   <a:srgbClr val="46535E"/>
                 </a:solidFill>
                 <a:latin typeface="Arial MT"/>
                 <a:cs typeface="Arial MT"/>
               </a:rPr>
-              <a:t>the</a:t>
-            </a:r>
-            <a:r>
-              <a:rPr dirty="0" sz="1000" spc="25">
+              <a:t> agenda/calendar</a:t>
+            </a:r>
+            <a:r>
+              <a:rPr dirty="0" sz="1000" spc="15">
                 <a:solidFill>
                   <a:srgbClr val="46535E"/>
                 </a:solidFill>
                 <a:latin typeface="Arial MT"/>
                 <a:cs typeface="Arial MT"/>
               </a:rPr>
-              <a:t> </a:t>
-            </a:r>
-            <a:r>
-              <a:rPr dirty="0" sz="1000" spc="15">
+              <a:t> for the</a:t>
+            </a:r>
+            <a:r>
+              <a:rPr dirty="0" sz="1000" spc="20">
                 <a:solidFill>
                   <a:srgbClr val="46535E"/>
                 </a:solidFill>
                 <a:latin typeface="Arial MT"/>
                 <a:cs typeface="Arial MT"/>
               </a:rPr>
-              <a:t>agenda/calendar</a:t>
-            </a:r>
-            <a:r>
-              <a:rPr dirty="0" sz="1000" spc="20">
+              <a:t> day</a:t>
+            </a:r>
+            <a:r>
+              <a:rPr dirty="0" sz="1000" spc="25">
                 <a:solidFill>
                   <a:srgbClr val="46535E"/>
                 </a:solidFill>
@@ -4951,127 +8140,67 @@
               <a:t> </a:t>
             </a:r>
             <a:r>
-              <a:rPr dirty="0" sz="1000" spc="10">
+              <a:rPr dirty="0" sz="1000" spc="15">
                 <a:solidFill>
                   <a:srgbClr val="46535E"/>
                 </a:solidFill>
                 <a:latin typeface="Arial MT"/>
                 <a:cs typeface="Arial MT"/>
               </a:rPr>
-              <a:t>for</a:t>
-            </a:r>
-            <a:r>
-              <a:rPr dirty="0" sz="1000" spc="15">
+              <a:t>with</a:t>
+            </a:r>
+            <a:r>
+              <a:rPr dirty="0" sz="1000" spc="20">
                 <a:solidFill>
                   <a:srgbClr val="46535E"/>
                 </a:solidFill>
                 <a:latin typeface="Arial MT"/>
                 <a:cs typeface="Arial MT"/>
               </a:rPr>
-              <a:t> the</a:t>
-            </a:r>
-            <a:r>
-              <a:rPr dirty="0" sz="1000" spc="25">
+              <a:t> </a:t>
+            </a:r>
+            <a:r>
+              <a:rPr dirty="0" sz="1000" spc="15">
                 <a:solidFill>
                   <a:srgbClr val="46535E"/>
                 </a:solidFill>
                 <a:latin typeface="Arial MT"/>
                 <a:cs typeface="Arial MT"/>
               </a:rPr>
-              <a:t> </a:t>
-            </a:r>
-            <a:r>
-              <a:rPr dirty="0" sz="1000" spc="20">
+              <a:t>the</a:t>
+            </a:r>
+            <a:r>
+              <a:rPr dirty="0" sz="1000" spc="25">
                 <a:solidFill>
                   <a:srgbClr val="46535E"/>
                 </a:solidFill>
                 <a:latin typeface="Arial MT"/>
                 <a:cs typeface="Arial MT"/>
               </a:rPr>
-              <a:t>day</a:t>
-            </a:r>
-            <a:r>
-              <a:rPr dirty="0" sz="1000" spc="25">
+              <a:t> </a:t>
+            </a:r>
+            <a:r>
+              <a:rPr dirty="0" sz="1000" spc="15">
                 <a:solidFill>
                   <a:srgbClr val="46535E"/>
                 </a:solidFill>
                 <a:latin typeface="Arial MT"/>
                 <a:cs typeface="Arial MT"/>
               </a:rPr>
-              <a:t> </a:t>
-            </a:r>
-            <a:r>
-              <a:rPr dirty="0" sz="1000" spc="15">
+              <a:t>drive</a:t>
+            </a:r>
+            <a:r>
+              <a:rPr dirty="0" sz="1000" spc="20">
                 <a:solidFill>
                   <a:srgbClr val="46535E"/>
                 </a:solidFill>
                 <a:latin typeface="Arial MT"/>
                 <a:cs typeface="Arial MT"/>
               </a:rPr>
-              <a:t>with</a:t>
-            </a:r>
-            <a:r>
-              <a:rPr dirty="0" sz="1000" spc="25">
-                <a:solidFill>
-                  <a:srgbClr val="46535E"/>
-                </a:solidFill>
-                <a:latin typeface="Arial MT"/>
-                <a:cs typeface="Arial MT"/>
-              </a:rPr>
-              <a:t> </a:t>
-            </a:r>
-            <a:r>
-              <a:rPr dirty="0" sz="1000" spc="15">
-                <a:solidFill>
-                  <a:srgbClr val="46535E"/>
-                </a:solidFill>
-                <a:latin typeface="Arial MT"/>
-                <a:cs typeface="Arial MT"/>
-              </a:rPr>
-              <a:t>the</a:t>
-            </a:r>
-            <a:r>
-              <a:rPr dirty="0" sz="1000" spc="40">
-                <a:solidFill>
-                  <a:srgbClr val="46535E"/>
-                </a:solidFill>
-                <a:latin typeface="Arial MT"/>
-                <a:cs typeface="Arial MT"/>
-              </a:rPr>
-              <a:t> </a:t>
-            </a:r>
-            <a:r>
-              <a:rPr dirty="0" sz="1000" spc="15">
-                <a:solidFill>
-                  <a:srgbClr val="46535E"/>
-                </a:solidFill>
-                <a:latin typeface="Arial MT"/>
-                <a:cs typeface="Arial MT"/>
-              </a:rPr>
-              <a:t>drive</a:t>
-            </a:r>
-            <a:r>
-              <a:rPr dirty="0" sz="1000" spc="25">
-                <a:solidFill>
-                  <a:srgbClr val="46535E"/>
-                </a:solidFill>
-                <a:latin typeface="Arial MT"/>
-                <a:cs typeface="Arial MT"/>
-              </a:rPr>
-              <a:t> </a:t>
-            </a:r>
-            <a:r>
-              <a:rPr dirty="0" sz="1000" spc="20">
-                <a:solidFill>
-                  <a:srgbClr val="46535E"/>
-                </a:solidFill>
-                <a:latin typeface="Arial MT"/>
-                <a:cs typeface="Arial MT"/>
-              </a:rPr>
-              <a:t>time </a:t>
-            </a:r>
-            <a:r>
-              <a:rPr dirty="0" sz="1000" spc="-265">
+              <a:t> time </a:t>
+            </a:r>
+            <a:r>
+              <a:rPr dirty="0" sz="1000" spc="-260">
                 <a:solidFill>
                   <a:srgbClr val="46535E"/>
                 </a:solidFill>
@@ -5206,17 +8335,7 @@
                 <a:latin typeface="Arial MT"/>
                 <a:cs typeface="Arial MT"/>
               </a:rPr>
-              <a:t>Outlook/Teams</a:t>
-            </a:r>
-            <a:r>
-              <a:rPr dirty="0" sz="1000" spc="25">
-                <a:solidFill>
-                  <a:srgbClr val="46535E"/>
-                </a:solidFill>
-                <a:latin typeface="Arial MT"/>
-                <a:cs typeface="Arial MT"/>
-              </a:rPr>
-              <a:t> </a:t>
+              <a:t>Outlook/Teams </a:t>
             </a:r>
             <a:r>
               <a:rPr dirty="0" sz="1000" spc="15">
@@ -5583,7 +8702,7 @@
               <a:t>Advanced</a:t>
             </a:r>
             <a:r>
-              <a:rPr dirty="0" sz="1000" spc="5" b="1">
+              <a:rPr dirty="0" sz="1000" b="1">
                 <a:solidFill>
                   <a:srgbClr val="46535E"/>
                 </a:solidFill>
@@ -5843,18 +8962,469 @@
             </a:endParaRPr>
           </a:p>
           <a:p>
+            <a:pPr marL="469900" indent="-228600">
+              <a:lnSpc>
+                <a:spcPct val="100000"/>
+              </a:lnSpc>
+              <a:spcBef>
+                <a:spcPts val="180"/>
+              </a:spcBef>
+              <a:buSzPct val="95000"/>
+              <a:buFont typeface="Symbol"/>
+              <a:buChar char=""/>
+              <a:tabLst>
+                <a:tab pos="469265" algn="l"/>
+                <a:tab pos="469900" algn="l"/>
+              </a:tabLst>
+            </a:pPr>
+            <a:r>
+              <a:rPr dirty="0" sz="1000" spc="25" b="1">
+                <a:solidFill>
+                  <a:srgbClr val="46535E"/>
+                </a:solidFill>
+                <a:latin typeface="Arial"/>
+                <a:cs typeface="Arial"/>
+              </a:rPr>
+              <a:t>EXTRA</a:t>
+            </a:r>
+            <a:r>
+              <a:rPr dirty="0" sz="1000" spc="15" b="1">
+                <a:solidFill>
+                  <a:srgbClr val="46535E"/>
+                </a:solidFill>
+                <a:latin typeface="Arial"/>
+                <a:cs typeface="Arial"/>
+              </a:rPr>
+              <a:t> </a:t>
+            </a:r>
+            <a:r>
+              <a:rPr dirty="0" sz="1000" spc="25" b="1">
+                <a:solidFill>
+                  <a:srgbClr val="46535E"/>
+                </a:solidFill>
+                <a:latin typeface="Arial"/>
+                <a:cs typeface="Arial"/>
+              </a:rPr>
+              <a:t>CREATIVE</a:t>
+            </a:r>
+            <a:r>
+              <a:rPr dirty="0" sz="1000" spc="20" b="1">
+                <a:solidFill>
+                  <a:srgbClr val="46535E"/>
+                </a:solidFill>
+                <a:latin typeface="Arial"/>
+                <a:cs typeface="Arial"/>
+              </a:rPr>
+              <a:t> </a:t>
+            </a:r>
+            <a:r>
+              <a:rPr dirty="0" sz="1000" spc="15" b="1">
+                <a:solidFill>
+                  <a:srgbClr val="46535E"/>
+                </a:solidFill>
+                <a:latin typeface="Arial"/>
+                <a:cs typeface="Arial"/>
+              </a:rPr>
+              <a:t>task </a:t>
+            </a:r>
+            <a:r>
+              <a:rPr dirty="0" sz="1000" spc="30" b="1">
+                <a:solidFill>
+                  <a:srgbClr val="46535E"/>
+                </a:solidFill>
+                <a:latin typeface="Arial"/>
+                <a:cs typeface="Arial"/>
+              </a:rPr>
+              <a:t>DONE</a:t>
+            </a:r>
+            <a:r>
+              <a:rPr dirty="0" sz="1000" spc="15" b="1">
+                <a:solidFill>
+                  <a:srgbClr val="46535E"/>
+                </a:solidFill>
+                <a:latin typeface="Arial"/>
+                <a:cs typeface="Arial"/>
+              </a:rPr>
+              <a:t> </a:t>
+            </a:r>
+            <a:r>
+              <a:rPr dirty="0" sz="1050" spc="30">
+                <a:latin typeface="Segoe UI Symbol"/>
+                <a:cs typeface="Segoe UI Symbol"/>
+              </a:rPr>
+              <a:t>✅</a:t>
+            </a:r>
+            <a:endParaRPr sz="1050">
+              <a:latin typeface="Segoe UI Symbol"/>
+              <a:cs typeface="Segoe UI Symbol"/>
+            </a:endParaRPr>
+          </a:p>
+          <a:p>
+            <a:pPr lvl="1" marL="927100" indent="-228600">
+              <a:lnSpc>
+                <a:spcPct val="100000"/>
+              </a:lnSpc>
+              <a:spcBef>
+                <a:spcPts val="130"/>
+              </a:spcBef>
+              <a:buSzPct val="95000"/>
+              <a:buFont typeface="Courier New"/>
+              <a:buChar char="o"/>
+              <a:tabLst>
+                <a:tab pos="926465" algn="l"/>
+                <a:tab pos="927100" algn="l"/>
+              </a:tabLst>
+            </a:pPr>
+            <a:r>
+              <a:rPr dirty="0" sz="1000" spc="20">
+                <a:solidFill>
+                  <a:srgbClr val="46535E"/>
+                </a:solidFill>
+                <a:latin typeface="Arial MT"/>
+                <a:cs typeface="Arial MT"/>
+              </a:rPr>
+              <a:t>Can be integrated</a:t>
+            </a:r>
+            <a:r>
+              <a:rPr dirty="0" sz="1000" spc="25">
+                <a:solidFill>
+                  <a:srgbClr val="46535E"/>
+                </a:solidFill>
+                <a:latin typeface="Arial MT"/>
+                <a:cs typeface="Arial MT"/>
+              </a:rPr>
+              <a:t> </a:t>
+            </a:r>
+            <a:r>
+              <a:rPr dirty="0" sz="1000" spc="15">
+                <a:solidFill>
+                  <a:srgbClr val="46535E"/>
+                </a:solidFill>
+                <a:latin typeface="Arial MT"/>
+                <a:cs typeface="Arial MT"/>
+              </a:rPr>
+              <a:t>with</a:t>
+            </a:r>
+            <a:r>
+              <a:rPr dirty="0" sz="1000" spc="20">
+                <a:solidFill>
+                  <a:srgbClr val="46535E"/>
+                </a:solidFill>
+                <a:latin typeface="Arial MT"/>
+                <a:cs typeface="Arial MT"/>
+              </a:rPr>
+              <a:t> </a:t>
+            </a:r>
+            <a:r>
+              <a:rPr dirty="0" sz="1000" spc="25">
+                <a:solidFill>
+                  <a:srgbClr val="46535E"/>
+                </a:solidFill>
+                <a:latin typeface="Arial MT"/>
+                <a:cs typeface="Arial MT"/>
+              </a:rPr>
+              <a:t>ANY</a:t>
+            </a:r>
+            <a:r>
+              <a:rPr dirty="0" sz="1000" spc="30">
+                <a:solidFill>
+                  <a:srgbClr val="46535E"/>
+                </a:solidFill>
+                <a:latin typeface="Arial MT"/>
+                <a:cs typeface="Arial MT"/>
+              </a:rPr>
+              <a:t> </a:t>
+            </a:r>
+            <a:r>
+              <a:rPr dirty="0" sz="1000" spc="20">
+                <a:solidFill>
+                  <a:srgbClr val="46535E"/>
+                </a:solidFill>
+                <a:latin typeface="Arial MT"/>
+                <a:cs typeface="Arial MT"/>
+              </a:rPr>
+              <a:t>calendar (Outlook, </a:t>
+            </a:r>
+            <a:r>
+              <a:rPr dirty="0" sz="1000" spc="25">
+                <a:solidFill>
+                  <a:srgbClr val="46535E"/>
+                </a:solidFill>
+                <a:latin typeface="Arial MT"/>
+                <a:cs typeface="Arial MT"/>
+              </a:rPr>
+              <a:t>Teams,</a:t>
+            </a:r>
+            <a:r>
+              <a:rPr dirty="0" sz="1000" spc="15">
+                <a:solidFill>
+                  <a:srgbClr val="46535E"/>
+                </a:solidFill>
+                <a:latin typeface="Arial MT"/>
+                <a:cs typeface="Arial MT"/>
+              </a:rPr>
+              <a:t> </a:t>
+            </a:r>
+            <a:r>
+              <a:rPr dirty="0" sz="1000" spc="20">
+                <a:solidFill>
+                  <a:srgbClr val="46535E"/>
+                </a:solidFill>
+                <a:latin typeface="Arial MT"/>
+                <a:cs typeface="Arial MT"/>
+              </a:rPr>
+              <a:t>Google,</a:t>
+            </a:r>
+            <a:r>
+              <a:rPr dirty="0" sz="1000" spc="15">
+                <a:solidFill>
+                  <a:srgbClr val="46535E"/>
+                </a:solidFill>
+                <a:latin typeface="Arial MT"/>
+                <a:cs typeface="Arial MT"/>
+              </a:rPr>
+              <a:t> </a:t>
+            </a:r>
+            <a:r>
+              <a:rPr dirty="0" sz="1000" spc="25">
+                <a:solidFill>
+                  <a:srgbClr val="46535E"/>
+                </a:solidFill>
+                <a:latin typeface="Arial MT"/>
+                <a:cs typeface="Arial MT"/>
+              </a:rPr>
+              <a:t>Yahoo,</a:t>
+            </a:r>
+            <a:r>
+              <a:rPr dirty="0" sz="1000" spc="20">
+                <a:solidFill>
+                  <a:srgbClr val="46535E"/>
+                </a:solidFill>
+                <a:latin typeface="Arial MT"/>
+                <a:cs typeface="Arial MT"/>
+              </a:rPr>
+              <a:t> Apple,</a:t>
+            </a:r>
+            <a:r>
+              <a:rPr dirty="0" sz="1000" spc="15">
+                <a:solidFill>
+                  <a:srgbClr val="46535E"/>
+                </a:solidFill>
+                <a:latin typeface="Arial MT"/>
+                <a:cs typeface="Arial MT"/>
+              </a:rPr>
+              <a:t> etc)</a:t>
+            </a:r>
+            <a:endParaRPr sz="1000">
+              <a:latin typeface="Arial MT"/>
+              <a:cs typeface="Arial MT"/>
+            </a:endParaRPr>
+          </a:p>
+          <a:p>
+            <a:pPr lvl="1" marL="927100" indent="-228600">
+              <a:lnSpc>
+                <a:spcPct val="100000"/>
+              </a:lnSpc>
+              <a:spcBef>
+                <a:spcPts val="75"/>
+              </a:spcBef>
+              <a:buSzPct val="95000"/>
+              <a:buFont typeface="Courier New"/>
+              <a:buChar char="o"/>
+              <a:tabLst>
+                <a:tab pos="926465" algn="l"/>
+                <a:tab pos="927100" algn="l"/>
+              </a:tabLst>
+            </a:pPr>
+            <a:r>
+              <a:rPr dirty="0" sz="1000" spc="20">
+                <a:solidFill>
+                  <a:srgbClr val="46535E"/>
+                </a:solidFill>
+                <a:latin typeface="Arial MT"/>
+                <a:cs typeface="Arial MT"/>
+              </a:rPr>
+              <a:t>Average</a:t>
+            </a:r>
+            <a:r>
+              <a:rPr dirty="0" sz="1000" spc="15">
+                <a:solidFill>
+                  <a:srgbClr val="46535E"/>
+                </a:solidFill>
+                <a:latin typeface="Arial MT"/>
+                <a:cs typeface="Arial MT"/>
+              </a:rPr>
+              <a:t> </a:t>
+            </a:r>
+            <a:r>
+              <a:rPr dirty="0" sz="1000" spc="20">
+                <a:solidFill>
+                  <a:srgbClr val="46535E"/>
+                </a:solidFill>
+                <a:latin typeface="Arial MT"/>
+                <a:cs typeface="Arial MT"/>
+              </a:rPr>
+              <a:t>appointment</a:t>
+            </a:r>
+            <a:r>
+              <a:rPr dirty="0" sz="1000" spc="15">
+                <a:solidFill>
+                  <a:srgbClr val="46535E"/>
+                </a:solidFill>
+                <a:latin typeface="Arial MT"/>
+                <a:cs typeface="Arial MT"/>
+              </a:rPr>
+              <a:t> time</a:t>
+            </a:r>
+            <a:r>
+              <a:rPr dirty="0" sz="1000" spc="20">
+                <a:solidFill>
+                  <a:srgbClr val="46535E"/>
+                </a:solidFill>
+                <a:latin typeface="Arial MT"/>
+                <a:cs typeface="Arial MT"/>
+              </a:rPr>
+              <a:t> can be customised </a:t>
+            </a:r>
+            <a:r>
+              <a:rPr dirty="0" sz="1000" spc="10">
+                <a:solidFill>
+                  <a:srgbClr val="46535E"/>
+                </a:solidFill>
+                <a:latin typeface="Arial MT"/>
+                <a:cs typeface="Arial MT"/>
+              </a:rPr>
+              <a:t>for </a:t>
+            </a:r>
+            <a:r>
+              <a:rPr dirty="0" sz="1000" spc="20">
+                <a:solidFill>
+                  <a:srgbClr val="46535E"/>
+                </a:solidFill>
+                <a:latin typeface="Arial MT"/>
+                <a:cs typeface="Arial MT"/>
+              </a:rPr>
+              <a:t>ALL </a:t>
+            </a:r>
+            <a:r>
+              <a:rPr dirty="0" sz="1000" spc="15">
+                <a:solidFill>
+                  <a:srgbClr val="46535E"/>
+                </a:solidFill>
+                <a:latin typeface="Arial MT"/>
+                <a:cs typeface="Arial MT"/>
+              </a:rPr>
+              <a:t>locations</a:t>
+            </a:r>
+            <a:r>
+              <a:rPr dirty="0" sz="1000" spc="20">
+                <a:solidFill>
+                  <a:srgbClr val="46535E"/>
+                </a:solidFill>
+                <a:latin typeface="Arial MT"/>
+                <a:cs typeface="Arial MT"/>
+              </a:rPr>
+              <a:t> </a:t>
+            </a:r>
+            <a:r>
+              <a:rPr dirty="0" sz="1000" spc="15">
+                <a:solidFill>
+                  <a:srgbClr val="46535E"/>
+                </a:solidFill>
+                <a:latin typeface="Arial MT"/>
+                <a:cs typeface="Arial MT"/>
+              </a:rPr>
+              <a:t>individually</a:t>
+            </a:r>
+            <a:endParaRPr sz="1000">
+              <a:latin typeface="Arial MT"/>
+              <a:cs typeface="Arial MT"/>
+            </a:endParaRPr>
+          </a:p>
+          <a:p>
+            <a:pPr lvl="1" marL="927100" indent="-228600">
+              <a:lnSpc>
+                <a:spcPct val="100000"/>
+              </a:lnSpc>
+              <a:spcBef>
+                <a:spcPts val="45"/>
+              </a:spcBef>
+              <a:buSzPct val="95000"/>
+              <a:buFont typeface="Courier New"/>
+              <a:buChar char="o"/>
+              <a:tabLst>
+                <a:tab pos="926465" algn="l"/>
+                <a:tab pos="927100" algn="l"/>
+              </a:tabLst>
+            </a:pPr>
+            <a:r>
+              <a:rPr dirty="0" sz="1000" spc="15">
+                <a:solidFill>
+                  <a:srgbClr val="46535E"/>
+                </a:solidFill>
+                <a:latin typeface="Arial MT"/>
+                <a:cs typeface="Arial MT"/>
+              </a:rPr>
+              <a:t>Stateless</a:t>
+            </a:r>
+            <a:r>
+              <a:rPr dirty="0" sz="1000" spc="20">
+                <a:solidFill>
+                  <a:srgbClr val="46535E"/>
+                </a:solidFill>
+                <a:latin typeface="Arial MT"/>
+                <a:cs typeface="Arial MT"/>
+              </a:rPr>
+              <a:t> deAuth approach </a:t>
+            </a:r>
+            <a:r>
+              <a:rPr dirty="0" sz="1000" spc="10">
+                <a:solidFill>
+                  <a:srgbClr val="46535E"/>
+                </a:solidFill>
+                <a:latin typeface="Arial MT"/>
+                <a:cs typeface="Arial MT"/>
+              </a:rPr>
+              <a:t>for</a:t>
+            </a:r>
+            <a:r>
+              <a:rPr dirty="0" sz="1000" spc="15">
+                <a:solidFill>
+                  <a:srgbClr val="46535E"/>
+                </a:solidFill>
+                <a:latin typeface="Arial MT"/>
+                <a:cs typeface="Arial MT"/>
+              </a:rPr>
+              <a:t> null security, privacy-first </a:t>
+            </a:r>
+            <a:r>
+              <a:rPr dirty="0" sz="1000" spc="20">
+                <a:solidFill>
+                  <a:srgbClr val="46535E"/>
+                </a:solidFill>
+                <a:latin typeface="Arial MT"/>
+                <a:cs typeface="Arial MT"/>
+              </a:rPr>
+              <a:t>approach</a:t>
+            </a:r>
+            <a:endParaRPr sz="1000">
+              <a:latin typeface="Arial MT"/>
+              <a:cs typeface="Arial MT"/>
+            </a:endParaRPr>
+          </a:p>
+          <a:p>
             <a:pPr lvl="1">
               <a:lnSpc>
                 <a:spcPct val="100000"/>
               </a:lnSpc>
               <a:spcBef>
-                <a:spcPts val="10"/>
+                <a:spcPts val="35"/>
               </a:spcBef>
               <a:buChar char="o"/>
             </a:pPr>
-            <a:endParaRPr sz="1100">
-              <a:latin typeface="Segoe UI Symbol"/>
-              <a:cs typeface="Segoe UI Symbol"/>
+            <a:endParaRPr sz="1200">
+              <a:latin typeface="Arial MT"/>
+              <a:cs typeface="Arial MT"/>
             </a:endParaRPr>
           </a:p>
           <a:p>
@@ -5988,7 +9558,7 @@
                 <a:spcPct val="100000"/>
               </a:lnSpc>
               <a:spcBef>
-                <a:spcPts val="155"/>
+                <a:spcPts val="130"/>
               </a:spcBef>
               <a:buFont typeface="Symbol"/>
               <a:buChar char=""/>
@@ -6002,7 +9572,14 @@
                 <a:latin typeface="Times New Roman"/>
                 <a:cs typeface="Times New Roman"/>
               </a:rPr>
-              <a:t>Custom-built </a:t>
+              <a:t>Custom-built</a:t>
+            </a:r>
+            <a:r>
+              <a:rPr dirty="0" sz="1050" spc="10">
+                <a:latin typeface="Times New Roman"/>
+                <a:cs typeface="Times New Roman"/>
+              </a:rPr>
+              <a:t> </a:t>
             </a:r>
             <a:r>
               <a:rPr dirty="0" sz="1050" spc="15">
@@ -6012,6 +9589,82 @@
               <a:t>scheduling</a:t>
             </a:r>
             <a:r>
+              <a:rPr dirty="0" sz="1050" spc="20">
+                <a:latin typeface="Times New Roman"/>
+                <a:cs typeface="Times New Roman"/>
+              </a:rPr>
+              <a:t> </a:t>
+            </a:r>
+            <a:r>
+              <a:rPr dirty="0" sz="1050" spc="15">
+                <a:latin typeface="Times New Roman"/>
+                <a:cs typeface="Times New Roman"/>
+              </a:rPr>
+              <a:t>and</a:t>
+            </a:r>
+            <a:r>
+              <a:rPr dirty="0" sz="1050" spc="20">
+                <a:latin typeface="Times New Roman"/>
+                <a:cs typeface="Times New Roman"/>
+              </a:rPr>
+              <a:t> </a:t>
+            </a:r>
+            <a:r>
+              <a:rPr dirty="0" sz="1050" spc="15">
+                <a:latin typeface="Times New Roman"/>
+                <a:cs typeface="Times New Roman"/>
+              </a:rPr>
+              <a:t>routing</a:t>
+            </a:r>
+            <a:r>
+              <a:rPr dirty="0" sz="1050" spc="20">
+                <a:latin typeface="Times New Roman"/>
+                <a:cs typeface="Times New Roman"/>
+              </a:rPr>
+              <a:t> algorithm</a:t>
+            </a:r>
+            <a:endParaRPr sz="1050">
+              <a:latin typeface="Times New Roman"/>
+              <a:cs typeface="Times New Roman"/>
+            </a:endParaRPr>
+          </a:p>
+          <a:p>
+            <a:pPr lvl="1" marL="927100" indent="-228600">
+              <a:lnSpc>
+                <a:spcPct val="100000"/>
+              </a:lnSpc>
+              <a:spcBef>
+                <a:spcPts val="85"/>
+              </a:spcBef>
+              <a:buFont typeface="Courier New"/>
+              <a:buChar char="o"/>
+              <a:tabLst>
+                <a:tab pos="926465" algn="l"/>
+                <a:tab pos="927100" algn="l"/>
+              </a:tabLst>
+            </a:pPr>
+            <a:r>
+              <a:rPr dirty="0" sz="1050" spc="15">
+                <a:latin typeface="Times New Roman"/>
+                <a:cs typeface="Times New Roman"/>
+              </a:rPr>
+              <a:t>Uses</a:t>
+            </a:r>
+            <a:r>
+              <a:rPr dirty="0" sz="1050" spc="20">
+                <a:latin typeface="Times New Roman"/>
+                <a:cs typeface="Times New Roman"/>
+              </a:rPr>
+              <a:t> </a:t>
+            </a:r>
+            <a:r>
+              <a:rPr dirty="0" sz="1050" spc="10">
+                <a:latin typeface="Times New Roman"/>
+                <a:cs typeface="Times New Roman"/>
+              </a:rPr>
+              <a:t>a</a:t>
+            </a:r>
+            <a:r>
               <a:rPr dirty="0" sz="1050" spc="25">
                 <a:latin typeface="Times New Roman"/>
                 <a:cs typeface="Times New Roman"/>
@@ -6023,7 +9676,14 @@
                 <a:latin typeface="Times New Roman"/>
                 <a:cs typeface="Times New Roman"/>
               </a:rPr>
-              <a:t>and</a:t>
+              <a:t>32-bit</a:t>
+            </a:r>
+            <a:r>
+              <a:rPr dirty="0" sz="1050" spc="20">
+                <a:latin typeface="Times New Roman"/>
+                <a:cs typeface="Times New Roman"/>
+              </a:rPr>
+              <a:t> Bitmasking</a:t>
             </a:r>
             <a:r>
               <a:rPr dirty="0" sz="1050" spc="25">
@@ -6037,7 +9697,7 @@
                 <a:latin typeface="Times New Roman"/>
                 <a:cs typeface="Times New Roman"/>
               </a:rPr>
-              <a:t>routing</a:t>
+              <a:t>Recursive</a:t>
             </a:r>
             <a:r>
               <a:rPr dirty="0" sz="1050" spc="25">
@@ -6047,11 +9707,74 @@
               <a:t> </a:t>
             </a:r>
             <a:r>
-              <a:rPr dirty="0" sz="1050" spc="15">
-                <a:latin typeface="Times New Roman"/>
-                <a:cs typeface="Times New Roman"/>
-              </a:rPr>
-              <a:t>algorithm</a:t>
+              <a:rPr dirty="0" sz="1050" spc="20">
+                <a:latin typeface="Times New Roman"/>
+                <a:cs typeface="Times New Roman"/>
+              </a:rPr>
+              <a:t>approach</a:t>
+            </a:r>
+            <a:r>
+              <a:rPr dirty="0" sz="1050" spc="25">
+                <a:latin typeface="Times New Roman"/>
+                <a:cs typeface="Times New Roman"/>
+              </a:rPr>
+              <a:t> </a:t>
+            </a:r>
+            <a:r>
+              <a:rPr dirty="0" sz="1050" spc="15">
+                <a:latin typeface="Times New Roman"/>
+                <a:cs typeface="Times New Roman"/>
+              </a:rPr>
+              <a:t>using</a:t>
+            </a:r>
+            <a:r>
+              <a:rPr dirty="0" sz="1050" spc="25">
+                <a:latin typeface="Times New Roman"/>
+                <a:cs typeface="Times New Roman"/>
+              </a:rPr>
+              <a:t> </a:t>
+            </a:r>
+            <a:r>
+              <a:rPr dirty="0" sz="1050" spc="15">
+                <a:latin typeface="Times New Roman"/>
+                <a:cs typeface="Times New Roman"/>
+              </a:rPr>
+              <a:t>an</a:t>
+            </a:r>
+            <a:r>
+              <a:rPr dirty="0" sz="1050" spc="25">
+                <a:latin typeface="Times New Roman"/>
+                <a:cs typeface="Times New Roman"/>
+              </a:rPr>
+              <a:t> </a:t>
+            </a:r>
+            <a:r>
+              <a:rPr dirty="0" sz="1050" spc="20">
+                <a:latin typeface="Times New Roman"/>
+                <a:cs typeface="Times New Roman"/>
+              </a:rPr>
+              <a:t>NP-hard </a:t>
+            </a:r>
+            <a:r>
+              <a:rPr dirty="0" sz="1050" spc="15">
+                <a:latin typeface="Times New Roman"/>
+                <a:cs typeface="Times New Roman"/>
+              </a:rPr>
+              <a:t>solution</a:t>
+            </a:r>
+            <a:r>
+              <a:rPr dirty="0" sz="1050" spc="25">
+                <a:latin typeface="Times New Roman"/>
+                <a:cs typeface="Times New Roman"/>
+              </a:rPr>
+              <a:t> </a:t>
+            </a:r>
+            <a:r>
+              <a:rPr dirty="0" sz="1050" spc="20">
+                <a:latin typeface="Times New Roman"/>
+                <a:cs typeface="Times New Roman"/>
+              </a:rPr>
+              <a:t>framework</a:t>
             </a:r>
             <a:endParaRPr sz="1050">
               <a:latin typeface="Times New Roman"/>
@@ -6078,10 +9801,66 @@
                 <a:latin typeface="Times New Roman"/>
                 <a:cs typeface="Times New Roman"/>
               </a:rPr>
-              <a:t>Uses</a:t>
-            </a:r>
-            <a:r>
-              <a:rPr dirty="0" sz="1050" spc="20">
+              <a:t>Recursively</a:t>
+            </a:r>
+            <a:r>
+              <a:rPr dirty="0" sz="1050" spc="25">
+                <a:latin typeface="Times New Roman"/>
+                <a:cs typeface="Times New Roman"/>
+              </a:rPr>
+              <a:t> </a:t>
+            </a:r>
+            <a:r>
+              <a:rPr dirty="0" sz="1050" spc="15">
+                <a:latin typeface="Times New Roman"/>
+                <a:cs typeface="Times New Roman"/>
+              </a:rPr>
+              <a:t>finds</a:t>
+            </a:r>
+            <a:r>
+              <a:rPr dirty="0" sz="1050" spc="25">
+                <a:latin typeface="Times New Roman"/>
+                <a:cs typeface="Times New Roman"/>
+              </a:rPr>
+              <a:t> </a:t>
+            </a:r>
+            <a:r>
+              <a:rPr dirty="0" sz="1050" spc="15">
+                <a:latin typeface="Times New Roman"/>
+                <a:cs typeface="Times New Roman"/>
+              </a:rPr>
+              <a:t>the</a:t>
+            </a:r>
+            <a:r>
+              <a:rPr dirty="0" sz="1050" spc="30">
+                <a:latin typeface="Times New Roman"/>
+                <a:cs typeface="Times New Roman"/>
+              </a:rPr>
+              <a:t> </a:t>
+            </a:r>
+            <a:r>
+              <a:rPr dirty="0" sz="1050" spc="15">
+                <a:latin typeface="Times New Roman"/>
+                <a:cs typeface="Times New Roman"/>
+              </a:rPr>
+              <a:t>shortest</a:t>
+            </a:r>
+            <a:r>
+              <a:rPr dirty="0" sz="1050" spc="25">
+                <a:latin typeface="Times New Roman"/>
+                <a:cs typeface="Times New Roman"/>
+              </a:rPr>
+              <a:t> </a:t>
+            </a:r>
+            <a:r>
+              <a:rPr dirty="0" sz="1050" spc="15">
+                <a:latin typeface="Times New Roman"/>
+                <a:cs typeface="Times New Roman"/>
+              </a:rPr>
+              <a:t>path</a:t>
+            </a:r>
+            <a:r>
+              <a:rPr dirty="0" sz="1050" spc="30">
                 <a:latin typeface="Times New Roman"/>
                 <a:cs typeface="Times New Roman"/>
               </a:rPr>
@@ -6092,7 +9871,7 @@
                 <a:latin typeface="Times New Roman"/>
                 <a:cs typeface="Times New Roman"/>
               </a:rPr>
-              <a:t>a</a:t>
+              <a:t>w.r.t</a:t>
             </a:r>
             <a:r>
               <a:rPr dirty="0" sz="1050" spc="25">
@@ -6106,105 +9885,49 @@
                 <a:latin typeface="Times New Roman"/>
                 <a:cs typeface="Times New Roman"/>
               </a:rPr>
-              <a:t>32-bit</a:t>
-            </a:r>
-            <a:r>
-              <a:rPr dirty="0" sz="1050" spc="20">
-                <a:latin typeface="Times New Roman"/>
-                <a:cs typeface="Times New Roman"/>
-              </a:rPr>
-              <a:t> Bitmasking</a:t>
-            </a:r>
-            <a:r>
-              <a:rPr dirty="0" sz="1050" spc="25">
-                <a:latin typeface="Times New Roman"/>
-                <a:cs typeface="Times New Roman"/>
-              </a:rPr>
-              <a:t> </a:t>
-            </a:r>
-            <a:r>
-              <a:rPr dirty="0" sz="1050" spc="15">
-                <a:latin typeface="Times New Roman"/>
-                <a:cs typeface="Times New Roman"/>
-              </a:rPr>
-              <a:t>Recursive</a:t>
-            </a:r>
-            <a:r>
-              <a:rPr dirty="0" sz="1050" spc="25">
-                <a:latin typeface="Times New Roman"/>
-                <a:cs typeface="Times New Roman"/>
-              </a:rPr>
-              <a:t> </a:t>
-            </a:r>
-            <a:r>
-              <a:rPr dirty="0" sz="1050" spc="20">
-                <a:latin typeface="Times New Roman"/>
-                <a:cs typeface="Times New Roman"/>
-              </a:rPr>
-              <a:t>approach</a:t>
-            </a:r>
-            <a:r>
-              <a:rPr dirty="0" sz="1050" spc="25">
-                <a:latin typeface="Times New Roman"/>
-                <a:cs typeface="Times New Roman"/>
-              </a:rPr>
-              <a:t> </a:t>
-            </a:r>
-            <a:r>
-              <a:rPr dirty="0" sz="1050" spc="15">
-                <a:latin typeface="Times New Roman"/>
-                <a:cs typeface="Times New Roman"/>
-              </a:rPr>
-              <a:t>using</a:t>
-            </a:r>
-            <a:r>
-              <a:rPr dirty="0" sz="1050" spc="25">
-                <a:latin typeface="Times New Roman"/>
-                <a:cs typeface="Times New Roman"/>
-              </a:rPr>
-              <a:t> </a:t>
-            </a:r>
-            <a:r>
-              <a:rPr dirty="0" sz="1050" spc="15">
-                <a:latin typeface="Times New Roman"/>
-                <a:cs typeface="Times New Roman"/>
-              </a:rPr>
-              <a:t>an</a:t>
-            </a:r>
-            <a:r>
-              <a:rPr dirty="0" sz="1050" spc="25">
-                <a:latin typeface="Times New Roman"/>
-                <a:cs typeface="Times New Roman"/>
-              </a:rPr>
-              <a:t> </a:t>
-            </a:r>
-            <a:r>
-              <a:rPr dirty="0" sz="1050" spc="20">
-                <a:latin typeface="Times New Roman"/>
-                <a:cs typeface="Times New Roman"/>
-              </a:rPr>
-              <a:t>NP-hard </a:t>
-            </a:r>
-            <a:r>
-              <a:rPr dirty="0" sz="1050" spc="15">
-                <a:latin typeface="Times New Roman"/>
-                <a:cs typeface="Times New Roman"/>
-              </a:rPr>
-              <a:t>solution</a:t>
-            </a:r>
-            <a:r>
-              <a:rPr dirty="0" sz="1050" spc="25">
-                <a:latin typeface="Times New Roman"/>
-                <a:cs typeface="Times New Roman"/>
-              </a:rPr>
-              <a:t> </a:t>
-            </a:r>
-            <a:r>
-              <a:rPr dirty="0" sz="1050" spc="20">
-                <a:latin typeface="Times New Roman"/>
-                <a:cs typeface="Times New Roman"/>
-              </a:rPr>
-              <a:t>framework</a:t>
+              <a:t>time</a:t>
+            </a:r>
+            <a:r>
+              <a:rPr dirty="0" sz="1050" spc="30">
+                <a:latin typeface="Times New Roman"/>
+                <a:cs typeface="Times New Roman"/>
+              </a:rPr>
+              <a:t> </a:t>
+            </a:r>
+            <a:r>
+              <a:rPr dirty="0" sz="1050" spc="15">
+                <a:latin typeface="Times New Roman"/>
+                <a:cs typeface="Times New Roman"/>
+              </a:rPr>
+              <a:t>with</a:t>
+            </a:r>
+            <a:r>
+              <a:rPr dirty="0" sz="1050" spc="30">
+                <a:latin typeface="Times New Roman"/>
+                <a:cs typeface="Times New Roman"/>
+              </a:rPr>
+              <a:t> </a:t>
+            </a:r>
+            <a:r>
+              <a:rPr dirty="0" sz="1050" spc="15">
+                <a:latin typeface="Times New Roman"/>
+                <a:cs typeface="Times New Roman"/>
+              </a:rPr>
+              <a:t>given</a:t>
+            </a:r>
+            <a:r>
+              <a:rPr dirty="0" sz="1050" spc="30">
+                <a:latin typeface="Times New Roman"/>
+                <a:cs typeface="Times New Roman"/>
+              </a:rPr>
+              <a:t> </a:t>
+            </a:r>
+            <a:r>
+              <a:rPr dirty="0" sz="1050" spc="15">
+                <a:latin typeface="Times New Roman"/>
+                <a:cs typeface="Times New Roman"/>
+              </a:rPr>
+              <a:t>constraints</a:t>
             </a:r>
             <a:endParaRPr sz="1050">
               <a:latin typeface="Times New Roman"/>
@@ -6231,7 +9954,21 @@
                 <a:latin typeface="Times New Roman"/>
                 <a:cs typeface="Times New Roman"/>
               </a:rPr>
-              <a:t>Recursively</a:t>
+              <a:t>Uses</a:t>
+            </a:r>
+            <a:r>
+              <a:rPr dirty="0" sz="1050" spc="20">
+                <a:latin typeface="Times New Roman"/>
+                <a:cs typeface="Times New Roman"/>
+              </a:rPr>
+              <a:t> </a:t>
+            </a:r>
+            <a:r>
+              <a:rPr dirty="0" sz="1050" spc="15">
+                <a:latin typeface="Times New Roman"/>
+                <a:cs typeface="Times New Roman"/>
+              </a:rPr>
+              <a:t>graph-algorithmic</a:t>
             </a:r>
             <a:r>
               <a:rPr dirty="0" sz="1050" spc="25">
@@ -6245,119 +9982,7 @@
                 <a:latin typeface="Times New Roman"/>
                 <a:cs typeface="Times New Roman"/>
               </a:rPr>
-              <a:t>finds</a:t>
-            </a:r>
-            <a:r>
-              <a:rPr dirty="0" sz="1050" spc="25">
-                <a:latin typeface="Times New Roman"/>
-                <a:cs typeface="Times New Roman"/>
-              </a:rPr>
-              <a:t> </a:t>
-            </a:r>
-            <a:r>
-              <a:rPr dirty="0" sz="1050" spc="15">
-                <a:latin typeface="Times New Roman"/>
-                <a:cs typeface="Times New Roman"/>
-              </a:rPr>
-              <a:t>the</a:t>
-            </a:r>
-            <a:r>
-              <a:rPr dirty="0" sz="1050" spc="30">
-                <a:latin typeface="Times New Roman"/>
-                <a:cs typeface="Times New Roman"/>
-              </a:rPr>
-              <a:t> </a:t>
-            </a:r>
-            <a:r>
-              <a:rPr dirty="0" sz="1050" spc="15">
-                <a:latin typeface="Times New Roman"/>
-                <a:cs typeface="Times New Roman"/>
-              </a:rPr>
-              <a:t>shortest</a:t>
-            </a:r>
-            <a:r>
-              <a:rPr dirty="0" sz="1050" spc="25">
-                <a:latin typeface="Times New Roman"/>
-                <a:cs typeface="Times New Roman"/>
-              </a:rPr>
-              <a:t> </a:t>
-            </a:r>
-            <a:r>
-              <a:rPr dirty="0" sz="1050" spc="15">
-                <a:latin typeface="Times New Roman"/>
-                <a:cs typeface="Times New Roman"/>
-              </a:rPr>
-              <a:t>path</a:t>
-            </a:r>
-            <a:r>
-              <a:rPr dirty="0" sz="1050" spc="30">
-                <a:latin typeface="Times New Roman"/>
-                <a:cs typeface="Times New Roman"/>
-              </a:rPr>
-              <a:t> </a:t>
-            </a:r>
-            <a:r>
-              <a:rPr dirty="0" sz="1050" spc="10">
-                <a:latin typeface="Times New Roman"/>
-                <a:cs typeface="Times New Roman"/>
-              </a:rPr>
-              <a:t>w.r.t</a:t>
-            </a:r>
-            <a:r>
-              <a:rPr dirty="0" sz="1050" spc="25">
-                <a:latin typeface="Times New Roman"/>
-                <a:cs typeface="Times New Roman"/>
-              </a:rPr>
-              <a:t> </a:t>
-            </a:r>
-            <a:r>
-              <a:rPr dirty="0" sz="1050" spc="15">
-                <a:latin typeface="Times New Roman"/>
-                <a:cs typeface="Times New Roman"/>
-              </a:rPr>
-              <a:t>time</a:t>
-            </a:r>
-            <a:r>
-              <a:rPr dirty="0" sz="1050" spc="30">
-                <a:latin typeface="Times New Roman"/>
-                <a:cs typeface="Times New Roman"/>
-              </a:rPr>
-              <a:t> </a:t>
-            </a:r>
-            <a:r>
-              <a:rPr dirty="0" sz="1050" spc="15">
-                <a:latin typeface="Times New Roman"/>
-                <a:cs typeface="Times New Roman"/>
-              </a:rPr>
-              <a:t>with</a:t>
-            </a:r>
-            <a:r>
-              <a:rPr dirty="0" sz="1050" spc="30">
-                <a:latin typeface="Times New Roman"/>
-                <a:cs typeface="Times New Roman"/>
-              </a:rPr>
-              <a:t> </a:t>
-            </a:r>
-            <a:r>
-              <a:rPr dirty="0" sz="1050" spc="15">
-                <a:latin typeface="Times New Roman"/>
-                <a:cs typeface="Times New Roman"/>
-              </a:rPr>
-              <a:t>given</a:t>
-            </a:r>
-            <a:r>
-              <a:rPr dirty="0" sz="1050" spc="30">
-                <a:latin typeface="Times New Roman"/>
-                <a:cs typeface="Times New Roman"/>
-              </a:rPr>
-              <a:t> </a:t>
-            </a:r>
-            <a:r>
-              <a:rPr dirty="0" sz="1050" spc="15">
-                <a:latin typeface="Times New Roman"/>
-                <a:cs typeface="Times New Roman"/>
-              </a:rPr>
-              <a:t>constraints</a:t>
+              <a:t>approach</a:t>
             </a:r>
             <a:endParaRPr sz="1050">
               <a:latin typeface="Times New Roman"/>
@@ -6391,14 +10016,14 @@
                 <a:latin typeface="Times New Roman"/>
                 <a:cs typeface="Times New Roman"/>
               </a:rPr>
-              <a:t> </a:t>
-            </a:r>
-            <a:r>
-              <a:rPr dirty="0" sz="1050" spc="15">
-                <a:latin typeface="Times New Roman"/>
-                <a:cs typeface="Times New Roman"/>
-              </a:rPr>
-              <a:t>graph-algorithmic</a:t>
+              <a:t> bitmasking </a:t>
+            </a:r>
+            <a:r>
+              <a:rPr dirty="0" sz="1050" spc="10">
+                <a:latin typeface="Times New Roman"/>
+                <a:cs typeface="Times New Roman"/>
+              </a:rPr>
+              <a:t>to</a:t>
             </a:r>
             <a:r>
               <a:rPr dirty="0" sz="1050" spc="25">
@@ -6412,7 +10037,63 @@
                 <a:latin typeface="Times New Roman"/>
                 <a:cs typeface="Times New Roman"/>
               </a:rPr>
-              <a:t>approach</a:t>
+              <a:t>store</a:t>
+            </a:r>
+            <a:r>
+              <a:rPr dirty="0" sz="1050" spc="20">
+                <a:latin typeface="Times New Roman"/>
+                <a:cs typeface="Times New Roman"/>
+              </a:rPr>
+              <a:t> </a:t>
+            </a:r>
+            <a:r>
+              <a:rPr dirty="0" sz="1050" spc="15">
+                <a:latin typeface="Times New Roman"/>
+                <a:cs typeface="Times New Roman"/>
+              </a:rPr>
+              <a:t>mid-execution</a:t>
+            </a:r>
+            <a:r>
+              <a:rPr dirty="0" sz="1050" spc="25">
+                <a:latin typeface="Times New Roman"/>
+                <a:cs typeface="Times New Roman"/>
+              </a:rPr>
+              <a:t> </a:t>
+            </a:r>
+            <a:r>
+              <a:rPr dirty="0" sz="1050" spc="15">
+                <a:latin typeface="Times New Roman"/>
+                <a:cs typeface="Times New Roman"/>
+              </a:rPr>
+              <a:t>state</a:t>
+            </a:r>
+            <a:r>
+              <a:rPr dirty="0" sz="1050" spc="20">
+                <a:latin typeface="Times New Roman"/>
+                <a:cs typeface="Times New Roman"/>
+              </a:rPr>
+              <a:t> </a:t>
+            </a:r>
+            <a:r>
+              <a:rPr dirty="0" sz="1050" spc="15">
+                <a:latin typeface="Times New Roman"/>
+                <a:cs typeface="Times New Roman"/>
+              </a:rPr>
+              <a:t>of</a:t>
+            </a:r>
+            <a:r>
+              <a:rPr dirty="0" sz="1050" spc="20">
+                <a:latin typeface="Times New Roman"/>
+                <a:cs typeface="Times New Roman"/>
+              </a:rPr>
+              <a:t> </a:t>
+            </a:r>
+            <a:r>
+              <a:rPr dirty="0" sz="1050" spc="15">
+                <a:latin typeface="Times New Roman"/>
+                <a:cs typeface="Times New Roman"/>
+              </a:rPr>
+              <a:t>algorithm</a:t>
             </a:r>
             <a:endParaRPr sz="1050">
               <a:latin typeface="Times New Roman"/>
@@ -6420,117 +10101,6 @@
             </a:endParaRPr>
           </a:p>
           <a:p>
-            <a:pPr lvl="1" marL="927100" indent="-228600">
-              <a:lnSpc>
-                <a:spcPct val="100000"/>
-              </a:lnSpc>
-              <a:spcBef>
-                <a:spcPts val="60"/>
-              </a:spcBef>
-              <a:buFont typeface="Courier New"/>
-              <a:buChar char="o"/>
-              <a:tabLst>
-                <a:tab pos="926465" algn="l"/>
-                <a:tab pos="927100" algn="l"/>
-              </a:tabLst>
-            </a:pPr>
-            <a:r>
-              <a:rPr dirty="0" sz="1050" spc="15">
-                <a:latin typeface="Times New Roman"/>
-                <a:cs typeface="Times New Roman"/>
-              </a:rPr>
-              <a:t>Uses</a:t>
-            </a:r>
-            <a:r>
-              <a:rPr dirty="0" sz="1050" spc="20">
-                <a:latin typeface="Times New Roman"/>
-                <a:cs typeface="Times New Roman"/>
-              </a:rPr>
-              <a:t> bitmasking </a:t>
-            </a:r>
-            <a:r>
-              <a:rPr dirty="0" sz="1050" spc="10">
-                <a:latin typeface="Times New Roman"/>
-                <a:cs typeface="Times New Roman"/>
-              </a:rPr>
-              <a:t>to</a:t>
-            </a:r>
-            <a:r>
-              <a:rPr dirty="0" sz="1050" spc="25">
-                <a:latin typeface="Times New Roman"/>
-                <a:cs typeface="Times New Roman"/>
-              </a:rPr>
-              <a:t> </a:t>
-            </a:r>
-            <a:r>
-              <a:rPr dirty="0" sz="1050" spc="15">
-                <a:latin typeface="Times New Roman"/>
-                <a:cs typeface="Times New Roman"/>
-              </a:rPr>
-              <a:t>store</a:t>
-            </a:r>
-            <a:r>
-              <a:rPr dirty="0" sz="1050" spc="20">
-                <a:latin typeface="Times New Roman"/>
-                <a:cs typeface="Times New Roman"/>
-              </a:rPr>
-              <a:t> </a:t>
-            </a:r>
-            <a:r>
-              <a:rPr dirty="0" sz="1050" spc="15">
-                <a:latin typeface="Times New Roman"/>
-                <a:cs typeface="Times New Roman"/>
-              </a:rPr>
-              <a:t>mid-execution</a:t>
-            </a:r>
-            <a:r>
-              <a:rPr dirty="0" sz="1050" spc="25">
-                <a:latin typeface="Times New Roman"/>
-                <a:cs typeface="Times New Roman"/>
-              </a:rPr>
-              <a:t> </a:t>
-            </a:r>
-            <a:r>
-              <a:rPr dirty="0" sz="1050" spc="15">
-                <a:latin typeface="Times New Roman"/>
-                <a:cs typeface="Times New Roman"/>
-              </a:rPr>
-              <a:t>state</a:t>
-            </a:r>
-            <a:r>
-              <a:rPr dirty="0" sz="1050" spc="20">
-                <a:latin typeface="Times New Roman"/>
-                <a:cs typeface="Times New Roman"/>
-              </a:rPr>
-              <a:t> </a:t>
-            </a:r>
-            <a:r>
-              <a:rPr dirty="0" sz="1050" spc="15">
-                <a:latin typeface="Times New Roman"/>
-                <a:cs typeface="Times New Roman"/>
-              </a:rPr>
-              <a:t>of</a:t>
-            </a:r>
-            <a:r>
-              <a:rPr dirty="0" sz="1050" spc="20">
-                <a:latin typeface="Times New Roman"/>
-                <a:cs typeface="Times New Roman"/>
-              </a:rPr>
-              <a:t> </a:t>
-            </a:r>
-            <a:r>
-              <a:rPr dirty="0" sz="1050" spc="15">
-                <a:latin typeface="Times New Roman"/>
-                <a:cs typeface="Times New Roman"/>
-              </a:rPr>
-              <a:t>algorithm</a:t>
-            </a:r>
-            <a:endParaRPr sz="1050">
-              <a:latin typeface="Times New Roman"/>
-              <a:cs typeface="Times New Roman"/>
-            </a:endParaRPr>
-          </a:p>
-          <a:p>
             <a:pPr>
               <a:lnSpc>
                 <a:spcPct val="100000"/>
@@ -6547,78 +10117,43 @@
                 <a:spcPct val="100000"/>
               </a:lnSpc>
               <a:spcBef>
-                <a:spcPts val="990"/>
+                <a:spcPts val="965"/>
               </a:spcBef>
             </a:pPr>
             <a:r>
+              <a:rPr dirty="0" sz="1050" spc="15" b="1">
+                <a:latin typeface="Calibri"/>
+                <a:cs typeface="Calibri"/>
+              </a:rPr>
+              <a:t>Outlook, </a:t>
+            </a:r>
+            <a:r>
               <a:rPr dirty="0" sz="1050" spc="20" b="1">
                 <a:latin typeface="Calibri"/>
                 <a:cs typeface="Calibri"/>
               </a:rPr>
-              <a:t>Outlook,</a:t>
+              <a:t>Teams, and </a:t>
             </a:r>
             <a:r>
               <a:rPr dirty="0" sz="1050" spc="10" b="1">
                 <a:latin typeface="Calibri"/>
                 <a:cs typeface="Calibri"/>
               </a:rPr>
-              <a:t> </a:t>
+              <a:t>all</a:t>
             </a:r>
             <a:r>
               <a:rPr dirty="0" sz="1050" spc="20" b="1">
                 <a:latin typeface="Calibri"/>
                 <a:cs typeface="Calibri"/>
               </a:rPr>
-              <a:t>Teams,</a:t>
+              <a:t> </a:t>
             </a:r>
             <a:r>
               <a:rPr dirty="0" sz="1050" spc="15" b="1">
                 <a:latin typeface="Calibri"/>
                 <a:cs typeface="Calibri"/>
               </a:rPr>
-              <a:t> </a:t>
-            </a:r>
-            <a:r>
-              <a:rPr dirty="0" sz="1050" spc="20" b="1">
-                <a:latin typeface="Calibri"/>
-                <a:cs typeface="Calibri"/>
-              </a:rPr>
-              <a:t>and</a:t>
-            </a:r>
-            <a:r>
-              <a:rPr dirty="0" sz="1050" spc="15" b="1">
-                <a:latin typeface="Calibri"/>
-                <a:cs typeface="Calibri"/>
-              </a:rPr>
-              <a:t> </a:t>
-            </a:r>
-            <a:r>
-              <a:rPr dirty="0" sz="1050" spc="10" b="1">
-                <a:latin typeface="Calibri"/>
-                <a:cs typeface="Calibri"/>
-              </a:rPr>
-              <a:t>all</a:t>
-            </a:r>
-            <a:r>
-              <a:rPr dirty="0" sz="1050" spc="15" b="1">
-                <a:latin typeface="Calibri"/>
-                <a:cs typeface="Calibri"/>
-              </a:rPr>
-              <a:t> calendars</a:t>
-            </a:r>
-            <a:r>
-              <a:rPr dirty="0" sz="1050" spc="10" b="1">
-                <a:latin typeface="Calibri"/>
-                <a:cs typeface="Calibri"/>
-              </a:rPr>
-              <a:t> </a:t>
-            </a:r>
-            <a:r>
-              <a:rPr dirty="0" sz="1050" spc="15" b="1">
-                <a:latin typeface="Calibri"/>
-                <a:cs typeface="Calibri"/>
-              </a:rPr>
-              <a:t>integration</a:t>
+              <a:t>calendars integration</a:t>
             </a:r>
             <a:endParaRPr sz="1050">
               <a:latin typeface="Calibri"/>
@@ -6631,7 +10166,7 @@
                 <a:spcPct val="100000"/>
               </a:lnSpc>
               <a:spcBef>
-                <a:spcPts val="1140"/>
+                <a:spcPts val="1165"/>
               </a:spcBef>
             </a:pPr>
             <a:r>
@@ -6687,7 +10222,7 @@
                 <a:spcPct val="100000"/>
               </a:lnSpc>
               <a:spcBef>
-                <a:spcPts val="1165"/>
+                <a:spcPts val="1140"/>
               </a:spcBef>
             </a:pPr>
             <a:r>
@@ -6709,7 +10244,28 @@
                 <a:latin typeface="Calibri"/>
                 <a:cs typeface="Calibri"/>
               </a:rPr>
-              <a:t>out</a:t>
+              <a:t>out </a:t>
+            </a:r>
+            <a:r>
+              <a:rPr dirty="0" sz="1050" spc="15">
+                <a:latin typeface="Calibri"/>
+                <a:cs typeface="Calibri"/>
+              </a:rPr>
+              <a:t>of</a:t>
+            </a:r>
+            <a:r>
+              <a:rPr dirty="0" sz="1050" spc="20">
+                <a:latin typeface="Calibri"/>
+                <a:cs typeface="Calibri"/>
+              </a:rPr>
+              <a:t> </a:t>
+            </a:r>
+            <a:r>
+              <a:rPr dirty="0" sz="1050" spc="15">
+                <a:latin typeface="Calibri"/>
+                <a:cs typeface="Calibri"/>
+              </a:rPr>
+              <a:t>the</a:t>
             </a:r>
             <a:r>
               <a:rPr dirty="0" sz="1050" spc="25">
@@ -6719,25 +10275,39 @@
               <a:t> </a:t>
             </a:r>
             <a:r>
-              <a:rPr dirty="0" sz="1050" spc="15">
-                <a:latin typeface="Calibri"/>
-                <a:cs typeface="Calibri"/>
-              </a:rPr>
-              <a:t>of</a:t>
-            </a:r>
-            <a:r>
-              <a:rPr dirty="0" sz="1050" spc="20">
-                <a:latin typeface="Calibri"/>
-                <a:cs typeface="Calibri"/>
-              </a:rPr>
-              <a:t> </a:t>
-            </a:r>
-            <a:r>
-              <a:rPr dirty="0" sz="1050" spc="15">
-                <a:latin typeface="Calibri"/>
-                <a:cs typeface="Calibri"/>
-              </a:rPr>
-              <a:t>the</a:t>
+              <a:rPr dirty="0" sz="1050" spc="20">
+                <a:latin typeface="Calibri"/>
+                <a:cs typeface="Calibri"/>
+              </a:rPr>
+              <a:t>box</a:t>
+            </a:r>
+            <a:r>
+              <a:rPr dirty="0" sz="1050" spc="30">
+                <a:latin typeface="Calibri"/>
+                <a:cs typeface="Calibri"/>
+              </a:rPr>
+              <a:t> </a:t>
+            </a:r>
+            <a:r>
+              <a:rPr dirty="0" sz="1050" spc="15">
+                <a:latin typeface="Calibri"/>
+                <a:cs typeface="Calibri"/>
+              </a:rPr>
+              <a:t>solution,</a:t>
+            </a:r>
+            <a:r>
+              <a:rPr dirty="0" sz="1050" spc="20">
+                <a:latin typeface="Calibri"/>
+                <a:cs typeface="Calibri"/>
+              </a:rPr>
+              <a:t> </a:t>
+            </a:r>
+            <a:r>
+              <a:rPr dirty="0" sz="1050" spc="15">
+                <a:latin typeface="Calibri"/>
+                <a:cs typeface="Calibri"/>
+              </a:rPr>
+              <a:t>using</a:t>
             </a:r>
             <a:r>
               <a:rPr dirty="0" sz="1050" spc="25">
@@ -6747,11 +10317,11 @@
               <a:t> </a:t>
             </a:r>
             <a:r>
-              <a:rPr dirty="0" sz="1050" spc="20">
-                <a:latin typeface="Calibri"/>
-                <a:cs typeface="Calibri"/>
-              </a:rPr>
-              <a:t>box</a:t>
+              <a:rPr dirty="0" sz="1050" spc="15">
+                <a:latin typeface="Calibri"/>
+                <a:cs typeface="Calibri"/>
+              </a:rPr>
+              <a:t>ICS</a:t>
             </a:r>
             <a:r>
               <a:rPr dirty="0" sz="1050" spc="25">
@@ -6761,25 +10331,11 @@
               <a:t> </a:t>
             </a:r>
             <a:r>
-              <a:rPr dirty="0" sz="1050" spc="15">
-                <a:latin typeface="Calibri"/>
-                <a:cs typeface="Calibri"/>
-              </a:rPr>
-              <a:t>solution,</a:t>
-            </a:r>
-            <a:r>
-              <a:rPr dirty="0" sz="1050" spc="20">
-                <a:latin typeface="Calibri"/>
-                <a:cs typeface="Calibri"/>
-              </a:rPr>
-              <a:t> </a:t>
-            </a:r>
-            <a:r>
-              <a:rPr dirty="0" sz="1050" spc="15">
-                <a:latin typeface="Calibri"/>
-                <a:cs typeface="Calibri"/>
-              </a:rPr>
-              <a:t>using</a:t>
+              <a:rPr dirty="0" sz="1050" spc="10">
+                <a:latin typeface="Calibri"/>
+                <a:cs typeface="Calibri"/>
+              </a:rPr>
+              <a:t>files</a:t>
             </a:r>
             <a:r>
               <a:rPr dirty="0" sz="1050" spc="25">
@@ -6793,7 +10349,14 @@
                 <a:latin typeface="Calibri"/>
                 <a:cs typeface="Calibri"/>
               </a:rPr>
-              <a:t>ICS</a:t>
+              <a:t>has</a:t>
+            </a:r>
+            <a:r>
+              <a:rPr dirty="0" sz="1050" spc="20">
+                <a:latin typeface="Calibri"/>
+                <a:cs typeface="Calibri"/>
+              </a:rPr>
+              <a:t> many</a:t>
             </a:r>
             <a:r>
               <a:rPr dirty="0" sz="1050" spc="25">
@@ -6803,11 +10366,46 @@
               <a:t> </a:t>
             </a:r>
             <a:r>
+              <a:rPr dirty="0" sz="1050" spc="20">
+                <a:latin typeface="Calibri"/>
+                <a:cs typeface="Calibri"/>
+              </a:rPr>
+              <a:t>advantages </a:t>
+            </a:r>
+            <a:r>
               <a:rPr dirty="0" sz="1050" spc="10">
                 <a:latin typeface="Calibri"/>
                 <a:cs typeface="Calibri"/>
               </a:rPr>
-              <a:t>files</a:t>
+              <a:t>in</a:t>
+            </a:r>
+            <a:r>
+              <a:rPr dirty="0" sz="1050" spc="30">
+                <a:latin typeface="Calibri"/>
+                <a:cs typeface="Calibri"/>
+              </a:rPr>
+              <a:t> </a:t>
+            </a:r>
+            <a:r>
+              <a:rPr dirty="0" sz="1050" spc="10">
+                <a:latin typeface="Calibri"/>
+                <a:cs typeface="Calibri"/>
+              </a:rPr>
+              <a:t>this</a:t>
+            </a:r>
+            <a:r>
+              <a:rPr dirty="0" sz="1050" spc="20">
+                <a:latin typeface="Calibri"/>
+                <a:cs typeface="Calibri"/>
+              </a:rPr>
+              <a:t> </a:t>
+            </a:r>
+            <a:r>
+              <a:rPr dirty="0" sz="1050" spc="15">
+                <a:latin typeface="Calibri"/>
+                <a:cs typeface="Calibri"/>
+              </a:rPr>
+              <a:t>integration</a:t>
             </a:r>
             <a:r>
               <a:rPr dirty="0" sz="1050" spc="25">
@@ -6817,84 +10415,7 @@
               <a:t> </a:t>
             </a:r>
             <a:r>
-              <a:rPr dirty="0" sz="1050" spc="15">
-                <a:latin typeface="Calibri"/>
-                <a:cs typeface="Calibri"/>
-              </a:rPr>
-              <a:t>has</a:t>
-            </a:r>
-            <a:r>
-              <a:rPr dirty="0" sz="1050" spc="25">
-                <a:latin typeface="Calibri"/>
-                <a:cs typeface="Calibri"/>
-              </a:rPr>
-              <a:t> </a:t>
-            </a:r>
-            <a:r>
-              <a:rPr dirty="0" sz="1050" spc="20">
-                <a:latin typeface="Calibri"/>
-                <a:cs typeface="Calibri"/>
-              </a:rPr>
-              <a:t>many </a:t>
-            </a:r>
-            <a:r>
-              <a:rPr dirty="0" sz="1050" spc="15">
-                <a:latin typeface="Calibri"/>
-                <a:cs typeface="Calibri"/>
-              </a:rPr>
-              <a:t>advantages</a:t>
-            </a:r>
-            <a:r>
-              <a:rPr dirty="0" sz="1050" spc="25">
-                <a:latin typeface="Calibri"/>
-                <a:cs typeface="Calibri"/>
-              </a:rPr>
-              <a:t> </a:t>
-            </a:r>
-            <a:r>
               <a:rPr dirty="0" sz="1050" spc="10">
-                <a:latin typeface="Calibri"/>
-                <a:cs typeface="Calibri"/>
-              </a:rPr>
-              <a:t>in</a:t>
-            </a:r>
-            <a:r>
-              <a:rPr dirty="0" sz="1050" spc="25">
-                <a:latin typeface="Calibri"/>
-                <a:cs typeface="Calibri"/>
-              </a:rPr>
-              <a:t> </a:t>
-            </a:r>
-            <a:r>
-              <a:rPr dirty="0" sz="1050" spc="15">
-                <a:latin typeface="Calibri"/>
-                <a:cs typeface="Calibri"/>
-              </a:rPr>
-              <a:t>this</a:t>
-            </a:r>
-            <a:r>
-              <a:rPr dirty="0" sz="1050" spc="25">
-                <a:latin typeface="Calibri"/>
-                <a:cs typeface="Calibri"/>
-              </a:rPr>
-              <a:t> </a:t>
-            </a:r>
-            <a:r>
-              <a:rPr dirty="0" sz="1050" spc="15">
-                <a:latin typeface="Calibri"/>
-                <a:cs typeface="Calibri"/>
-              </a:rPr>
-              <a:t>integration</a:t>
-            </a:r>
-            <a:r>
-              <a:rPr dirty="0" sz="1050" spc="30">
-                <a:latin typeface="Calibri"/>
-                <a:cs typeface="Calibri"/>
-              </a:rPr>
-              <a:t> </a:t>
-            </a:r>
-            <a:r>
-              <a:rPr dirty="0" sz="1050" spc="15">
                 <a:latin typeface="Calibri"/>
                 <a:cs typeface="Calibri"/>
               </a:rPr>
@@ -6906,12 +10427,12 @@
             </a:endParaRPr>
           </a:p>
           <a:p>
-            <a:pPr marL="12700" marR="593725">
-              <a:lnSpc>
-                <a:spcPct val="112400"/>
+            <a:pPr marL="12700" marR="591820">
+              <a:lnSpc>
+                <a:spcPct val="110500"/>
               </a:lnSpc>
               <a:spcBef>
-                <a:spcPts val="980"/>
+                <a:spcPts val="1030"/>
               </a:spcBef>
             </a:pPr>
             <a:r>
@@ -7055,14 +10576,14 @@
               <a:t> </a:t>
             </a:r>
             <a:r>
-              <a:rPr dirty="0" sz="1050" spc="15">
+              <a:rPr dirty="0" sz="1050" spc="20">
                 <a:latin typeface="Calibri"/>
                 <a:cs typeface="Calibri"/>
               </a:rPr>
               <a:t>calendar </a:t>
             </a:r>
             <a:r>
-              <a:rPr dirty="0" sz="1050" spc="-220">
+              <a:rPr dirty="0" sz="1050" spc="-225">
                 <a:latin typeface="Calibri"/>
                 <a:cs typeface="Calibri"/>
               </a:rPr>
@@ -7086,7 +10607,7 @@
                 <a:spcPct val="100000"/>
               </a:lnSpc>
               <a:spcBef>
-                <a:spcPts val="1140"/>
+                <a:spcPts val="1165"/>
               </a:spcBef>
             </a:pPr>
             <a:r>
@@ -7111,6 +10632,69 @@
               <a:t>with</a:t>
             </a:r>
             <a:r>
+              <a:rPr dirty="0" sz="1050" spc="25">
+                <a:latin typeface="Calibri"/>
+                <a:cs typeface="Calibri"/>
+              </a:rPr>
+              <a:t> </a:t>
+            </a:r>
+            <a:r>
+              <a:rPr dirty="0" sz="1050" spc="15">
+                <a:latin typeface="Calibri"/>
+                <a:cs typeface="Calibri"/>
+              </a:rPr>
+              <a:t>null</a:t>
+            </a:r>
+            <a:r>
+              <a:rPr dirty="0" sz="1050" spc="25">
+                <a:latin typeface="Calibri"/>
+                <a:cs typeface="Calibri"/>
+              </a:rPr>
+              <a:t> </a:t>
+            </a:r>
+            <a:r>
+              <a:rPr dirty="0" sz="1050" spc="15">
+                <a:latin typeface="Calibri"/>
+                <a:cs typeface="Calibri"/>
+              </a:rPr>
+              <a:t>privacy</a:t>
+            </a:r>
+            <a:r>
+              <a:rPr dirty="0" sz="1050" spc="25">
+                <a:latin typeface="Calibri"/>
+                <a:cs typeface="Calibri"/>
+              </a:rPr>
+              <a:t> </a:t>
+            </a:r>
+            <a:r>
+              <a:rPr dirty="0" sz="1050" spc="20">
+                <a:latin typeface="Calibri"/>
+                <a:cs typeface="Calibri"/>
+              </a:rPr>
+              <a:t>concerns</a:t>
+            </a:r>
+            <a:r>
+              <a:rPr dirty="0" sz="1050" spc="25">
+                <a:latin typeface="Calibri"/>
+                <a:cs typeface="Calibri"/>
+              </a:rPr>
+              <a:t> </a:t>
+            </a:r>
+            <a:r>
+              <a:rPr dirty="0" sz="1050" spc="15">
+                <a:latin typeface="Calibri"/>
+                <a:cs typeface="Calibri"/>
+              </a:rPr>
+              <a:t>as</a:t>
+            </a:r>
+            <a:r>
+              <a:rPr dirty="0" sz="1050" spc="20">
+                <a:latin typeface="Calibri"/>
+                <a:cs typeface="Calibri"/>
+              </a:rPr>
+              <a:t> opposed</a:t>
+            </a:r>
+            <a:r>
               <a:rPr dirty="0" sz="1050" spc="30">
                 <a:latin typeface="Calibri"/>
                 <a:cs typeface="Calibri"/>
@@ -7122,21 +10706,21 @@
                 <a:latin typeface="Calibri"/>
                 <a:cs typeface="Calibri"/>
               </a:rPr>
-              <a:t>null</a:t>
-            </a:r>
-            <a:r>
-              <a:rPr dirty="0" sz="1050" spc="20">
-                <a:latin typeface="Calibri"/>
-                <a:cs typeface="Calibri"/>
-              </a:rPr>
-              <a:t> </a:t>
-            </a:r>
-            <a:r>
-              <a:rPr dirty="0" sz="1050" spc="15">
-                <a:latin typeface="Calibri"/>
-                <a:cs typeface="Calibri"/>
-              </a:rPr>
-              <a:t>privacy</a:t>
+              <a:t>to</a:t>
+            </a:r>
+            <a:r>
+              <a:rPr dirty="0" sz="1050" spc="25">
+                <a:latin typeface="Calibri"/>
+                <a:cs typeface="Calibri"/>
+              </a:rPr>
+              <a:t> </a:t>
+            </a:r>
+            <a:r>
+              <a:rPr dirty="0" sz="1050" spc="15">
+                <a:latin typeface="Calibri"/>
+                <a:cs typeface="Calibri"/>
+              </a:rPr>
+              <a:t>sharing</a:t>
             </a:r>
             <a:r>
               <a:rPr dirty="0" sz="1050" spc="30">
@@ -7146,11 +10730,11 @@
               <a:t> </a:t>
             </a:r>
             <a:r>
-              <a:rPr dirty="0" sz="1050" spc="20">
-                <a:latin typeface="Calibri"/>
-                <a:cs typeface="Calibri"/>
-              </a:rPr>
-              <a:t>concerns</a:t>
+              <a:rPr dirty="0" sz="1050" spc="15">
+                <a:latin typeface="Calibri"/>
+                <a:cs typeface="Calibri"/>
+              </a:rPr>
+              <a:t>auth</a:t>
             </a:r>
             <a:r>
               <a:rPr dirty="0" sz="1050" spc="25">
@@ -7164,14 +10748,7 @@
                 <a:latin typeface="Calibri"/>
                 <a:cs typeface="Calibri"/>
               </a:rPr>
-              <a:t>as</a:t>
-            </a:r>
-            <a:r>
-              <a:rPr dirty="0" sz="1050" spc="20">
-                <a:latin typeface="Calibri"/>
-                <a:cs typeface="Calibri"/>
-              </a:rPr>
-              <a:t> opposed</a:t>
+              <a:t>details/token</a:t>
             </a:r>
             <a:r>
               <a:rPr dirty="0" sz="1050" spc="30">
@@ -7189,62 +10766,6 @@
             </a:r>
             <a:r>
               <a:rPr dirty="0" sz="1050" spc="25">
-                <a:latin typeface="Calibri"/>
-                <a:cs typeface="Calibri"/>
-              </a:rPr>
-              <a:t> </a:t>
-            </a:r>
-            <a:r>
-              <a:rPr dirty="0" sz="1050" spc="15">
-                <a:latin typeface="Calibri"/>
-                <a:cs typeface="Calibri"/>
-              </a:rPr>
-              <a:t>sharing</a:t>
-            </a:r>
-            <a:r>
-              <a:rPr dirty="0" sz="1050" spc="25">
-                <a:latin typeface="Calibri"/>
-                <a:cs typeface="Calibri"/>
-              </a:rPr>
-              <a:t> </a:t>
-            </a:r>
-            <a:r>
-              <a:rPr dirty="0" sz="1050" spc="20">
-                <a:latin typeface="Calibri"/>
-                <a:cs typeface="Calibri"/>
-              </a:rPr>
-              <a:t>auth</a:t>
-            </a:r>
-            <a:r>
-              <a:rPr dirty="0" sz="1050" spc="30">
-                <a:latin typeface="Calibri"/>
-                <a:cs typeface="Calibri"/>
-              </a:rPr>
-              <a:t> </a:t>
-            </a:r>
-            <a:r>
-              <a:rPr dirty="0" sz="1050" spc="15">
-                <a:latin typeface="Calibri"/>
-                <a:cs typeface="Calibri"/>
-              </a:rPr>
-              <a:t>details/token</a:t>
-            </a:r>
-            <a:r>
-              <a:rPr dirty="0" sz="1050" spc="25">
-                <a:latin typeface="Calibri"/>
-                <a:cs typeface="Calibri"/>
-              </a:rPr>
-              <a:t> </a:t>
-            </a:r>
-            <a:r>
-              <a:rPr dirty="0" sz="1050" spc="15">
-                <a:latin typeface="Calibri"/>
-                <a:cs typeface="Calibri"/>
-              </a:rPr>
-              <a:t>to</a:t>
-            </a:r>
-            <a:r>
-              <a:rPr dirty="0" sz="1050" spc="30">
                 <a:latin typeface="Calibri"/>
                 <a:cs typeface="Calibri"/>
               </a:rPr>
@@ -7277,12 +10798,12 @@
             </a:endParaRPr>
           </a:p>
           <a:p>
-            <a:pPr marL="12700" marR="157480">
-              <a:lnSpc>
-                <a:spcPct val="110500"/>
+            <a:pPr marL="12700" marR="156210">
+              <a:lnSpc>
+                <a:spcPct val="112400"/>
               </a:lnSpc>
               <a:spcBef>
-                <a:spcPts val="1035"/>
+                <a:spcPts val="985"/>
               </a:spcBef>
             </a:pPr>
             <a:r>
@@ -7321,6 +10842,20 @@
               <a:t>can</a:t>
             </a:r>
             <a:r>
+              <a:rPr dirty="0" sz="1050" spc="30">
+                <a:latin typeface="Calibri"/>
+                <a:cs typeface="Calibri"/>
+              </a:rPr>
+              <a:t> </a:t>
+            </a:r>
+            <a:r>
+              <a:rPr dirty="0" sz="1050" spc="20">
+                <a:latin typeface="Calibri"/>
+                <a:cs typeface="Calibri"/>
+              </a:rPr>
+              <a:t>be</a:t>
+            </a:r>
+            <a:r>
               <a:rPr dirty="0" sz="1050" spc="25">
                 <a:latin typeface="Calibri"/>
                 <a:cs typeface="Calibri"/>
@@ -7328,11 +10863,11 @@
               <a:t> </a:t>
             </a:r>
             <a:r>
-              <a:rPr dirty="0" sz="1050" spc="20">
-                <a:latin typeface="Calibri"/>
-                <a:cs typeface="Calibri"/>
-              </a:rPr>
-              <a:t>be</a:t>
+              <a:rPr dirty="0" sz="1050" spc="15">
+                <a:latin typeface="Calibri"/>
+                <a:cs typeface="Calibri"/>
+              </a:rPr>
+              <a:t>shared</a:t>
             </a:r>
             <a:r>
               <a:rPr dirty="0" sz="1050" spc="30">
@@ -7346,7 +10881,7 @@
                 <a:latin typeface="Calibri"/>
                 <a:cs typeface="Calibri"/>
               </a:rPr>
-              <a:t>shared</a:t>
+              <a:t>inside</a:t>
             </a:r>
             <a:r>
               <a:rPr dirty="0" sz="1050" spc="25">
@@ -7356,11 +10891,25 @@
               <a:t> </a:t>
             </a:r>
             <a:r>
-              <a:rPr dirty="0" sz="1050" spc="15">
-                <a:latin typeface="Calibri"/>
-                <a:cs typeface="Calibri"/>
-              </a:rPr>
-              <a:t>inside</a:t>
+              <a:rPr dirty="0" sz="1050" spc="20">
+                <a:latin typeface="Calibri"/>
+                <a:cs typeface="Calibri"/>
+              </a:rPr>
+              <a:t>and</a:t>
+            </a:r>
+            <a:r>
+              <a:rPr dirty="0" sz="1050" spc="30">
+                <a:latin typeface="Calibri"/>
+                <a:cs typeface="Calibri"/>
+              </a:rPr>
+              <a:t> </a:t>
+            </a:r>
+            <a:r>
+              <a:rPr dirty="0" sz="1050" spc="15">
+                <a:latin typeface="Calibri"/>
+                <a:cs typeface="Calibri"/>
+              </a:rPr>
+              <a:t>outside</a:t>
             </a:r>
             <a:r>
               <a:rPr dirty="0" sz="1050" spc="25">
@@ -7370,25 +10919,11 @@
               <a:t> </a:t>
             </a:r>
             <a:r>
-              <a:rPr dirty="0" sz="1050" spc="20">
-                <a:latin typeface="Calibri"/>
-                <a:cs typeface="Calibri"/>
-              </a:rPr>
-              <a:t>and</a:t>
-            </a:r>
-            <a:r>
-              <a:rPr dirty="0" sz="1050" spc="30">
-                <a:latin typeface="Calibri"/>
-                <a:cs typeface="Calibri"/>
-              </a:rPr>
-              <a:t> </a:t>
-            </a:r>
-            <a:r>
-              <a:rPr dirty="0" sz="1050" spc="15">
-                <a:latin typeface="Calibri"/>
-                <a:cs typeface="Calibri"/>
-              </a:rPr>
-              <a:t>outside</a:t>
+              <a:rPr dirty="0" sz="1050" spc="15">
+                <a:latin typeface="Calibri"/>
+                <a:cs typeface="Calibri"/>
+              </a:rPr>
+              <a:t>office</a:t>
             </a:r>
             <a:r>
               <a:rPr dirty="0" sz="1050" spc="25">
@@ -7398,11 +10933,11 @@
               <a:t> </a:t>
             </a:r>
             <a:r>
-              <a:rPr dirty="0" sz="1050" spc="15">
-                <a:latin typeface="Calibri"/>
-                <a:cs typeface="Calibri"/>
-              </a:rPr>
-              <a:t>office</a:t>
+              <a:rPr dirty="0" sz="1050" spc="20">
+                <a:latin typeface="Calibri"/>
+                <a:cs typeface="Calibri"/>
+              </a:rPr>
+              <a:t>team,</a:t>
             </a:r>
             <a:r>
               <a:rPr dirty="0" sz="1050" spc="25">
@@ -7412,20 +10947,6 @@
               <a:t> </a:t>
             </a:r>
             <a:r>
-              <a:rPr dirty="0" sz="1050" spc="20">
-                <a:latin typeface="Calibri"/>
-                <a:cs typeface="Calibri"/>
-              </a:rPr>
-              <a:t>team,</a:t>
-            </a:r>
-            <a:r>
-              <a:rPr dirty="0" sz="1050" spc="10">
-                <a:latin typeface="Calibri"/>
-                <a:cs typeface="Calibri"/>
-              </a:rPr>
-              <a:t> </a:t>
-            </a:r>
-            <a:r>
               <a:rPr dirty="0" sz="1050" spc="15">
                 <a:latin typeface="Calibri"/>
                 <a:cs typeface="Calibri"/>
@@ -7433,18 +10954,25 @@
               <a:t>including</a:t>
             </a:r>
             <a:r>
-              <a:rPr dirty="0" sz="1050" spc="30">
-                <a:latin typeface="Calibri"/>
-                <a:cs typeface="Calibri"/>
-              </a:rPr>
-              <a:t> </a:t>
-            </a:r>
-            <a:r>
-              <a:rPr dirty="0" sz="1050" spc="20">
-                <a:latin typeface="Calibri"/>
-                <a:cs typeface="Calibri"/>
-              </a:rPr>
-              <a:t>vendors, </a:t>
+              <a:rPr dirty="0" sz="1050" spc="25">
+                <a:latin typeface="Calibri"/>
+                <a:cs typeface="Calibri"/>
+              </a:rPr>
+              <a:t> </a:t>
+            </a:r>
+            <a:r>
+              <a:rPr dirty="0" sz="1050" spc="20">
+                <a:latin typeface="Calibri"/>
+                <a:cs typeface="Calibri"/>
+              </a:rPr>
+              <a:t>vendors,</a:t>
+            </a:r>
+            <a:r>
+              <a:rPr dirty="0" sz="1050" spc="25">
+                <a:latin typeface="Calibri"/>
+                <a:cs typeface="Calibri"/>
+              </a:rPr>
+              <a:t> </a:t>
             </a:r>
             <a:r>
               <a:rPr dirty="0" sz="1050" spc="15">
@@ -7506,7 +11034,7 @@
                 <a:spcPct val="100000"/>
               </a:lnSpc>
               <a:spcBef>
-                <a:spcPts val="1160"/>
+                <a:spcPts val="1140"/>
               </a:spcBef>
             </a:pPr>
             <a:r>
@@ -7517,7 +11045,7 @@
               <a:t>ICS</a:t>
             </a:r>
             <a:r>
-              <a:rPr dirty="0" sz="1050" spc="20">
+              <a:rPr dirty="0" sz="1050" spc="25">
                 <a:latin typeface="Calibri"/>
                 <a:cs typeface="Calibri"/>
               </a:rPr>
@@ -7545,6 +11073,20 @@
               <a:t>is</a:t>
             </a:r>
             <a:r>
+              <a:rPr dirty="0" sz="1050" spc="20">
+                <a:latin typeface="Calibri"/>
+                <a:cs typeface="Calibri"/>
+              </a:rPr>
+              <a:t> </a:t>
+            </a:r>
+            <a:r>
+              <a:rPr dirty="0" sz="1050" spc="15">
+                <a:latin typeface="Calibri"/>
+                <a:cs typeface="Calibri"/>
+              </a:rPr>
+              <a:t>generated</a:t>
+            </a:r>
+            <a:r>
               <a:rPr dirty="0" sz="1050" spc="25">
                 <a:latin typeface="Calibri"/>
                 <a:cs typeface="Calibri"/>
@@ -7552,11 +11094,11 @@
               <a:t> </a:t>
             </a:r>
             <a:r>
-              <a:rPr dirty="0" sz="1050" spc="15">
-                <a:latin typeface="Calibri"/>
-                <a:cs typeface="Calibri"/>
-              </a:rPr>
-              <a:t>generated</a:t>
+              <a:rPr dirty="0" sz="1050" spc="20">
+                <a:latin typeface="Calibri"/>
+                <a:cs typeface="Calibri"/>
+              </a:rPr>
+              <a:t>and</a:t>
             </a:r>
             <a:r>
               <a:rPr dirty="0" sz="1050" spc="25">
@@ -7570,14 +11112,7 @@
                 <a:latin typeface="Calibri"/>
                 <a:cs typeface="Calibri"/>
               </a:rPr>
-              <a:t>and downloaded</a:t>
-            </a:r>
-            <a:r>
-              <a:rPr dirty="0" sz="1050" spc="30">
-                <a:latin typeface="Calibri"/>
-                <a:cs typeface="Calibri"/>
-              </a:rPr>
-              <a:t> </a:t>
+              <a:t>downloaded </a:t>
             </a:r>
             <a:r>
               <a:rPr dirty="0" sz="1050" spc="15" b="1">
@@ -7601,7 +11136,7 @@
               <a:t>in</a:t>
             </a:r>
             <a:r>
-              <a:rPr dirty="0" sz="1050" spc="30">
+              <a:rPr dirty="0" sz="1050" spc="25">
                 <a:latin typeface="Calibri"/>
                 <a:cs typeface="Calibri"/>
               </a:rPr>
@@ -7636,7 +11171,7 @@
               <a:t> based</a:t>
             </a:r>
             <a:r>
-              <a:rPr dirty="0" sz="1050" spc="30" b="1">
+              <a:rPr dirty="0" sz="1050" spc="25" b="1">
                 <a:latin typeface="Calibri"/>
                 <a:cs typeface="Calibri"/>
               </a:rPr>
@@ -7660,7 +11195,7 @@
                 <a:spcPct val="100000"/>
               </a:lnSpc>
               <a:spcBef>
-                <a:spcPts val="1140"/>
+                <a:spcPts val="1160"/>
               </a:spcBef>
             </a:pPr>
             <a:r>
@@ -7671,6 +11206,34 @@
               <a:t>Using</a:t>
             </a:r>
             <a:r>
+              <a:rPr dirty="0" sz="1050" spc="20">
+                <a:latin typeface="Calibri"/>
+                <a:cs typeface="Calibri"/>
+              </a:rPr>
+              <a:t> </a:t>
+            </a:r>
+            <a:r>
+              <a:rPr dirty="0" sz="1050" spc="20" b="1">
+                <a:latin typeface="Calibri"/>
+                <a:cs typeface="Calibri"/>
+              </a:rPr>
+              <a:t>GET</a:t>
+            </a:r>
+            <a:r>
+              <a:rPr dirty="0" sz="1050" spc="30" b="1">
+                <a:latin typeface="Calibri"/>
+                <a:cs typeface="Calibri"/>
+              </a:rPr>
+              <a:t> </a:t>
+            </a:r>
+            <a:r>
+              <a:rPr dirty="0" sz="1050" spc="20">
+                <a:latin typeface="Calibri"/>
+                <a:cs typeface="Calibri"/>
+              </a:rPr>
+              <a:t>request</a:t>
+            </a:r>
+            <a:r>
               <a:rPr dirty="0" sz="1050" spc="25">
                 <a:latin typeface="Calibri"/>
                 <a:cs typeface="Calibri"/>
@@ -7678,25 +11241,11 @@
               <a:t> </a:t>
             </a:r>
             <a:r>
-              <a:rPr dirty="0" sz="1050" spc="20" b="1">
-                <a:latin typeface="Calibri"/>
-                <a:cs typeface="Calibri"/>
-              </a:rPr>
-              <a:t>GET</a:t>
-            </a:r>
-            <a:r>
-              <a:rPr dirty="0" sz="1050" spc="30" b="1">
-                <a:latin typeface="Calibri"/>
-                <a:cs typeface="Calibri"/>
-              </a:rPr>
-              <a:t> </a:t>
-            </a:r>
-            <a:r>
-              <a:rPr dirty="0" sz="1050" spc="20">
-                <a:latin typeface="Calibri"/>
-                <a:cs typeface="Calibri"/>
-              </a:rPr>
-              <a:t>request on</a:t>
+              <a:rPr dirty="0" sz="1050" spc="20">
+                <a:latin typeface="Calibri"/>
+                <a:cs typeface="Calibri"/>
+              </a:rPr>
+              <a:t>on</a:t>
             </a:r>
             <a:r>
               <a:rPr dirty="0" sz="1050" spc="55">
@@ -7749,24 +11298,24 @@
               <a:t>http://localhost:5000/calendar</a:t>
             </a:r>
             <a:r>
+              <a:rPr dirty="0" sz="1050" spc="30">
+                <a:solidFill>
+                  <a:srgbClr val="5E9EA1"/>
+                </a:solidFill>
+                <a:latin typeface="Calibri"/>
+                <a:cs typeface="Calibri"/>
+              </a:rPr>
+              <a:t> </a:t>
+            </a:r>
+            <a:r>
+              <a:rPr dirty="0" sz="1050" spc="15">
+                <a:latin typeface="Calibri"/>
+                <a:cs typeface="Calibri"/>
+              </a:rPr>
+              <a:t>for</a:t>
+            </a:r>
+            <a:r>
               <a:rPr dirty="0" sz="1050" spc="25">
-                <a:solidFill>
-                  <a:srgbClr val="5E9EA1"/>
-                </a:solidFill>
-                <a:latin typeface="Calibri"/>
-                <a:cs typeface="Calibri"/>
-              </a:rPr>
-              <a:t> </a:t>
-            </a:r>
-            <a:r>
-              <a:rPr dirty="0" sz="1050" spc="15">
-                <a:latin typeface="Calibri"/>
-                <a:cs typeface="Calibri"/>
-              </a:rPr>
-              <a:t>for</a:t>
-            </a:r>
-            <a:r>
-              <a:rPr dirty="0" sz="1050" spc="20">
                 <a:latin typeface="Calibri"/>
                 <a:cs typeface="Calibri"/>
               </a:rPr>
@@ -7777,21 +11326,7 @@
                 <a:latin typeface="Calibri"/>
                 <a:cs typeface="Calibri"/>
               </a:rPr>
-              <a:t>API</a:t>
-            </a:r>
-            <a:r>
-              <a:rPr dirty="0" sz="1050" spc="25" b="1">
-                <a:latin typeface="Calibri"/>
-                <a:cs typeface="Calibri"/>
-              </a:rPr>
-              <a:t> </a:t>
-            </a:r>
-            <a:r>
-              <a:rPr dirty="0" sz="1050" spc="20" b="1">
-                <a:latin typeface="Calibri"/>
-                <a:cs typeface="Calibri"/>
-              </a:rPr>
-              <a:t>approach</a:t>
+              <a:t>API approach</a:t>
             </a:r>
             <a:endParaRPr sz="1050">
               <a:latin typeface="Calibri"/>
@@ -7802,7 +11337,7 @@
       </p:sp>
       <p:sp>
         <p:nvSpPr>
-          <p:cNvPr id="11" name="object 11"/>
+          <p:cNvPr id="12" name="object 12"/>
           <p:cNvSpPr txBox="1">
             <a:spLocks noGrp="1"/>
           </p:cNvSpPr>
@@ -10829,7 +14364,7 @@
         <p:spPr>
           <a:xfrm>
             <a:off x="840905" y="789088"/>
-            <a:ext cx="5857875" cy="3933190"/>
+            <a:ext cx="5859145" cy="3933190"/>
           </a:xfrm>
           <a:prstGeom prst="rect">
             <a:avLst/>
@@ -11247,7 +14782,7 @@
             </a:endParaRPr>
           </a:p>
           <a:p>
-            <a:pPr marL="927100" marR="470534" indent="-228600">
+            <a:pPr marL="927100" marR="471805" indent="-228600">
               <a:lnSpc>
                 <a:spcPct val="112400"/>
               </a:lnSpc>
@@ -11680,13 +15215,6 @@
               <a:t>a</a:t>
             </a:r>
             <a:r>
-              <a:rPr dirty="0" sz="1050" spc="20">
-                <a:latin typeface="Calibri"/>
-                <a:cs typeface="Calibri"/>
-              </a:rPr>
-              <a:t> dense</a:t>
-            </a:r>
-            <a:r>
               <a:rPr dirty="0" sz="1050" spc="25">
                 <a:latin typeface="Calibri"/>
                 <a:cs typeface="Calibri"/>
@@ -11698,6 +15226,20 @@
                 <a:latin typeface="Calibri"/>
                 <a:cs typeface="Calibri"/>
               </a:rPr>
+              <a:t>dense</a:t>
+            </a:r>
+            <a:r>
+              <a:rPr dirty="0" sz="1050" spc="25">
+                <a:latin typeface="Calibri"/>
+                <a:cs typeface="Calibri"/>
+              </a:rPr>
+              <a:t> </a:t>
+            </a:r>
+            <a:r>
+              <a:rPr dirty="0" sz="1050" spc="20">
+                <a:latin typeface="Calibri"/>
+                <a:cs typeface="Calibri"/>
+              </a:rPr>
               <a:t>network </a:t>
             </a:r>
             <a:r>
@@ -11712,7 +15254,14 @@
                 <a:latin typeface="Calibri"/>
                 <a:cs typeface="Calibri"/>
               </a:rPr>
-              <a:t> opposed </a:t>
+              <a:t> opposed</a:t>
+            </a:r>
+            <a:r>
+              <a:rPr dirty="0" sz="1050" spc="25">
+                <a:latin typeface="Calibri"/>
+                <a:cs typeface="Calibri"/>
+              </a:rPr>
+              <a:t> </a:t>
             </a:r>
             <a:r>
               <a:rPr dirty="0" sz="1050" spc="15">
@@ -11736,7 +15285,7 @@
               <a:t>a</a:t>
             </a:r>
             <a:r>
-              <a:rPr dirty="0" sz="1050" spc="20">
+              <a:rPr dirty="0" sz="1050" spc="25">
                 <a:latin typeface="Calibri"/>
                 <a:cs typeface="Calibri"/>
               </a:rPr>
@@ -11750,13 +15299,6 @@
               <a:t>sparse</a:t>
             </a:r>
             <a:r>
-              <a:rPr dirty="0" sz="1050" spc="20">
-                <a:latin typeface="Calibri"/>
-                <a:cs typeface="Calibri"/>
-              </a:rPr>
-              <a:t> network</a:t>
-            </a:r>
-            <a:r>
               <a:rPr dirty="0" sz="1050" spc="25">
                 <a:latin typeface="Calibri"/>
                 <a:cs typeface="Calibri"/>
@@ -11764,18 +15306,25 @@
               <a:t> </a:t>
             </a:r>
             <a:r>
-              <a:rPr dirty="0" sz="1050" spc="15">
-                <a:latin typeface="Calibri"/>
-                <a:cs typeface="Calibri"/>
-              </a:rPr>
-              <a:t>of </a:t>
-            </a:r>
-            <a:r>
-              <a:rPr dirty="0" sz="1050" spc="20">
-                <a:latin typeface="Calibri"/>
-                <a:cs typeface="Calibri"/>
-              </a:rPr>
-              <a:t>nodes</a:t>
+              <a:rPr dirty="0" sz="1050" spc="20">
+                <a:latin typeface="Calibri"/>
+                <a:cs typeface="Calibri"/>
+              </a:rPr>
+              <a:t>network </a:t>
+            </a:r>
+            <a:r>
+              <a:rPr dirty="0" sz="1050" spc="15">
+                <a:latin typeface="Calibri"/>
+                <a:cs typeface="Calibri"/>
+              </a:rPr>
+              <a:t>of</a:t>
+            </a:r>
+            <a:r>
+              <a:rPr dirty="0" sz="1050" spc="20">
+                <a:latin typeface="Calibri"/>
+                <a:cs typeface="Calibri"/>
+              </a:rPr>
+              <a:t> nodes</a:t>
             </a:r>
             <a:endParaRPr sz="1050">
               <a:latin typeface="Calibri"/>
@@ -12006,7 +15555,7 @@
             </a:endParaRPr>
           </a:p>
           <a:p>
-            <a:pPr marL="12700" marR="511175">
+            <a:pPr marL="12700" marR="512445">
               <a:lnSpc>
                 <a:spcPct val="196200"/>
               </a:lnSpc>
@@ -12186,181 +15735,174 @@
               <a:t>un</a:t>
             </a:r>
             <a:r>
+              <a:rPr dirty="0" sz="1050" spc="10">
+                <a:latin typeface="Calibri"/>
+                <a:cs typeface="Calibri"/>
+              </a:rPr>
+              <a:t>i</a:t>
+            </a:r>
+            <a:r>
+              <a:rPr dirty="0" sz="1050" spc="25">
+                <a:latin typeface="Calibri"/>
+                <a:cs typeface="Calibri"/>
+              </a:rPr>
+              <a:t>o</a:t>
+            </a:r>
+            <a:r>
+              <a:rPr dirty="0" sz="1050" spc="15">
+                <a:latin typeface="Calibri"/>
+                <a:cs typeface="Calibri"/>
+              </a:rPr>
+              <a:t>n</a:t>
+            </a:r>
+            <a:r>
+              <a:rPr dirty="0" sz="1050" spc="20">
+                <a:latin typeface="Calibri"/>
+                <a:cs typeface="Calibri"/>
+              </a:rPr>
+              <a:t> </a:t>
+            </a:r>
+            <a:r>
+              <a:rPr dirty="0" sz="1050" spc="25">
+                <a:latin typeface="Calibri"/>
+                <a:cs typeface="Calibri"/>
+              </a:rPr>
+              <a:t>o</a:t>
+            </a:r>
+            <a:r>
               <a:rPr dirty="0" sz="1050" spc="5">
                 <a:latin typeface="Calibri"/>
                 <a:cs typeface="Calibri"/>
               </a:rPr>
-              <a:t>i</a:t>
+              <a:t>f</a:t>
+            </a:r>
+            <a:r>
+              <a:rPr dirty="0" sz="1050" spc="15">
+                <a:latin typeface="Calibri"/>
+                <a:cs typeface="Calibri"/>
+              </a:rPr>
+              <a:t> </a:t>
+            </a:r>
+            <a:r>
+              <a:rPr dirty="0" sz="1050" spc="15">
+                <a:latin typeface="Calibri"/>
+                <a:cs typeface="Calibri"/>
+              </a:rPr>
+              <a:t>r</a:t>
             </a:r>
             <a:r>
               <a:rPr dirty="0" sz="1050" spc="25">
                 <a:latin typeface="Calibri"/>
                 <a:cs typeface="Calibri"/>
               </a:rPr>
-              <a:t>o</a:t>
-            </a:r>
-            <a:r>
-              <a:rPr dirty="0" sz="1050" spc="15">
+              <a:t>equ</a:t>
+            </a:r>
+            <a:r>
+              <a:rPr dirty="0" sz="1050" spc="15">
+                <a:latin typeface="Calibri"/>
+                <a:cs typeface="Calibri"/>
+              </a:rPr>
+              <a:t>est.</a:t>
+            </a:r>
+            <a:r>
+              <a:rPr dirty="0" sz="1050" spc="25">
+                <a:latin typeface="Calibri"/>
+                <a:cs typeface="Calibri"/>
+              </a:rPr>
+              <a:t>bod</a:t>
+            </a:r>
+            <a:r>
+              <a:rPr dirty="0" sz="1050" spc="10">
+                <a:latin typeface="Calibri"/>
+                <a:cs typeface="Calibri"/>
+              </a:rPr>
+              <a:t>y</a:t>
+            </a:r>
+            <a:r>
+              <a:rPr dirty="0" sz="1050" spc="15">
+                <a:latin typeface="Calibri"/>
+                <a:cs typeface="Calibri"/>
+              </a:rPr>
+              <a:t> </a:t>
+            </a:r>
+            <a:r>
+              <a:rPr dirty="0" sz="1050" spc="25">
+                <a:latin typeface="Calibri"/>
+                <a:cs typeface="Calibri"/>
+              </a:rPr>
+              <a:t>p</a:t>
+            </a:r>
+            <a:r>
+              <a:rPr dirty="0" sz="1050" spc="15">
+                <a:latin typeface="Calibri"/>
+                <a:cs typeface="Calibri"/>
+              </a:rPr>
+              <a:t>ara</a:t>
+            </a:r>
+            <a:r>
+              <a:rPr dirty="0" sz="1050" spc="35">
+                <a:latin typeface="Calibri"/>
+                <a:cs typeface="Calibri"/>
+              </a:rPr>
+              <a:t>m</a:t>
+            </a:r>
+            <a:r>
+              <a:rPr dirty="0" sz="1050" spc="20">
+                <a:latin typeface="Calibri"/>
+                <a:cs typeface="Calibri"/>
+              </a:rPr>
+              <a:t>e</a:t>
+            </a:r>
+            <a:r>
+              <a:rPr dirty="0" sz="1050" spc="15">
+                <a:latin typeface="Calibri"/>
+                <a:cs typeface="Calibri"/>
+              </a:rPr>
+              <a:t>t</a:t>
+            </a:r>
+            <a:r>
+              <a:rPr dirty="0" sz="1050" spc="20">
+                <a:latin typeface="Calibri"/>
+                <a:cs typeface="Calibri"/>
+              </a:rPr>
+              <a:t>e</a:t>
+            </a:r>
+            <a:r>
+              <a:rPr dirty="0" sz="1050" spc="15">
+                <a:latin typeface="Calibri"/>
+                <a:cs typeface="Calibri"/>
+              </a:rPr>
+              <a:t>r</a:t>
+            </a:r>
+            <a:r>
+              <a:rPr dirty="0" sz="1050" spc="10">
+                <a:latin typeface="Calibri"/>
+                <a:cs typeface="Calibri"/>
+              </a:rPr>
+              <a:t>s</a:t>
+            </a:r>
+            <a:r>
+              <a:rPr dirty="0" sz="1050" spc="15">
+                <a:latin typeface="Calibri"/>
+                <a:cs typeface="Calibri"/>
+              </a:rPr>
+              <a:t> </a:t>
+            </a:r>
+            <a:r>
+              <a:rPr dirty="0" sz="1050" spc="15">
+                <a:latin typeface="Calibri"/>
+                <a:cs typeface="Calibri"/>
+              </a:rPr>
+              <a:t>a</a:t>
+            </a:r>
+            <a:r>
+              <a:rPr dirty="0" sz="1050" spc="25">
                 <a:latin typeface="Calibri"/>
                 <a:cs typeface="Calibri"/>
               </a:rPr>
               <a:t>n</a:t>
             </a:r>
             <a:r>
-              <a:rPr dirty="0" sz="1050" spc="20">
-                <a:latin typeface="Calibri"/>
-                <a:cs typeface="Calibri"/>
-              </a:rPr>
-              <a:t> </a:t>
-            </a:r>
-            <a:r>
-              <a:rPr dirty="0" sz="1050" spc="25">
-                <a:latin typeface="Calibri"/>
-                <a:cs typeface="Calibri"/>
-              </a:rPr>
-              <a:t>o</a:t>
-            </a:r>
-            <a:r>
-              <a:rPr dirty="0" sz="1050" spc="5">
-                <a:latin typeface="Calibri"/>
-                <a:cs typeface="Calibri"/>
-              </a:rPr>
-              <a:t>f</a:t>
-            </a:r>
-            <a:r>
-              <a:rPr dirty="0" sz="1050" spc="15">
-                <a:latin typeface="Calibri"/>
-                <a:cs typeface="Calibri"/>
-              </a:rPr>
-              <a:t> </a:t>
-            </a:r>
-            <a:r>
-              <a:rPr dirty="0" sz="1050" spc="15">
-                <a:latin typeface="Calibri"/>
-                <a:cs typeface="Calibri"/>
-              </a:rPr>
-              <a:t>r</a:t>
-            </a:r>
-            <a:r>
-              <a:rPr dirty="0" sz="1050" spc="25">
-                <a:latin typeface="Calibri"/>
-                <a:cs typeface="Calibri"/>
-              </a:rPr>
-              <a:t>eque</a:t>
-            </a:r>
-            <a:r>
-              <a:rPr dirty="0" sz="1050" spc="15">
-                <a:latin typeface="Calibri"/>
-                <a:cs typeface="Calibri"/>
-              </a:rPr>
-              <a:t>st</a:t>
-            </a:r>
-            <a:r>
-              <a:rPr dirty="0" sz="1050" spc="5">
-                <a:latin typeface="Calibri"/>
-                <a:cs typeface="Calibri"/>
-              </a:rPr>
-              <a:t>.</a:t>
-            </a:r>
-            <a:r>
-              <a:rPr dirty="0" sz="1050" spc="25">
-                <a:latin typeface="Calibri"/>
-                <a:cs typeface="Calibri"/>
-              </a:rPr>
-              <a:t>bod</a:t>
-            </a:r>
-            <a:r>
-              <a:rPr dirty="0" sz="1050" spc="10">
-                <a:latin typeface="Calibri"/>
-                <a:cs typeface="Calibri"/>
-              </a:rPr>
-              <a:t>y</a:t>
-            </a:r>
-            <a:r>
-              <a:rPr dirty="0" sz="1050" spc="20">
-                <a:latin typeface="Calibri"/>
-                <a:cs typeface="Calibri"/>
-              </a:rPr>
-              <a:t> </a:t>
-            </a:r>
-            <a:r>
-              <a:rPr dirty="0" sz="1050" spc="25">
-                <a:latin typeface="Calibri"/>
-                <a:cs typeface="Calibri"/>
-              </a:rPr>
-              <a:t>p</a:t>
-            </a:r>
-            <a:r>
-              <a:rPr dirty="0" sz="1050" spc="15">
-                <a:latin typeface="Calibri"/>
-                <a:cs typeface="Calibri"/>
-              </a:rPr>
-              <a:t>ara</a:t>
-            </a:r>
-            <a:r>
-              <a:rPr dirty="0" sz="1050" spc="35">
-                <a:latin typeface="Calibri"/>
-                <a:cs typeface="Calibri"/>
-              </a:rPr>
-              <a:t>m</a:t>
-            </a:r>
-            <a:r>
-              <a:rPr dirty="0" sz="1050" spc="20">
-                <a:latin typeface="Calibri"/>
-                <a:cs typeface="Calibri"/>
-              </a:rPr>
-              <a:t>e</a:t>
-            </a:r>
-            <a:r>
-              <a:rPr dirty="0" sz="1050" spc="15">
-                <a:latin typeface="Calibri"/>
-                <a:cs typeface="Calibri"/>
-              </a:rPr>
-              <a:t>t</a:t>
-            </a:r>
-            <a:r>
-              <a:rPr dirty="0" sz="1050" spc="20">
-                <a:latin typeface="Calibri"/>
-                <a:cs typeface="Calibri"/>
-              </a:rPr>
-              <a:t>e</a:t>
-            </a:r>
-            <a:r>
-              <a:rPr dirty="0" sz="1050" spc="15">
-                <a:latin typeface="Calibri"/>
-                <a:cs typeface="Calibri"/>
-              </a:rPr>
-              <a:t>r</a:t>
-            </a:r>
-            <a:r>
-              <a:rPr dirty="0" sz="1050" spc="10">
-                <a:latin typeface="Calibri"/>
-                <a:cs typeface="Calibri"/>
-              </a:rPr>
-              <a:t>s</a:t>
-            </a:r>
-            <a:r>
-              <a:rPr dirty="0" sz="1050" spc="15">
-                <a:latin typeface="Calibri"/>
-                <a:cs typeface="Calibri"/>
-              </a:rPr>
-              <a:t> </a:t>
-            </a:r>
-            <a:r>
-              <a:rPr dirty="0" sz="1050" spc="15">
-                <a:latin typeface="Calibri"/>
-                <a:cs typeface="Calibri"/>
-              </a:rPr>
-              <a:t>a</a:t>
-            </a:r>
-            <a:r>
-              <a:rPr dirty="0" sz="1050" spc="25">
-                <a:latin typeface="Calibri"/>
-                <a:cs typeface="Calibri"/>
-              </a:rPr>
-              <a:t>n</a:t>
-            </a:r>
-            <a:r>
               <a:rPr dirty="0" sz="1050" spc="15">
                 <a:latin typeface="Calibri"/>
                 <a:cs typeface="Calibri"/>
@@ -12368,7 +15910,7 @@
               <a:t>d</a:t>
             </a:r>
             <a:r>
-              <a:rPr dirty="0" sz="1050" spc="25">
+              <a:rPr dirty="0" sz="1050" spc="20">
                 <a:latin typeface="Calibri"/>
                 <a:cs typeface="Calibri"/>
               </a:rPr>
@@ -12863,25 +16405,25 @@
               <a:t>for</a:t>
             </a:r>
             <a:r>
+              <a:rPr dirty="0" sz="1050" spc="5">
+                <a:latin typeface="Calibri"/>
+                <a:cs typeface="Calibri"/>
+              </a:rPr>
+              <a:t> </a:t>
+            </a:r>
+            <a:r>
+              <a:rPr dirty="0" sz="1050" spc="15">
+                <a:latin typeface="Calibri"/>
+                <a:cs typeface="Calibri"/>
+              </a:rPr>
+              <a:t>ICS </a:t>
+            </a:r>
+            <a:r>
               <a:rPr dirty="0" sz="1050" spc="10">
                 <a:latin typeface="Calibri"/>
                 <a:cs typeface="Calibri"/>
               </a:rPr>
-              <a:t> </a:t>
-            </a:r>
-            <a:r>
-              <a:rPr dirty="0" sz="1050" spc="15">
-                <a:latin typeface="Calibri"/>
-                <a:cs typeface="Calibri"/>
-              </a:rPr>
-              <a:t>ICS</a:t>
-            </a:r>
-            <a:r>
-              <a:rPr dirty="0" sz="1050" spc="10">
-                <a:latin typeface="Calibri"/>
-                <a:cs typeface="Calibri"/>
-              </a:rPr>
-              <a:t> file</a:t>
+              <a:t>file</a:t>
             </a:r>
             <a:r>
               <a:rPr dirty="0" sz="1050" spc="15">
@@ -12933,6 +16475,20 @@
               <a:t>files</a:t>
             </a:r>
             <a:r>
+              <a:rPr dirty="0" sz="1050" spc="20">
+                <a:latin typeface="Calibri"/>
+                <a:cs typeface="Calibri"/>
+              </a:rPr>
+              <a:t> </a:t>
+            </a:r>
+            <a:r>
+              <a:rPr dirty="0" sz="1050" spc="15">
+                <a:latin typeface="Calibri"/>
+                <a:cs typeface="Calibri"/>
+              </a:rPr>
+              <a:t>can</a:t>
+            </a:r>
+            <a:r>
               <a:rPr dirty="0" sz="1050" spc="25">
                 <a:latin typeface="Calibri"/>
                 <a:cs typeface="Calibri"/>
@@ -12940,11 +16496,11 @@
               <a:t> </a:t>
             </a:r>
             <a:r>
-              <a:rPr dirty="0" sz="1050" spc="15">
-                <a:latin typeface="Calibri"/>
-                <a:cs typeface="Calibri"/>
-              </a:rPr>
-              <a:t>can</a:t>
+              <a:rPr dirty="0" sz="1050" spc="20">
+                <a:latin typeface="Calibri"/>
+                <a:cs typeface="Calibri"/>
+              </a:rPr>
+              <a:t>be</a:t>
             </a:r>
             <a:r>
               <a:rPr dirty="0" sz="1050" spc="25">
@@ -12958,20 +16514,6 @@
                 <a:latin typeface="Calibri"/>
                 <a:cs typeface="Calibri"/>
               </a:rPr>
-              <a:t>be</a:t>
-            </a:r>
-            <a:r>
-              <a:rPr dirty="0" sz="1050" spc="30">
-                <a:latin typeface="Calibri"/>
-                <a:cs typeface="Calibri"/>
-              </a:rPr>
-              <a:t> </a:t>
-            </a:r>
-            <a:r>
-              <a:rPr dirty="0" sz="1050" spc="20">
-                <a:latin typeface="Calibri"/>
-                <a:cs typeface="Calibri"/>
-              </a:rPr>
               <a:t>imported, </a:t>
             </a:r>
             <a:r>
@@ -13010,6 +16552,27 @@
               <a:t>email</a:t>
             </a:r>
             <a:r>
+              <a:rPr dirty="0" sz="1050" spc="20">
+                <a:latin typeface="Calibri"/>
+                <a:cs typeface="Calibri"/>
+              </a:rPr>
+              <a:t> </a:t>
+            </a:r>
+            <a:r>
+              <a:rPr dirty="0" sz="1050" spc="15">
+                <a:latin typeface="Calibri"/>
+                <a:cs typeface="Calibri"/>
+              </a:rPr>
+              <a:t>etc,</a:t>
+            </a:r>
+            <a:r>
+              <a:rPr dirty="0" sz="1050" spc="20">
+                <a:latin typeface="Calibri"/>
+                <a:cs typeface="Calibri"/>
+              </a:rPr>
+              <a:t> and</a:t>
+            </a:r>
+            <a:r>
               <a:rPr dirty="0" sz="1050" spc="25">
                 <a:latin typeface="Calibri"/>
                 <a:cs typeface="Calibri"/>
@@ -13021,27 +16584,6 @@
                 <a:latin typeface="Calibri"/>
                 <a:cs typeface="Calibri"/>
               </a:rPr>
-              <a:t>etc,</a:t>
-            </a:r>
-            <a:r>
-              <a:rPr dirty="0" sz="1050" spc="20">
-                <a:latin typeface="Calibri"/>
-                <a:cs typeface="Calibri"/>
-              </a:rPr>
-              <a:t> and</a:t>
-            </a:r>
-            <a:r>
-              <a:rPr dirty="0" sz="1050" spc="30">
-                <a:latin typeface="Calibri"/>
-                <a:cs typeface="Calibri"/>
-              </a:rPr>
-              <a:t> </a:t>
-            </a:r>
-            <a:r>
-              <a:rPr dirty="0" sz="1050" spc="15">
-                <a:latin typeface="Calibri"/>
-                <a:cs typeface="Calibri"/>
-              </a:rPr>
               <a:t>integrated</a:t>
             </a:r>
             <a:r>
@@ -13059,7 +16601,7 @@
               <a:t>with</a:t>
             </a:r>
             <a:r>
-              <a:rPr dirty="0" sz="1050" spc="30">
+              <a:rPr dirty="0" sz="1050" spc="25">
                 <a:latin typeface="Calibri"/>
                 <a:cs typeface="Calibri"/>
               </a:rPr>
@@ -13073,7 +16615,7 @@
               <a:t>any</a:t>
             </a:r>
             <a:r>
-              <a:rPr dirty="0" sz="1050" spc="30">
+              <a:rPr dirty="0" sz="1050" spc="25">
                 <a:latin typeface="Calibri"/>
                 <a:cs typeface="Calibri"/>
               </a:rPr>
@@ -13101,7 +16643,7 @@
               <a:t>calendar,</a:t>
             </a:r>
             <a:r>
-              <a:rPr dirty="0" sz="1050" spc="25">
+              <a:rPr dirty="0" sz="1050" spc="20">
                 <a:latin typeface="Calibri"/>
                 <a:cs typeface="Calibri"/>
               </a:rPr>
@@ -16405,7 +19947,7 @@
         <p:spPr>
           <a:xfrm>
             <a:off x="840905" y="8774848"/>
-            <a:ext cx="4067810" cy="190500"/>
+            <a:ext cx="4069715" cy="190500"/>
           </a:xfrm>
           <a:prstGeom prst="rect">
             <a:avLst/>
@@ -16440,11 +19982,18 @@
               <a:t>form-</a:t>
             </a:r>
             <a:r>
-              <a:rPr dirty="0" sz="1050" spc="20">
-                <a:latin typeface="Calibri"/>
-                <a:cs typeface="Calibri"/>
-              </a:rPr>
-              <a:t> appending </a:t>
+              <a:rPr dirty="0" sz="1050" spc="25">
+                <a:latin typeface="Calibri"/>
+                <a:cs typeface="Calibri"/>
+              </a:rPr>
+              <a:t> </a:t>
+            </a:r>
+            <a:r>
+              <a:rPr dirty="0" sz="1050" spc="20">
+                <a:latin typeface="Calibri"/>
+                <a:cs typeface="Calibri"/>
+              </a:rPr>
+              <a:t>appending </a:t>
             </a:r>
             <a:r>
               <a:rPr dirty="0" sz="1050" spc="15">
@@ -16454,7 +20003,7 @@
               <a:t>locations</a:t>
             </a:r>
             <a:r>
-              <a:rPr dirty="0" sz="1050" spc="20">
+              <a:rPr dirty="0" sz="1050" spc="25">
                 <a:latin typeface="Calibri"/>
                 <a:cs typeface="Calibri"/>
               </a:rPr>
@@ -16482,7 +20031,7 @@
               <a:t>by</a:t>
             </a:r>
             <a:r>
-              <a:rPr dirty="0" sz="1050" spc="20">
+              <a:rPr dirty="0" sz="1050" spc="25">
                 <a:latin typeface="Calibri"/>
                 <a:cs typeface="Calibri"/>
               </a:rPr>
@@ -16503,7 +20052,7 @@
               <a:t> node</a:t>
             </a:r>
             <a:r>
-              <a:rPr dirty="0" sz="1050" spc="25">
+              <a:rPr dirty="0" sz="1050" spc="30">
                 <a:latin typeface="Calibri"/>
                 <a:cs typeface="Calibri"/>
               </a:rPr>
